--- a/SE495/Lectures/4-Integration Design Patterns/Integration Design Patterns.pptx
+++ b/SE495/Lectures/4-Integration Design Patterns/Integration Design Patterns.pptx
@@ -5,7 +5,7 @@
     <p:sldMasterId id="2147483648" r:id="rId1"/>
   </p:sldMasterIdLst>
   <p:notesMasterIdLst>
-    <p:notesMasterId r:id="rId50"/>
+    <p:notesMasterId r:id="rId57"/>
   </p:notesMasterIdLst>
   <p:sldIdLst>
     <p:sldId id="256" r:id="rId2"/>
@@ -22,40 +22,47 @@
     <p:sldId id="398" r:id="rId13"/>
     <p:sldId id="359" r:id="rId14"/>
     <p:sldId id="360" r:id="rId15"/>
-    <p:sldId id="399" r:id="rId16"/>
-    <p:sldId id="361" r:id="rId17"/>
-    <p:sldId id="362" r:id="rId18"/>
-    <p:sldId id="363" r:id="rId19"/>
-    <p:sldId id="364" r:id="rId20"/>
-    <p:sldId id="365" r:id="rId21"/>
-    <p:sldId id="366" r:id="rId22"/>
-    <p:sldId id="367" r:id="rId23"/>
-    <p:sldId id="368" r:id="rId24"/>
-    <p:sldId id="369" r:id="rId25"/>
-    <p:sldId id="370" r:id="rId26"/>
-    <p:sldId id="371" r:id="rId27"/>
-    <p:sldId id="372" r:id="rId28"/>
-    <p:sldId id="373" r:id="rId29"/>
-    <p:sldId id="374" r:id="rId30"/>
-    <p:sldId id="375" r:id="rId31"/>
-    <p:sldId id="376" r:id="rId32"/>
-    <p:sldId id="377" r:id="rId33"/>
-    <p:sldId id="378" r:id="rId34"/>
-    <p:sldId id="379" r:id="rId35"/>
-    <p:sldId id="380" r:id="rId36"/>
-    <p:sldId id="381" r:id="rId37"/>
-    <p:sldId id="382" r:id="rId38"/>
-    <p:sldId id="383" r:id="rId39"/>
-    <p:sldId id="384" r:id="rId40"/>
-    <p:sldId id="385" r:id="rId41"/>
-    <p:sldId id="386" r:id="rId42"/>
-    <p:sldId id="387" r:id="rId43"/>
-    <p:sldId id="388" r:id="rId44"/>
-    <p:sldId id="389" r:id="rId45"/>
-    <p:sldId id="390" r:id="rId46"/>
-    <p:sldId id="391" r:id="rId47"/>
-    <p:sldId id="392" r:id="rId48"/>
-    <p:sldId id="393" r:id="rId49"/>
+    <p:sldId id="406" r:id="rId16"/>
+    <p:sldId id="399" r:id="rId17"/>
+    <p:sldId id="400" r:id="rId18"/>
+    <p:sldId id="401" r:id="rId19"/>
+    <p:sldId id="402" r:id="rId20"/>
+    <p:sldId id="403" r:id="rId21"/>
+    <p:sldId id="404" r:id="rId22"/>
+    <p:sldId id="405" r:id="rId23"/>
+    <p:sldId id="361" r:id="rId24"/>
+    <p:sldId id="362" r:id="rId25"/>
+    <p:sldId id="363" r:id="rId26"/>
+    <p:sldId id="364" r:id="rId27"/>
+    <p:sldId id="365" r:id="rId28"/>
+    <p:sldId id="366" r:id="rId29"/>
+    <p:sldId id="367" r:id="rId30"/>
+    <p:sldId id="368" r:id="rId31"/>
+    <p:sldId id="369" r:id="rId32"/>
+    <p:sldId id="370" r:id="rId33"/>
+    <p:sldId id="371" r:id="rId34"/>
+    <p:sldId id="372" r:id="rId35"/>
+    <p:sldId id="373" r:id="rId36"/>
+    <p:sldId id="374" r:id="rId37"/>
+    <p:sldId id="375" r:id="rId38"/>
+    <p:sldId id="376" r:id="rId39"/>
+    <p:sldId id="377" r:id="rId40"/>
+    <p:sldId id="378" r:id="rId41"/>
+    <p:sldId id="379" r:id="rId42"/>
+    <p:sldId id="380" r:id="rId43"/>
+    <p:sldId id="381" r:id="rId44"/>
+    <p:sldId id="382" r:id="rId45"/>
+    <p:sldId id="383" r:id="rId46"/>
+    <p:sldId id="384" r:id="rId47"/>
+    <p:sldId id="385" r:id="rId48"/>
+    <p:sldId id="386" r:id="rId49"/>
+    <p:sldId id="387" r:id="rId50"/>
+    <p:sldId id="388" r:id="rId51"/>
+    <p:sldId id="389" r:id="rId52"/>
+    <p:sldId id="390" r:id="rId53"/>
+    <p:sldId id="391" r:id="rId54"/>
+    <p:sldId id="392" r:id="rId55"/>
+    <p:sldId id="393" r:id="rId56"/>
   </p:sldIdLst>
   <p:sldSz cx="12192000" cy="6858000"/>
   <p:notesSz cx="6858000" cy="9144000"/>
@@ -244,7 +251,7 @@
           <a:p>
             <a:fld id="{41DA9887-9249-49FD-809A-BACB264048C3}" type="datetimeFigureOut">
               <a:rPr lang="en-US" smtClean="0"/>
-              <a:t>3/13/2023</a:t>
+              <a:t>3/14/2023</a:t>
             </a:fld>
             <a:endParaRPr lang="en-US"/>
           </a:p>
@@ -511,6 +518,1398 @@
 </p:notesMaster>
 </file>
 
+<file path=ppt/notesSlides/notesSlide1.xml><?xml version="1.0" encoding="utf-8"?>
+<p:notes xmlns:a="http://schemas.openxmlformats.org/drawingml/2006/main" xmlns:r="http://schemas.openxmlformats.org/officeDocument/2006/relationships" xmlns:p="http://schemas.openxmlformats.org/presentationml/2006/main">
+  <p:cSld>
+    <p:spTree>
+      <p:nvGrpSpPr>
+        <p:cNvPr id="1" name=""/>
+        <p:cNvGrpSpPr/>
+        <p:nvPr/>
+      </p:nvGrpSpPr>
+      <p:grpSpPr>
+        <a:xfrm>
+          <a:off x="0" y="0"/>
+          <a:ext cx="0" cy="0"/>
+          <a:chOff x="0" y="0"/>
+          <a:chExt cx="0" cy="0"/>
+        </a:xfrm>
+      </p:grpSpPr>
+      <p:sp>
+        <p:nvSpPr>
+          <p:cNvPr id="59394" name="Slide Image Placeholder 1"/>
+          <p:cNvSpPr>
+            <a:spLocks noGrp="1" noRot="1" noChangeAspect="1" noTextEdit="1"/>
+          </p:cNvSpPr>
+          <p:nvPr>
+            <p:ph type="sldImg"/>
+          </p:nvPr>
+        </p:nvSpPr>
+        <p:spPr>
+          <a:ln/>
+        </p:spPr>
+      </p:sp>
+      <p:sp>
+        <p:nvSpPr>
+          <p:cNvPr id="59395" name="Notes Placeholder 2"/>
+          <p:cNvSpPr>
+            <a:spLocks noGrp="1"/>
+          </p:cNvSpPr>
+          <p:nvPr>
+            <p:ph type="body" idx="1"/>
+          </p:nvPr>
+        </p:nvSpPr>
+        <p:spPr>
+          <a:noFill/>
+          <a:ln/>
+          <a:extLst>
+            <a:ext uri="{909E8E84-426E-40DD-AFC4-6F175D3DCCD1}">
+              <a14:hiddenFill xmlns:a14="http://schemas.microsoft.com/office/drawing/2010/main">
+                <a:solidFill>
+                  <a:srgbClr val="FFFFFF"/>
+                </a:solidFill>
+              </a14:hiddenFill>
+            </a:ext>
+            <a:ext uri="{91240B29-F687-4F45-9708-019B960494DF}">
+              <a14:hiddenLine xmlns:a14="http://schemas.microsoft.com/office/drawing/2010/main" w="9525">
+                <a:solidFill>
+                  <a:srgbClr val="000000"/>
+                </a:solidFill>
+                <a:miter lim="800000"/>
+                <a:headEnd/>
+                <a:tailEnd/>
+              </a14:hiddenLine>
+            </a:ext>
+          </a:extLst>
+        </p:spPr>
+        <p:txBody>
+          <a:bodyPr/>
+          <a:lstStyle/>
+          <a:p>
+            <a:endParaRPr lang="en-US"/>
+          </a:p>
+        </p:txBody>
+      </p:sp>
+      <p:sp>
+        <p:nvSpPr>
+          <p:cNvPr id="59396" name="Slide Number Placeholder 3"/>
+          <p:cNvSpPr>
+            <a:spLocks noGrp="1"/>
+          </p:cNvSpPr>
+          <p:nvPr>
+            <p:ph type="sldNum" sz="quarter" idx="5"/>
+          </p:nvPr>
+        </p:nvSpPr>
+        <p:spPr>
+          <a:noFill/>
+          <a:ln/>
+          <a:extLst>
+            <a:ext uri="{909E8E84-426E-40DD-AFC4-6F175D3DCCD1}">
+              <a14:hiddenFill xmlns:a14="http://schemas.microsoft.com/office/drawing/2010/main">
+                <a:solidFill>
+                  <a:srgbClr val="FFFFFF"/>
+                </a:solidFill>
+              </a14:hiddenFill>
+            </a:ext>
+            <a:ext uri="{91240B29-F687-4F45-9708-019B960494DF}">
+              <a14:hiddenLine xmlns:a14="http://schemas.microsoft.com/office/drawing/2010/main" w="9525">
+                <a:solidFill>
+                  <a:srgbClr val="000000"/>
+                </a:solidFill>
+                <a:miter lim="800000"/>
+                <a:headEnd/>
+                <a:tailEnd/>
+              </a14:hiddenLine>
+            </a:ext>
+          </a:extLst>
+        </p:spPr>
+        <p:txBody>
+          <a:bodyPr/>
+          <a:lstStyle>
+            <a:lvl1pPr defTabSz="965200">
+              <a:defRPr b="1">
+                <a:solidFill>
+                  <a:schemeClr val="tx1"/>
+                </a:solidFill>
+                <a:latin typeface="Times New Roman" pitchFamily="18" charset="0"/>
+              </a:defRPr>
+            </a:lvl1pPr>
+            <a:lvl2pPr marL="742950" indent="-285750" defTabSz="965200">
+              <a:defRPr b="1">
+                <a:solidFill>
+                  <a:schemeClr val="tx1"/>
+                </a:solidFill>
+                <a:latin typeface="Times New Roman" pitchFamily="18" charset="0"/>
+              </a:defRPr>
+            </a:lvl2pPr>
+            <a:lvl3pPr marL="1143000" indent="-228600" defTabSz="965200">
+              <a:defRPr b="1">
+                <a:solidFill>
+                  <a:schemeClr val="tx1"/>
+                </a:solidFill>
+                <a:latin typeface="Times New Roman" pitchFamily="18" charset="0"/>
+              </a:defRPr>
+            </a:lvl3pPr>
+            <a:lvl4pPr marL="1600200" indent="-228600" defTabSz="965200">
+              <a:defRPr b="1">
+                <a:solidFill>
+                  <a:schemeClr val="tx1"/>
+                </a:solidFill>
+                <a:latin typeface="Times New Roman" pitchFamily="18" charset="0"/>
+              </a:defRPr>
+            </a:lvl4pPr>
+            <a:lvl5pPr marL="2057400" indent="-228600" defTabSz="965200">
+              <a:defRPr b="1">
+                <a:solidFill>
+                  <a:schemeClr val="tx1"/>
+                </a:solidFill>
+                <a:latin typeface="Times New Roman" pitchFamily="18" charset="0"/>
+              </a:defRPr>
+            </a:lvl5pPr>
+            <a:lvl6pPr marL="2514600" indent="-228600" defTabSz="965200" eaLnBrk="0" fontAlgn="base" hangingPunct="0">
+              <a:spcBef>
+                <a:spcPct val="0"/>
+              </a:spcBef>
+              <a:spcAft>
+                <a:spcPct val="0"/>
+              </a:spcAft>
+              <a:defRPr b="1">
+                <a:solidFill>
+                  <a:schemeClr val="tx1"/>
+                </a:solidFill>
+                <a:latin typeface="Times New Roman" pitchFamily="18" charset="0"/>
+              </a:defRPr>
+            </a:lvl6pPr>
+            <a:lvl7pPr marL="2971800" indent="-228600" defTabSz="965200" eaLnBrk="0" fontAlgn="base" hangingPunct="0">
+              <a:spcBef>
+                <a:spcPct val="0"/>
+              </a:spcBef>
+              <a:spcAft>
+                <a:spcPct val="0"/>
+              </a:spcAft>
+              <a:defRPr b="1">
+                <a:solidFill>
+                  <a:schemeClr val="tx1"/>
+                </a:solidFill>
+                <a:latin typeface="Times New Roman" pitchFamily="18" charset="0"/>
+              </a:defRPr>
+            </a:lvl7pPr>
+            <a:lvl8pPr marL="3429000" indent="-228600" defTabSz="965200" eaLnBrk="0" fontAlgn="base" hangingPunct="0">
+              <a:spcBef>
+                <a:spcPct val="0"/>
+              </a:spcBef>
+              <a:spcAft>
+                <a:spcPct val="0"/>
+              </a:spcAft>
+              <a:defRPr b="1">
+                <a:solidFill>
+                  <a:schemeClr val="tx1"/>
+                </a:solidFill>
+                <a:latin typeface="Times New Roman" pitchFamily="18" charset="0"/>
+              </a:defRPr>
+            </a:lvl8pPr>
+            <a:lvl9pPr marL="3886200" indent="-228600" defTabSz="965200" eaLnBrk="0" fontAlgn="base" hangingPunct="0">
+              <a:spcBef>
+                <a:spcPct val="0"/>
+              </a:spcBef>
+              <a:spcAft>
+                <a:spcPct val="0"/>
+              </a:spcAft>
+              <a:defRPr b="1">
+                <a:solidFill>
+                  <a:schemeClr val="tx1"/>
+                </a:solidFill>
+                <a:latin typeface="Times New Roman" pitchFamily="18" charset="0"/>
+              </a:defRPr>
+            </a:lvl9pPr>
+          </a:lstStyle>
+          <a:p>
+            <a:fld id="{71BA6FE8-D008-433E-9D7E-BB79D4E5F1F4}" type="slidenum">
+              <a:rPr lang="en-US" b="0" smtClean="0">
+                <a:latin typeface="Arial" pitchFamily="34" charset="0"/>
+              </a:rPr>
+              <a:pPr/>
+              <a:t>17</a:t>
+            </a:fld>
+            <a:endParaRPr lang="en-US" b="0">
+              <a:latin typeface="Arial" pitchFamily="34" charset="0"/>
+            </a:endParaRPr>
+          </a:p>
+        </p:txBody>
+      </p:sp>
+    </p:spTree>
+    <p:extLst>
+      <p:ext uri="{BB962C8B-B14F-4D97-AF65-F5344CB8AC3E}">
+        <p14:creationId xmlns:p14="http://schemas.microsoft.com/office/powerpoint/2010/main" val="1697729823"/>
+      </p:ext>
+    </p:extLst>
+  </p:cSld>
+  <p:clrMapOvr>
+    <a:masterClrMapping/>
+  </p:clrMapOvr>
+</p:notes>
+</file>
+
+<file path=ppt/notesSlides/notesSlide2.xml><?xml version="1.0" encoding="utf-8"?>
+<p:notes xmlns:a="http://schemas.openxmlformats.org/drawingml/2006/main" xmlns:r="http://schemas.openxmlformats.org/officeDocument/2006/relationships" xmlns:p="http://schemas.openxmlformats.org/presentationml/2006/main">
+  <p:cSld>
+    <p:spTree>
+      <p:nvGrpSpPr>
+        <p:cNvPr id="1" name=""/>
+        <p:cNvGrpSpPr/>
+        <p:nvPr/>
+      </p:nvGrpSpPr>
+      <p:grpSpPr>
+        <a:xfrm>
+          <a:off x="0" y="0"/>
+          <a:ext cx="0" cy="0"/>
+          <a:chOff x="0" y="0"/>
+          <a:chExt cx="0" cy="0"/>
+        </a:xfrm>
+      </p:grpSpPr>
+      <p:sp>
+        <p:nvSpPr>
+          <p:cNvPr id="60418" name="Slide Image Placeholder 1"/>
+          <p:cNvSpPr>
+            <a:spLocks noGrp="1" noRot="1" noChangeAspect="1" noTextEdit="1"/>
+          </p:cNvSpPr>
+          <p:nvPr>
+            <p:ph type="sldImg"/>
+          </p:nvPr>
+        </p:nvSpPr>
+        <p:spPr>
+          <a:ln/>
+        </p:spPr>
+      </p:sp>
+      <p:sp>
+        <p:nvSpPr>
+          <p:cNvPr id="60419" name="Notes Placeholder 2"/>
+          <p:cNvSpPr>
+            <a:spLocks noGrp="1"/>
+          </p:cNvSpPr>
+          <p:nvPr>
+            <p:ph type="body" idx="1"/>
+          </p:nvPr>
+        </p:nvSpPr>
+        <p:spPr>
+          <a:noFill/>
+          <a:ln/>
+          <a:extLst>
+            <a:ext uri="{909E8E84-426E-40DD-AFC4-6F175D3DCCD1}">
+              <a14:hiddenFill xmlns:a14="http://schemas.microsoft.com/office/drawing/2010/main">
+                <a:solidFill>
+                  <a:srgbClr val="FFFFFF"/>
+                </a:solidFill>
+              </a14:hiddenFill>
+            </a:ext>
+            <a:ext uri="{91240B29-F687-4F45-9708-019B960494DF}">
+              <a14:hiddenLine xmlns:a14="http://schemas.microsoft.com/office/drawing/2010/main" w="9525">
+                <a:solidFill>
+                  <a:srgbClr val="000000"/>
+                </a:solidFill>
+                <a:miter lim="800000"/>
+                <a:headEnd/>
+                <a:tailEnd/>
+              </a14:hiddenLine>
+            </a:ext>
+          </a:extLst>
+        </p:spPr>
+        <p:txBody>
+          <a:bodyPr/>
+          <a:lstStyle/>
+          <a:p>
+            <a:endParaRPr lang="en-US"/>
+          </a:p>
+        </p:txBody>
+      </p:sp>
+      <p:sp>
+        <p:nvSpPr>
+          <p:cNvPr id="60420" name="Slide Number Placeholder 3"/>
+          <p:cNvSpPr>
+            <a:spLocks noGrp="1"/>
+          </p:cNvSpPr>
+          <p:nvPr>
+            <p:ph type="sldNum" sz="quarter" idx="5"/>
+          </p:nvPr>
+        </p:nvSpPr>
+        <p:spPr>
+          <a:noFill/>
+          <a:ln/>
+          <a:extLst>
+            <a:ext uri="{909E8E84-426E-40DD-AFC4-6F175D3DCCD1}">
+              <a14:hiddenFill xmlns:a14="http://schemas.microsoft.com/office/drawing/2010/main">
+                <a:solidFill>
+                  <a:srgbClr val="FFFFFF"/>
+                </a:solidFill>
+              </a14:hiddenFill>
+            </a:ext>
+            <a:ext uri="{91240B29-F687-4F45-9708-019B960494DF}">
+              <a14:hiddenLine xmlns:a14="http://schemas.microsoft.com/office/drawing/2010/main" w="9525">
+                <a:solidFill>
+                  <a:srgbClr val="000000"/>
+                </a:solidFill>
+                <a:miter lim="800000"/>
+                <a:headEnd/>
+                <a:tailEnd/>
+              </a14:hiddenLine>
+            </a:ext>
+          </a:extLst>
+        </p:spPr>
+        <p:txBody>
+          <a:bodyPr/>
+          <a:lstStyle>
+            <a:lvl1pPr defTabSz="965200">
+              <a:defRPr b="1">
+                <a:solidFill>
+                  <a:schemeClr val="tx1"/>
+                </a:solidFill>
+                <a:latin typeface="Times New Roman" pitchFamily="18" charset="0"/>
+              </a:defRPr>
+            </a:lvl1pPr>
+            <a:lvl2pPr marL="742950" indent="-285750" defTabSz="965200">
+              <a:defRPr b="1">
+                <a:solidFill>
+                  <a:schemeClr val="tx1"/>
+                </a:solidFill>
+                <a:latin typeface="Times New Roman" pitchFamily="18" charset="0"/>
+              </a:defRPr>
+            </a:lvl2pPr>
+            <a:lvl3pPr marL="1143000" indent="-228600" defTabSz="965200">
+              <a:defRPr b="1">
+                <a:solidFill>
+                  <a:schemeClr val="tx1"/>
+                </a:solidFill>
+                <a:latin typeface="Times New Roman" pitchFamily="18" charset="0"/>
+              </a:defRPr>
+            </a:lvl3pPr>
+            <a:lvl4pPr marL="1600200" indent="-228600" defTabSz="965200">
+              <a:defRPr b="1">
+                <a:solidFill>
+                  <a:schemeClr val="tx1"/>
+                </a:solidFill>
+                <a:latin typeface="Times New Roman" pitchFamily="18" charset="0"/>
+              </a:defRPr>
+            </a:lvl4pPr>
+            <a:lvl5pPr marL="2057400" indent="-228600" defTabSz="965200">
+              <a:defRPr b="1">
+                <a:solidFill>
+                  <a:schemeClr val="tx1"/>
+                </a:solidFill>
+                <a:latin typeface="Times New Roman" pitchFamily="18" charset="0"/>
+              </a:defRPr>
+            </a:lvl5pPr>
+            <a:lvl6pPr marL="2514600" indent="-228600" defTabSz="965200" eaLnBrk="0" fontAlgn="base" hangingPunct="0">
+              <a:spcBef>
+                <a:spcPct val="0"/>
+              </a:spcBef>
+              <a:spcAft>
+                <a:spcPct val="0"/>
+              </a:spcAft>
+              <a:defRPr b="1">
+                <a:solidFill>
+                  <a:schemeClr val="tx1"/>
+                </a:solidFill>
+                <a:latin typeface="Times New Roman" pitchFamily="18" charset="0"/>
+              </a:defRPr>
+            </a:lvl6pPr>
+            <a:lvl7pPr marL="2971800" indent="-228600" defTabSz="965200" eaLnBrk="0" fontAlgn="base" hangingPunct="0">
+              <a:spcBef>
+                <a:spcPct val="0"/>
+              </a:spcBef>
+              <a:spcAft>
+                <a:spcPct val="0"/>
+              </a:spcAft>
+              <a:defRPr b="1">
+                <a:solidFill>
+                  <a:schemeClr val="tx1"/>
+                </a:solidFill>
+                <a:latin typeface="Times New Roman" pitchFamily="18" charset="0"/>
+              </a:defRPr>
+            </a:lvl7pPr>
+            <a:lvl8pPr marL="3429000" indent="-228600" defTabSz="965200" eaLnBrk="0" fontAlgn="base" hangingPunct="0">
+              <a:spcBef>
+                <a:spcPct val="0"/>
+              </a:spcBef>
+              <a:spcAft>
+                <a:spcPct val="0"/>
+              </a:spcAft>
+              <a:defRPr b="1">
+                <a:solidFill>
+                  <a:schemeClr val="tx1"/>
+                </a:solidFill>
+                <a:latin typeface="Times New Roman" pitchFamily="18" charset="0"/>
+              </a:defRPr>
+            </a:lvl8pPr>
+            <a:lvl9pPr marL="3886200" indent="-228600" defTabSz="965200" eaLnBrk="0" fontAlgn="base" hangingPunct="0">
+              <a:spcBef>
+                <a:spcPct val="0"/>
+              </a:spcBef>
+              <a:spcAft>
+                <a:spcPct val="0"/>
+              </a:spcAft>
+              <a:defRPr b="1">
+                <a:solidFill>
+                  <a:schemeClr val="tx1"/>
+                </a:solidFill>
+                <a:latin typeface="Times New Roman" pitchFamily="18" charset="0"/>
+              </a:defRPr>
+            </a:lvl9pPr>
+          </a:lstStyle>
+          <a:p>
+            <a:fld id="{D07A6191-D4C3-4BE7-8E34-8D216569600F}" type="slidenum">
+              <a:rPr lang="en-US" b="0" smtClean="0">
+                <a:latin typeface="Arial" pitchFamily="34" charset="0"/>
+              </a:rPr>
+              <a:pPr/>
+              <a:t>18</a:t>
+            </a:fld>
+            <a:endParaRPr lang="en-US" b="0">
+              <a:latin typeface="Arial" pitchFamily="34" charset="0"/>
+            </a:endParaRPr>
+          </a:p>
+        </p:txBody>
+      </p:sp>
+    </p:spTree>
+    <p:extLst>
+      <p:ext uri="{BB962C8B-B14F-4D97-AF65-F5344CB8AC3E}">
+        <p14:creationId xmlns:p14="http://schemas.microsoft.com/office/powerpoint/2010/main" val="3961559709"/>
+      </p:ext>
+    </p:extLst>
+  </p:cSld>
+  <p:clrMapOvr>
+    <a:masterClrMapping/>
+  </p:clrMapOvr>
+</p:notes>
+</file>
+
+<file path=ppt/notesSlides/notesSlide3.xml><?xml version="1.0" encoding="utf-8"?>
+<p:notes xmlns:a="http://schemas.openxmlformats.org/drawingml/2006/main" xmlns:r="http://schemas.openxmlformats.org/officeDocument/2006/relationships" xmlns:p="http://schemas.openxmlformats.org/presentationml/2006/main">
+  <p:cSld>
+    <p:spTree>
+      <p:nvGrpSpPr>
+        <p:cNvPr id="1" name=""/>
+        <p:cNvGrpSpPr/>
+        <p:nvPr/>
+      </p:nvGrpSpPr>
+      <p:grpSpPr>
+        <a:xfrm>
+          <a:off x="0" y="0"/>
+          <a:ext cx="0" cy="0"/>
+          <a:chOff x="0" y="0"/>
+          <a:chExt cx="0" cy="0"/>
+        </a:xfrm>
+      </p:grpSpPr>
+      <p:sp>
+        <p:nvSpPr>
+          <p:cNvPr id="61442" name="Slide Image Placeholder 1"/>
+          <p:cNvSpPr>
+            <a:spLocks noGrp="1" noRot="1" noChangeAspect="1" noTextEdit="1"/>
+          </p:cNvSpPr>
+          <p:nvPr>
+            <p:ph type="sldImg"/>
+          </p:nvPr>
+        </p:nvSpPr>
+        <p:spPr>
+          <a:ln/>
+        </p:spPr>
+      </p:sp>
+      <p:sp>
+        <p:nvSpPr>
+          <p:cNvPr id="61443" name="Notes Placeholder 2"/>
+          <p:cNvSpPr>
+            <a:spLocks noGrp="1"/>
+          </p:cNvSpPr>
+          <p:nvPr>
+            <p:ph type="body" idx="1"/>
+          </p:nvPr>
+        </p:nvSpPr>
+        <p:spPr>
+          <a:noFill/>
+          <a:ln/>
+          <a:extLst>
+            <a:ext uri="{909E8E84-426E-40DD-AFC4-6F175D3DCCD1}">
+              <a14:hiddenFill xmlns:a14="http://schemas.microsoft.com/office/drawing/2010/main">
+                <a:solidFill>
+                  <a:srgbClr val="FFFFFF"/>
+                </a:solidFill>
+              </a14:hiddenFill>
+            </a:ext>
+            <a:ext uri="{91240B29-F687-4F45-9708-019B960494DF}">
+              <a14:hiddenLine xmlns:a14="http://schemas.microsoft.com/office/drawing/2010/main" w="9525">
+                <a:solidFill>
+                  <a:srgbClr val="000000"/>
+                </a:solidFill>
+                <a:miter lim="800000"/>
+                <a:headEnd/>
+                <a:tailEnd/>
+              </a14:hiddenLine>
+            </a:ext>
+          </a:extLst>
+        </p:spPr>
+        <p:txBody>
+          <a:bodyPr/>
+          <a:lstStyle/>
+          <a:p>
+            <a:endParaRPr lang="en-US"/>
+          </a:p>
+        </p:txBody>
+      </p:sp>
+      <p:sp>
+        <p:nvSpPr>
+          <p:cNvPr id="61444" name="Slide Number Placeholder 3"/>
+          <p:cNvSpPr>
+            <a:spLocks noGrp="1"/>
+          </p:cNvSpPr>
+          <p:nvPr>
+            <p:ph type="sldNum" sz="quarter" idx="5"/>
+          </p:nvPr>
+        </p:nvSpPr>
+        <p:spPr>
+          <a:noFill/>
+          <a:ln/>
+          <a:extLst>
+            <a:ext uri="{909E8E84-426E-40DD-AFC4-6F175D3DCCD1}">
+              <a14:hiddenFill xmlns:a14="http://schemas.microsoft.com/office/drawing/2010/main">
+                <a:solidFill>
+                  <a:srgbClr val="FFFFFF"/>
+                </a:solidFill>
+              </a14:hiddenFill>
+            </a:ext>
+            <a:ext uri="{91240B29-F687-4F45-9708-019B960494DF}">
+              <a14:hiddenLine xmlns:a14="http://schemas.microsoft.com/office/drawing/2010/main" w="9525">
+                <a:solidFill>
+                  <a:srgbClr val="000000"/>
+                </a:solidFill>
+                <a:miter lim="800000"/>
+                <a:headEnd/>
+                <a:tailEnd/>
+              </a14:hiddenLine>
+            </a:ext>
+          </a:extLst>
+        </p:spPr>
+        <p:txBody>
+          <a:bodyPr/>
+          <a:lstStyle>
+            <a:lvl1pPr defTabSz="965200">
+              <a:defRPr b="1">
+                <a:solidFill>
+                  <a:schemeClr val="tx1"/>
+                </a:solidFill>
+                <a:latin typeface="Times New Roman" pitchFamily="18" charset="0"/>
+              </a:defRPr>
+            </a:lvl1pPr>
+            <a:lvl2pPr marL="742950" indent="-285750" defTabSz="965200">
+              <a:defRPr b="1">
+                <a:solidFill>
+                  <a:schemeClr val="tx1"/>
+                </a:solidFill>
+                <a:latin typeface="Times New Roman" pitchFamily="18" charset="0"/>
+              </a:defRPr>
+            </a:lvl2pPr>
+            <a:lvl3pPr marL="1143000" indent="-228600" defTabSz="965200">
+              <a:defRPr b="1">
+                <a:solidFill>
+                  <a:schemeClr val="tx1"/>
+                </a:solidFill>
+                <a:latin typeface="Times New Roman" pitchFamily="18" charset="0"/>
+              </a:defRPr>
+            </a:lvl3pPr>
+            <a:lvl4pPr marL="1600200" indent="-228600" defTabSz="965200">
+              <a:defRPr b="1">
+                <a:solidFill>
+                  <a:schemeClr val="tx1"/>
+                </a:solidFill>
+                <a:latin typeface="Times New Roman" pitchFamily="18" charset="0"/>
+              </a:defRPr>
+            </a:lvl4pPr>
+            <a:lvl5pPr marL="2057400" indent="-228600" defTabSz="965200">
+              <a:defRPr b="1">
+                <a:solidFill>
+                  <a:schemeClr val="tx1"/>
+                </a:solidFill>
+                <a:latin typeface="Times New Roman" pitchFamily="18" charset="0"/>
+              </a:defRPr>
+            </a:lvl5pPr>
+            <a:lvl6pPr marL="2514600" indent="-228600" defTabSz="965200" eaLnBrk="0" fontAlgn="base" hangingPunct="0">
+              <a:spcBef>
+                <a:spcPct val="0"/>
+              </a:spcBef>
+              <a:spcAft>
+                <a:spcPct val="0"/>
+              </a:spcAft>
+              <a:defRPr b="1">
+                <a:solidFill>
+                  <a:schemeClr val="tx1"/>
+                </a:solidFill>
+                <a:latin typeface="Times New Roman" pitchFamily="18" charset="0"/>
+              </a:defRPr>
+            </a:lvl6pPr>
+            <a:lvl7pPr marL="2971800" indent="-228600" defTabSz="965200" eaLnBrk="0" fontAlgn="base" hangingPunct="0">
+              <a:spcBef>
+                <a:spcPct val="0"/>
+              </a:spcBef>
+              <a:spcAft>
+                <a:spcPct val="0"/>
+              </a:spcAft>
+              <a:defRPr b="1">
+                <a:solidFill>
+                  <a:schemeClr val="tx1"/>
+                </a:solidFill>
+                <a:latin typeface="Times New Roman" pitchFamily="18" charset="0"/>
+              </a:defRPr>
+            </a:lvl7pPr>
+            <a:lvl8pPr marL="3429000" indent="-228600" defTabSz="965200" eaLnBrk="0" fontAlgn="base" hangingPunct="0">
+              <a:spcBef>
+                <a:spcPct val="0"/>
+              </a:spcBef>
+              <a:spcAft>
+                <a:spcPct val="0"/>
+              </a:spcAft>
+              <a:defRPr b="1">
+                <a:solidFill>
+                  <a:schemeClr val="tx1"/>
+                </a:solidFill>
+                <a:latin typeface="Times New Roman" pitchFamily="18" charset="0"/>
+              </a:defRPr>
+            </a:lvl8pPr>
+            <a:lvl9pPr marL="3886200" indent="-228600" defTabSz="965200" eaLnBrk="0" fontAlgn="base" hangingPunct="0">
+              <a:spcBef>
+                <a:spcPct val="0"/>
+              </a:spcBef>
+              <a:spcAft>
+                <a:spcPct val="0"/>
+              </a:spcAft>
+              <a:defRPr b="1">
+                <a:solidFill>
+                  <a:schemeClr val="tx1"/>
+                </a:solidFill>
+                <a:latin typeface="Times New Roman" pitchFamily="18" charset="0"/>
+              </a:defRPr>
+            </a:lvl9pPr>
+          </a:lstStyle>
+          <a:p>
+            <a:fld id="{63FA807D-9143-4E86-89D6-76BE33E4A6F8}" type="slidenum">
+              <a:rPr lang="en-US" b="0" smtClean="0">
+                <a:latin typeface="Arial" pitchFamily="34" charset="0"/>
+              </a:rPr>
+              <a:pPr/>
+              <a:t>19</a:t>
+            </a:fld>
+            <a:endParaRPr lang="en-US" b="0">
+              <a:latin typeface="Arial" pitchFamily="34" charset="0"/>
+            </a:endParaRPr>
+          </a:p>
+        </p:txBody>
+      </p:sp>
+    </p:spTree>
+    <p:extLst>
+      <p:ext uri="{BB962C8B-B14F-4D97-AF65-F5344CB8AC3E}">
+        <p14:creationId xmlns:p14="http://schemas.microsoft.com/office/powerpoint/2010/main" val="3287470948"/>
+      </p:ext>
+    </p:extLst>
+  </p:cSld>
+  <p:clrMapOvr>
+    <a:masterClrMapping/>
+  </p:clrMapOvr>
+</p:notes>
+</file>
+
+<file path=ppt/notesSlides/notesSlide4.xml><?xml version="1.0" encoding="utf-8"?>
+<p:notes xmlns:a="http://schemas.openxmlformats.org/drawingml/2006/main" xmlns:r="http://schemas.openxmlformats.org/officeDocument/2006/relationships" xmlns:p="http://schemas.openxmlformats.org/presentationml/2006/main">
+  <p:cSld>
+    <p:spTree>
+      <p:nvGrpSpPr>
+        <p:cNvPr id="1" name=""/>
+        <p:cNvGrpSpPr/>
+        <p:nvPr/>
+      </p:nvGrpSpPr>
+      <p:grpSpPr>
+        <a:xfrm>
+          <a:off x="0" y="0"/>
+          <a:ext cx="0" cy="0"/>
+          <a:chOff x="0" y="0"/>
+          <a:chExt cx="0" cy="0"/>
+        </a:xfrm>
+      </p:grpSpPr>
+      <p:sp>
+        <p:nvSpPr>
+          <p:cNvPr id="62466" name="Slide Image Placeholder 1"/>
+          <p:cNvSpPr>
+            <a:spLocks noGrp="1" noRot="1" noChangeAspect="1" noTextEdit="1"/>
+          </p:cNvSpPr>
+          <p:nvPr>
+            <p:ph type="sldImg"/>
+          </p:nvPr>
+        </p:nvSpPr>
+        <p:spPr>
+          <a:ln/>
+        </p:spPr>
+      </p:sp>
+      <p:sp>
+        <p:nvSpPr>
+          <p:cNvPr id="62467" name="Notes Placeholder 2"/>
+          <p:cNvSpPr>
+            <a:spLocks noGrp="1"/>
+          </p:cNvSpPr>
+          <p:nvPr>
+            <p:ph type="body" idx="1"/>
+          </p:nvPr>
+        </p:nvSpPr>
+        <p:spPr>
+          <a:noFill/>
+          <a:ln/>
+          <a:extLst>
+            <a:ext uri="{909E8E84-426E-40DD-AFC4-6F175D3DCCD1}">
+              <a14:hiddenFill xmlns:a14="http://schemas.microsoft.com/office/drawing/2010/main">
+                <a:solidFill>
+                  <a:srgbClr val="FFFFFF"/>
+                </a:solidFill>
+              </a14:hiddenFill>
+            </a:ext>
+            <a:ext uri="{91240B29-F687-4F45-9708-019B960494DF}">
+              <a14:hiddenLine xmlns:a14="http://schemas.microsoft.com/office/drawing/2010/main" w="9525">
+                <a:solidFill>
+                  <a:srgbClr val="000000"/>
+                </a:solidFill>
+                <a:miter lim="800000"/>
+                <a:headEnd/>
+                <a:tailEnd/>
+              </a14:hiddenLine>
+            </a:ext>
+          </a:extLst>
+        </p:spPr>
+        <p:txBody>
+          <a:bodyPr/>
+          <a:lstStyle/>
+          <a:p>
+            <a:endParaRPr lang="en-US"/>
+          </a:p>
+        </p:txBody>
+      </p:sp>
+      <p:sp>
+        <p:nvSpPr>
+          <p:cNvPr id="62468" name="Slide Number Placeholder 3"/>
+          <p:cNvSpPr>
+            <a:spLocks noGrp="1"/>
+          </p:cNvSpPr>
+          <p:nvPr>
+            <p:ph type="sldNum" sz="quarter" idx="5"/>
+          </p:nvPr>
+        </p:nvSpPr>
+        <p:spPr>
+          <a:noFill/>
+          <a:ln/>
+          <a:extLst>
+            <a:ext uri="{909E8E84-426E-40DD-AFC4-6F175D3DCCD1}">
+              <a14:hiddenFill xmlns:a14="http://schemas.microsoft.com/office/drawing/2010/main">
+                <a:solidFill>
+                  <a:srgbClr val="FFFFFF"/>
+                </a:solidFill>
+              </a14:hiddenFill>
+            </a:ext>
+            <a:ext uri="{91240B29-F687-4F45-9708-019B960494DF}">
+              <a14:hiddenLine xmlns:a14="http://schemas.microsoft.com/office/drawing/2010/main" w="9525">
+                <a:solidFill>
+                  <a:srgbClr val="000000"/>
+                </a:solidFill>
+                <a:miter lim="800000"/>
+                <a:headEnd/>
+                <a:tailEnd/>
+              </a14:hiddenLine>
+            </a:ext>
+          </a:extLst>
+        </p:spPr>
+        <p:txBody>
+          <a:bodyPr/>
+          <a:lstStyle>
+            <a:lvl1pPr defTabSz="965200">
+              <a:defRPr b="1">
+                <a:solidFill>
+                  <a:schemeClr val="tx1"/>
+                </a:solidFill>
+                <a:latin typeface="Times New Roman" pitchFamily="18" charset="0"/>
+              </a:defRPr>
+            </a:lvl1pPr>
+            <a:lvl2pPr marL="742950" indent="-285750" defTabSz="965200">
+              <a:defRPr b="1">
+                <a:solidFill>
+                  <a:schemeClr val="tx1"/>
+                </a:solidFill>
+                <a:latin typeface="Times New Roman" pitchFamily="18" charset="0"/>
+              </a:defRPr>
+            </a:lvl2pPr>
+            <a:lvl3pPr marL="1143000" indent="-228600" defTabSz="965200">
+              <a:defRPr b="1">
+                <a:solidFill>
+                  <a:schemeClr val="tx1"/>
+                </a:solidFill>
+                <a:latin typeface="Times New Roman" pitchFamily="18" charset="0"/>
+              </a:defRPr>
+            </a:lvl3pPr>
+            <a:lvl4pPr marL="1600200" indent="-228600" defTabSz="965200">
+              <a:defRPr b="1">
+                <a:solidFill>
+                  <a:schemeClr val="tx1"/>
+                </a:solidFill>
+                <a:latin typeface="Times New Roman" pitchFamily="18" charset="0"/>
+              </a:defRPr>
+            </a:lvl4pPr>
+            <a:lvl5pPr marL="2057400" indent="-228600" defTabSz="965200">
+              <a:defRPr b="1">
+                <a:solidFill>
+                  <a:schemeClr val="tx1"/>
+                </a:solidFill>
+                <a:latin typeface="Times New Roman" pitchFamily="18" charset="0"/>
+              </a:defRPr>
+            </a:lvl5pPr>
+            <a:lvl6pPr marL="2514600" indent="-228600" defTabSz="965200" eaLnBrk="0" fontAlgn="base" hangingPunct="0">
+              <a:spcBef>
+                <a:spcPct val="0"/>
+              </a:spcBef>
+              <a:spcAft>
+                <a:spcPct val="0"/>
+              </a:spcAft>
+              <a:defRPr b="1">
+                <a:solidFill>
+                  <a:schemeClr val="tx1"/>
+                </a:solidFill>
+                <a:latin typeface="Times New Roman" pitchFamily="18" charset="0"/>
+              </a:defRPr>
+            </a:lvl6pPr>
+            <a:lvl7pPr marL="2971800" indent="-228600" defTabSz="965200" eaLnBrk="0" fontAlgn="base" hangingPunct="0">
+              <a:spcBef>
+                <a:spcPct val="0"/>
+              </a:spcBef>
+              <a:spcAft>
+                <a:spcPct val="0"/>
+              </a:spcAft>
+              <a:defRPr b="1">
+                <a:solidFill>
+                  <a:schemeClr val="tx1"/>
+                </a:solidFill>
+                <a:latin typeface="Times New Roman" pitchFamily="18" charset="0"/>
+              </a:defRPr>
+            </a:lvl7pPr>
+            <a:lvl8pPr marL="3429000" indent="-228600" defTabSz="965200" eaLnBrk="0" fontAlgn="base" hangingPunct="0">
+              <a:spcBef>
+                <a:spcPct val="0"/>
+              </a:spcBef>
+              <a:spcAft>
+                <a:spcPct val="0"/>
+              </a:spcAft>
+              <a:defRPr b="1">
+                <a:solidFill>
+                  <a:schemeClr val="tx1"/>
+                </a:solidFill>
+                <a:latin typeface="Times New Roman" pitchFamily="18" charset="0"/>
+              </a:defRPr>
+            </a:lvl8pPr>
+            <a:lvl9pPr marL="3886200" indent="-228600" defTabSz="965200" eaLnBrk="0" fontAlgn="base" hangingPunct="0">
+              <a:spcBef>
+                <a:spcPct val="0"/>
+              </a:spcBef>
+              <a:spcAft>
+                <a:spcPct val="0"/>
+              </a:spcAft>
+              <a:defRPr b="1">
+                <a:solidFill>
+                  <a:schemeClr val="tx1"/>
+                </a:solidFill>
+                <a:latin typeface="Times New Roman" pitchFamily="18" charset="0"/>
+              </a:defRPr>
+            </a:lvl9pPr>
+          </a:lstStyle>
+          <a:p>
+            <a:fld id="{A3E7CBE6-3F48-4F0A-8442-D097E1F9987A}" type="slidenum">
+              <a:rPr lang="en-US" b="0" smtClean="0">
+                <a:latin typeface="Arial" pitchFamily="34" charset="0"/>
+              </a:rPr>
+              <a:pPr/>
+              <a:t>20</a:t>
+            </a:fld>
+            <a:endParaRPr lang="en-US" b="0">
+              <a:latin typeface="Arial" pitchFamily="34" charset="0"/>
+            </a:endParaRPr>
+          </a:p>
+        </p:txBody>
+      </p:sp>
+    </p:spTree>
+    <p:extLst>
+      <p:ext uri="{BB962C8B-B14F-4D97-AF65-F5344CB8AC3E}">
+        <p14:creationId xmlns:p14="http://schemas.microsoft.com/office/powerpoint/2010/main" val="453135311"/>
+      </p:ext>
+    </p:extLst>
+  </p:cSld>
+  <p:clrMapOvr>
+    <a:masterClrMapping/>
+  </p:clrMapOvr>
+</p:notes>
+</file>
+
+<file path=ppt/notesSlides/notesSlide5.xml><?xml version="1.0" encoding="utf-8"?>
+<p:notes xmlns:a="http://schemas.openxmlformats.org/drawingml/2006/main" xmlns:r="http://schemas.openxmlformats.org/officeDocument/2006/relationships" xmlns:p="http://schemas.openxmlformats.org/presentationml/2006/main">
+  <p:cSld>
+    <p:spTree>
+      <p:nvGrpSpPr>
+        <p:cNvPr id="1" name=""/>
+        <p:cNvGrpSpPr/>
+        <p:nvPr/>
+      </p:nvGrpSpPr>
+      <p:grpSpPr>
+        <a:xfrm>
+          <a:off x="0" y="0"/>
+          <a:ext cx="0" cy="0"/>
+          <a:chOff x="0" y="0"/>
+          <a:chExt cx="0" cy="0"/>
+        </a:xfrm>
+      </p:grpSpPr>
+      <p:sp>
+        <p:nvSpPr>
+          <p:cNvPr id="63490" name="Slide Image Placeholder 1"/>
+          <p:cNvSpPr>
+            <a:spLocks noGrp="1" noRot="1" noChangeAspect="1" noTextEdit="1"/>
+          </p:cNvSpPr>
+          <p:nvPr>
+            <p:ph type="sldImg"/>
+          </p:nvPr>
+        </p:nvSpPr>
+        <p:spPr>
+          <a:ln/>
+        </p:spPr>
+      </p:sp>
+      <p:sp>
+        <p:nvSpPr>
+          <p:cNvPr id="63491" name="Notes Placeholder 2"/>
+          <p:cNvSpPr>
+            <a:spLocks noGrp="1"/>
+          </p:cNvSpPr>
+          <p:nvPr>
+            <p:ph type="body" idx="1"/>
+          </p:nvPr>
+        </p:nvSpPr>
+        <p:spPr>
+          <a:noFill/>
+          <a:ln/>
+          <a:extLst>
+            <a:ext uri="{909E8E84-426E-40DD-AFC4-6F175D3DCCD1}">
+              <a14:hiddenFill xmlns:a14="http://schemas.microsoft.com/office/drawing/2010/main">
+                <a:solidFill>
+                  <a:srgbClr val="FFFFFF"/>
+                </a:solidFill>
+              </a14:hiddenFill>
+            </a:ext>
+            <a:ext uri="{91240B29-F687-4F45-9708-019B960494DF}">
+              <a14:hiddenLine xmlns:a14="http://schemas.microsoft.com/office/drawing/2010/main" w="9525">
+                <a:solidFill>
+                  <a:srgbClr val="000000"/>
+                </a:solidFill>
+                <a:miter lim="800000"/>
+                <a:headEnd/>
+                <a:tailEnd/>
+              </a14:hiddenLine>
+            </a:ext>
+          </a:extLst>
+        </p:spPr>
+        <p:txBody>
+          <a:bodyPr/>
+          <a:lstStyle/>
+          <a:p>
+            <a:endParaRPr lang="en-US"/>
+          </a:p>
+        </p:txBody>
+      </p:sp>
+      <p:sp>
+        <p:nvSpPr>
+          <p:cNvPr id="63492" name="Slide Number Placeholder 3"/>
+          <p:cNvSpPr>
+            <a:spLocks noGrp="1"/>
+          </p:cNvSpPr>
+          <p:nvPr>
+            <p:ph type="sldNum" sz="quarter" idx="5"/>
+          </p:nvPr>
+        </p:nvSpPr>
+        <p:spPr>
+          <a:noFill/>
+          <a:ln/>
+          <a:extLst>
+            <a:ext uri="{909E8E84-426E-40DD-AFC4-6F175D3DCCD1}">
+              <a14:hiddenFill xmlns:a14="http://schemas.microsoft.com/office/drawing/2010/main">
+                <a:solidFill>
+                  <a:srgbClr val="FFFFFF"/>
+                </a:solidFill>
+              </a14:hiddenFill>
+            </a:ext>
+            <a:ext uri="{91240B29-F687-4F45-9708-019B960494DF}">
+              <a14:hiddenLine xmlns:a14="http://schemas.microsoft.com/office/drawing/2010/main" w="9525">
+                <a:solidFill>
+                  <a:srgbClr val="000000"/>
+                </a:solidFill>
+                <a:miter lim="800000"/>
+                <a:headEnd/>
+                <a:tailEnd/>
+              </a14:hiddenLine>
+            </a:ext>
+          </a:extLst>
+        </p:spPr>
+        <p:txBody>
+          <a:bodyPr/>
+          <a:lstStyle>
+            <a:lvl1pPr defTabSz="965200">
+              <a:defRPr b="1">
+                <a:solidFill>
+                  <a:schemeClr val="tx1"/>
+                </a:solidFill>
+                <a:latin typeface="Times New Roman" pitchFamily="18" charset="0"/>
+              </a:defRPr>
+            </a:lvl1pPr>
+            <a:lvl2pPr marL="742950" indent="-285750" defTabSz="965200">
+              <a:defRPr b="1">
+                <a:solidFill>
+                  <a:schemeClr val="tx1"/>
+                </a:solidFill>
+                <a:latin typeface="Times New Roman" pitchFamily="18" charset="0"/>
+              </a:defRPr>
+            </a:lvl2pPr>
+            <a:lvl3pPr marL="1143000" indent="-228600" defTabSz="965200">
+              <a:defRPr b="1">
+                <a:solidFill>
+                  <a:schemeClr val="tx1"/>
+                </a:solidFill>
+                <a:latin typeface="Times New Roman" pitchFamily="18" charset="0"/>
+              </a:defRPr>
+            </a:lvl3pPr>
+            <a:lvl4pPr marL="1600200" indent="-228600" defTabSz="965200">
+              <a:defRPr b="1">
+                <a:solidFill>
+                  <a:schemeClr val="tx1"/>
+                </a:solidFill>
+                <a:latin typeface="Times New Roman" pitchFamily="18" charset="0"/>
+              </a:defRPr>
+            </a:lvl4pPr>
+            <a:lvl5pPr marL="2057400" indent="-228600" defTabSz="965200">
+              <a:defRPr b="1">
+                <a:solidFill>
+                  <a:schemeClr val="tx1"/>
+                </a:solidFill>
+                <a:latin typeface="Times New Roman" pitchFamily="18" charset="0"/>
+              </a:defRPr>
+            </a:lvl5pPr>
+            <a:lvl6pPr marL="2514600" indent="-228600" defTabSz="965200" eaLnBrk="0" fontAlgn="base" hangingPunct="0">
+              <a:spcBef>
+                <a:spcPct val="0"/>
+              </a:spcBef>
+              <a:spcAft>
+                <a:spcPct val="0"/>
+              </a:spcAft>
+              <a:defRPr b="1">
+                <a:solidFill>
+                  <a:schemeClr val="tx1"/>
+                </a:solidFill>
+                <a:latin typeface="Times New Roman" pitchFamily="18" charset="0"/>
+              </a:defRPr>
+            </a:lvl6pPr>
+            <a:lvl7pPr marL="2971800" indent="-228600" defTabSz="965200" eaLnBrk="0" fontAlgn="base" hangingPunct="0">
+              <a:spcBef>
+                <a:spcPct val="0"/>
+              </a:spcBef>
+              <a:spcAft>
+                <a:spcPct val="0"/>
+              </a:spcAft>
+              <a:defRPr b="1">
+                <a:solidFill>
+                  <a:schemeClr val="tx1"/>
+                </a:solidFill>
+                <a:latin typeface="Times New Roman" pitchFamily="18" charset="0"/>
+              </a:defRPr>
+            </a:lvl7pPr>
+            <a:lvl8pPr marL="3429000" indent="-228600" defTabSz="965200" eaLnBrk="0" fontAlgn="base" hangingPunct="0">
+              <a:spcBef>
+                <a:spcPct val="0"/>
+              </a:spcBef>
+              <a:spcAft>
+                <a:spcPct val="0"/>
+              </a:spcAft>
+              <a:defRPr b="1">
+                <a:solidFill>
+                  <a:schemeClr val="tx1"/>
+                </a:solidFill>
+                <a:latin typeface="Times New Roman" pitchFamily="18" charset="0"/>
+              </a:defRPr>
+            </a:lvl8pPr>
+            <a:lvl9pPr marL="3886200" indent="-228600" defTabSz="965200" eaLnBrk="0" fontAlgn="base" hangingPunct="0">
+              <a:spcBef>
+                <a:spcPct val="0"/>
+              </a:spcBef>
+              <a:spcAft>
+                <a:spcPct val="0"/>
+              </a:spcAft>
+              <a:defRPr b="1">
+                <a:solidFill>
+                  <a:schemeClr val="tx1"/>
+                </a:solidFill>
+                <a:latin typeface="Times New Roman" pitchFamily="18" charset="0"/>
+              </a:defRPr>
+            </a:lvl9pPr>
+          </a:lstStyle>
+          <a:p>
+            <a:fld id="{3FEBC356-9E3F-40F7-99B7-4222C5B8C122}" type="slidenum">
+              <a:rPr lang="en-US" b="0" smtClean="0">
+                <a:latin typeface="Arial" pitchFamily="34" charset="0"/>
+              </a:rPr>
+              <a:pPr/>
+              <a:t>21</a:t>
+            </a:fld>
+            <a:endParaRPr lang="en-US" b="0">
+              <a:latin typeface="Arial" pitchFamily="34" charset="0"/>
+            </a:endParaRPr>
+          </a:p>
+        </p:txBody>
+      </p:sp>
+    </p:spTree>
+    <p:extLst>
+      <p:ext uri="{BB962C8B-B14F-4D97-AF65-F5344CB8AC3E}">
+        <p14:creationId xmlns:p14="http://schemas.microsoft.com/office/powerpoint/2010/main" val="496122781"/>
+      </p:ext>
+    </p:extLst>
+  </p:cSld>
+  <p:clrMapOvr>
+    <a:masterClrMapping/>
+  </p:clrMapOvr>
+</p:notes>
+</file>
+
+<file path=ppt/notesSlides/notesSlide6.xml><?xml version="1.0" encoding="utf-8"?>
+<p:notes xmlns:a="http://schemas.openxmlformats.org/drawingml/2006/main" xmlns:r="http://schemas.openxmlformats.org/officeDocument/2006/relationships" xmlns:p="http://schemas.openxmlformats.org/presentationml/2006/main">
+  <p:cSld>
+    <p:spTree>
+      <p:nvGrpSpPr>
+        <p:cNvPr id="1" name=""/>
+        <p:cNvGrpSpPr/>
+        <p:nvPr/>
+      </p:nvGrpSpPr>
+      <p:grpSpPr>
+        <a:xfrm>
+          <a:off x="0" y="0"/>
+          <a:ext cx="0" cy="0"/>
+          <a:chOff x="0" y="0"/>
+          <a:chExt cx="0" cy="0"/>
+        </a:xfrm>
+      </p:grpSpPr>
+      <p:sp>
+        <p:nvSpPr>
+          <p:cNvPr id="64514" name="Slide Image Placeholder 1"/>
+          <p:cNvSpPr>
+            <a:spLocks noGrp="1" noRot="1" noChangeAspect="1" noTextEdit="1"/>
+          </p:cNvSpPr>
+          <p:nvPr>
+            <p:ph type="sldImg"/>
+          </p:nvPr>
+        </p:nvSpPr>
+        <p:spPr>
+          <a:ln/>
+        </p:spPr>
+      </p:sp>
+      <p:sp>
+        <p:nvSpPr>
+          <p:cNvPr id="64515" name="Notes Placeholder 2"/>
+          <p:cNvSpPr>
+            <a:spLocks noGrp="1"/>
+          </p:cNvSpPr>
+          <p:nvPr>
+            <p:ph type="body" idx="1"/>
+          </p:nvPr>
+        </p:nvSpPr>
+        <p:spPr>
+          <a:noFill/>
+          <a:ln/>
+          <a:extLst>
+            <a:ext uri="{909E8E84-426E-40DD-AFC4-6F175D3DCCD1}">
+              <a14:hiddenFill xmlns:a14="http://schemas.microsoft.com/office/drawing/2010/main">
+                <a:solidFill>
+                  <a:srgbClr val="FFFFFF"/>
+                </a:solidFill>
+              </a14:hiddenFill>
+            </a:ext>
+            <a:ext uri="{91240B29-F687-4F45-9708-019B960494DF}">
+              <a14:hiddenLine xmlns:a14="http://schemas.microsoft.com/office/drawing/2010/main" w="9525">
+                <a:solidFill>
+                  <a:srgbClr val="000000"/>
+                </a:solidFill>
+                <a:miter lim="800000"/>
+                <a:headEnd/>
+                <a:tailEnd/>
+              </a14:hiddenLine>
+            </a:ext>
+          </a:extLst>
+        </p:spPr>
+        <p:txBody>
+          <a:bodyPr/>
+          <a:lstStyle/>
+          <a:p>
+            <a:endParaRPr lang="en-US"/>
+          </a:p>
+        </p:txBody>
+      </p:sp>
+      <p:sp>
+        <p:nvSpPr>
+          <p:cNvPr id="64516" name="Slide Number Placeholder 3"/>
+          <p:cNvSpPr>
+            <a:spLocks noGrp="1"/>
+          </p:cNvSpPr>
+          <p:nvPr>
+            <p:ph type="sldNum" sz="quarter" idx="5"/>
+          </p:nvPr>
+        </p:nvSpPr>
+        <p:spPr>
+          <a:noFill/>
+          <a:ln/>
+          <a:extLst>
+            <a:ext uri="{909E8E84-426E-40DD-AFC4-6F175D3DCCD1}">
+              <a14:hiddenFill xmlns:a14="http://schemas.microsoft.com/office/drawing/2010/main">
+                <a:solidFill>
+                  <a:srgbClr val="FFFFFF"/>
+                </a:solidFill>
+              </a14:hiddenFill>
+            </a:ext>
+            <a:ext uri="{91240B29-F687-4F45-9708-019B960494DF}">
+              <a14:hiddenLine xmlns:a14="http://schemas.microsoft.com/office/drawing/2010/main" w="9525">
+                <a:solidFill>
+                  <a:srgbClr val="000000"/>
+                </a:solidFill>
+                <a:miter lim="800000"/>
+                <a:headEnd/>
+                <a:tailEnd/>
+              </a14:hiddenLine>
+            </a:ext>
+          </a:extLst>
+        </p:spPr>
+        <p:txBody>
+          <a:bodyPr/>
+          <a:lstStyle>
+            <a:lvl1pPr defTabSz="965200">
+              <a:defRPr b="1">
+                <a:solidFill>
+                  <a:schemeClr val="tx1"/>
+                </a:solidFill>
+                <a:latin typeface="Times New Roman" pitchFamily="18" charset="0"/>
+              </a:defRPr>
+            </a:lvl1pPr>
+            <a:lvl2pPr marL="742950" indent="-285750" defTabSz="965200">
+              <a:defRPr b="1">
+                <a:solidFill>
+                  <a:schemeClr val="tx1"/>
+                </a:solidFill>
+                <a:latin typeface="Times New Roman" pitchFamily="18" charset="0"/>
+              </a:defRPr>
+            </a:lvl2pPr>
+            <a:lvl3pPr marL="1143000" indent="-228600" defTabSz="965200">
+              <a:defRPr b="1">
+                <a:solidFill>
+                  <a:schemeClr val="tx1"/>
+                </a:solidFill>
+                <a:latin typeface="Times New Roman" pitchFamily="18" charset="0"/>
+              </a:defRPr>
+            </a:lvl3pPr>
+            <a:lvl4pPr marL="1600200" indent="-228600" defTabSz="965200">
+              <a:defRPr b="1">
+                <a:solidFill>
+                  <a:schemeClr val="tx1"/>
+                </a:solidFill>
+                <a:latin typeface="Times New Roman" pitchFamily="18" charset="0"/>
+              </a:defRPr>
+            </a:lvl4pPr>
+            <a:lvl5pPr marL="2057400" indent="-228600" defTabSz="965200">
+              <a:defRPr b="1">
+                <a:solidFill>
+                  <a:schemeClr val="tx1"/>
+                </a:solidFill>
+                <a:latin typeface="Times New Roman" pitchFamily="18" charset="0"/>
+              </a:defRPr>
+            </a:lvl5pPr>
+            <a:lvl6pPr marL="2514600" indent="-228600" defTabSz="965200" eaLnBrk="0" fontAlgn="base" hangingPunct="0">
+              <a:spcBef>
+                <a:spcPct val="0"/>
+              </a:spcBef>
+              <a:spcAft>
+                <a:spcPct val="0"/>
+              </a:spcAft>
+              <a:defRPr b="1">
+                <a:solidFill>
+                  <a:schemeClr val="tx1"/>
+                </a:solidFill>
+                <a:latin typeface="Times New Roman" pitchFamily="18" charset="0"/>
+              </a:defRPr>
+            </a:lvl6pPr>
+            <a:lvl7pPr marL="2971800" indent="-228600" defTabSz="965200" eaLnBrk="0" fontAlgn="base" hangingPunct="0">
+              <a:spcBef>
+                <a:spcPct val="0"/>
+              </a:spcBef>
+              <a:spcAft>
+                <a:spcPct val="0"/>
+              </a:spcAft>
+              <a:defRPr b="1">
+                <a:solidFill>
+                  <a:schemeClr val="tx1"/>
+                </a:solidFill>
+                <a:latin typeface="Times New Roman" pitchFamily="18" charset="0"/>
+              </a:defRPr>
+            </a:lvl7pPr>
+            <a:lvl8pPr marL="3429000" indent="-228600" defTabSz="965200" eaLnBrk="0" fontAlgn="base" hangingPunct="0">
+              <a:spcBef>
+                <a:spcPct val="0"/>
+              </a:spcBef>
+              <a:spcAft>
+                <a:spcPct val="0"/>
+              </a:spcAft>
+              <a:defRPr b="1">
+                <a:solidFill>
+                  <a:schemeClr val="tx1"/>
+                </a:solidFill>
+                <a:latin typeface="Times New Roman" pitchFamily="18" charset="0"/>
+              </a:defRPr>
+            </a:lvl8pPr>
+            <a:lvl9pPr marL="3886200" indent="-228600" defTabSz="965200" eaLnBrk="0" fontAlgn="base" hangingPunct="0">
+              <a:spcBef>
+                <a:spcPct val="0"/>
+              </a:spcBef>
+              <a:spcAft>
+                <a:spcPct val="0"/>
+              </a:spcAft>
+              <a:defRPr b="1">
+                <a:solidFill>
+                  <a:schemeClr val="tx1"/>
+                </a:solidFill>
+                <a:latin typeface="Times New Roman" pitchFamily="18" charset="0"/>
+              </a:defRPr>
+            </a:lvl9pPr>
+          </a:lstStyle>
+          <a:p>
+            <a:fld id="{4F05EDC7-51BB-4992-BEBA-FEE2346505A6}" type="slidenum">
+              <a:rPr lang="en-US" b="0" smtClean="0">
+                <a:latin typeface="Arial" pitchFamily="34" charset="0"/>
+              </a:rPr>
+              <a:pPr/>
+              <a:t>22</a:t>
+            </a:fld>
+            <a:endParaRPr lang="en-US" b="0">
+              <a:latin typeface="Arial" pitchFamily="34" charset="0"/>
+            </a:endParaRPr>
+          </a:p>
+        </p:txBody>
+      </p:sp>
+    </p:spTree>
+    <p:extLst>
+      <p:ext uri="{BB962C8B-B14F-4D97-AF65-F5344CB8AC3E}">
+        <p14:creationId xmlns:p14="http://schemas.microsoft.com/office/powerpoint/2010/main" val="1852985161"/>
+      </p:ext>
+    </p:extLst>
+  </p:cSld>
+  <p:clrMapOvr>
+    <a:masterClrMapping/>
+  </p:clrMapOvr>
+</p:notes>
+</file>
+
 <file path=ppt/slideLayouts/slideLayout1.xml><?xml version="1.0" encoding="utf-8"?>
 <p:sldLayout xmlns:a="http://schemas.openxmlformats.org/drawingml/2006/main" xmlns:r="http://schemas.openxmlformats.org/officeDocument/2006/relationships" xmlns:p="http://schemas.openxmlformats.org/presentationml/2006/main" type="title" preserve="1">
   <p:cSld name="Title Slide">
@@ -646,7 +2045,7 @@
           <a:p>
             <a:fld id="{096EB725-F86C-4C1F-A15D-043F07170723}" type="datetime1">
               <a:rPr lang="en-US" smtClean="0"/>
-              <a:t>3/13/2023</a:t>
+              <a:t>3/14/2023</a:t>
             </a:fld>
             <a:endParaRPr lang="en-US"/>
           </a:p>
@@ -936,7 +2335,7 @@
           <a:p>
             <a:fld id="{3F965C2E-7231-40C5-AC2A-3C5B805E77BA}" type="datetime1">
               <a:rPr lang="en-US" smtClean="0"/>
-              <a:t>3/13/2023</a:t>
+              <a:t>3/14/2023</a:t>
             </a:fld>
             <a:endParaRPr lang="en-US"/>
           </a:p>
@@ -1114,7 +2513,7 @@
           <a:p>
             <a:fld id="{6D7E3983-9492-4893-A6DE-B96668EE171D}" type="datetime1">
               <a:rPr lang="en-US" smtClean="0"/>
-              <a:t>3/13/2023</a:t>
+              <a:t>3/14/2023</a:t>
             </a:fld>
             <a:endParaRPr lang="en-US"/>
           </a:p>
@@ -1357,7 +2756,7 @@
             </a:pPr>
             <a:fld id="{894898F9-D340-4EEF-9E43-0442554E3307}" type="datetime1">
               <a:rPr lang="en-US" smtClean="0"/>
-              <a:t>3/13/2023</a:t>
+              <a:t>3/14/2023</a:t>
             </a:fld>
             <a:endParaRPr lang="en-US"/>
           </a:p>
@@ -1537,7 +2936,7 @@
             </a:pPr>
             <a:fld id="{D4FBD07B-8FE3-4CA9-A1A6-16AC12266CAC}" type="datetime1">
               <a:rPr lang="en-US" smtClean="0"/>
-              <a:t>3/13/2023</a:t>
+              <a:t>3/14/2023</a:t>
             </a:fld>
             <a:endParaRPr lang="en-US"/>
           </a:p>
@@ -1815,7 +3214,7 @@
           <a:p>
             <a:fld id="{C0365B9D-9D91-4D30-8615-94EA8C8774E0}" type="datetime1">
               <a:rPr lang="en-US" smtClean="0"/>
-              <a:t>3/13/2023</a:t>
+              <a:t>3/14/2023</a:t>
             </a:fld>
             <a:endParaRPr lang="en-US"/>
           </a:p>
@@ -2159,7 +3558,7 @@
           <a:p>
             <a:fld id="{993F651E-4C03-4D94-9911-17E6D1439129}" type="datetime1">
               <a:rPr lang="en-US" smtClean="0"/>
-              <a:t>3/13/2023</a:t>
+              <a:t>3/14/2023</a:t>
             </a:fld>
             <a:endParaRPr lang="en-US"/>
           </a:p>
@@ -2388,7 +3787,7 @@
           <a:p>
             <a:fld id="{7E5F4B0C-C784-4C58-B9A4-38ABDBAAE574}" type="datetime1">
               <a:rPr lang="en-US" smtClean="0"/>
-              <a:t>3/13/2023</a:t>
+              <a:t>3/14/2023</a:t>
             </a:fld>
             <a:endParaRPr lang="en-US"/>
           </a:p>
@@ -2752,7 +4151,7 @@
           <a:p>
             <a:fld id="{DC3C105F-3379-40AF-BB8A-BDD90E0F5F41}" type="datetime1">
               <a:rPr lang="en-US" smtClean="0"/>
-              <a:t>3/13/2023</a:t>
+              <a:t>3/14/2023</a:t>
             </a:fld>
             <a:endParaRPr lang="en-US"/>
           </a:p>
@@ -2847,7 +4246,7 @@
           <a:p>
             <a:fld id="{9077ACB9-2084-4147-9706-988B9A7D908D}" type="datetime1">
               <a:rPr lang="en-US" smtClean="0"/>
-              <a:t>3/13/2023</a:t>
+              <a:t>3/14/2023</a:t>
             </a:fld>
             <a:endParaRPr lang="en-US"/>
           </a:p>
@@ -3069,7 +4468,7 @@
             <a:fld id="{B2F5E2FA-C428-4CE7-95B0-168D3259A5BB}" type="datetimeFigureOut">
               <a:rPr lang="en-US" smtClean="0"/>
               <a:pPr/>
-              <a:t>3/13/2023</a:t>
+              <a:t>3/14/2023</a:t>
             </a:fld>
             <a:endParaRPr lang="en-US"/>
           </a:p>
@@ -3240,7 +4639,7 @@
           <a:p>
             <a:fld id="{BFA57943-8470-48BE-975E-C40CF640F731}" type="datetime1">
               <a:rPr lang="en-US" smtClean="0"/>
-              <a:t>3/13/2023</a:t>
+              <a:t>3/14/2023</a:t>
             </a:fld>
             <a:endParaRPr lang="en-US"/>
           </a:p>
@@ -3515,7 +4914,7 @@
           <a:p>
             <a:fld id="{A14ED56A-218B-4BC9-A191-F0534214D447}" type="datetime1">
               <a:rPr lang="en-US" smtClean="0"/>
-              <a:t>3/13/2023</a:t>
+              <a:t>3/14/2023</a:t>
             </a:fld>
             <a:endParaRPr lang="en-US"/>
           </a:p>
@@ -3767,7 +5166,7 @@
           <a:p>
             <a:fld id="{B4C76170-6F8B-4B73-B2CC-AF7137815593}" type="datetime1">
               <a:rPr lang="en-US" smtClean="0"/>
-              <a:t>3/13/2023</a:t>
+              <a:t>3/14/2023</a:t>
             </a:fld>
             <a:endParaRPr lang="en-US"/>
           </a:p>
@@ -3978,7 +5377,7 @@
           <a:p>
             <a:fld id="{A45F092A-4E84-4D76-8686-B3D079648FBE}" type="datetime1">
               <a:rPr lang="en-US" smtClean="0"/>
-              <a:t>3/13/2023</a:t>
+              <a:t>3/14/2023</a:t>
             </a:fld>
             <a:endParaRPr lang="en-US"/>
           </a:p>
@@ -4410,7 +5809,6 @@
               <a:rPr lang="en-US" dirty="0"/>
               <a:t>Integration Design Patterns</a:t>
             </a:r>
-            <a:endParaRPr lang="en-US" dirty="0"/>
           </a:p>
         </p:txBody>
       </p:sp>
@@ -4574,11 +5972,7 @@
             </a:r>
             <a:r>
               <a:rPr lang="en-US" dirty="0" smtClean="0"/>
-              <a:t> of the function signatures and network protocols, and an API specification document is published. APIs often have various versions available for different clients. Dynamic discovery and binding of APIs and operations by clients during run time may also be supported</a:t>
-            </a:r>
-            <a:r>
-              <a:rPr lang="en-US" dirty="0" smtClean="0"/>
-              <a:t>.</a:t>
+              <a:t> of the function signatures and network protocols, and an API specification document is published. APIs often have various versions available for different clients. Dynamic discovery and binding of APIs and operations by clients during run time may also be supported.</a:t>
             </a:r>
             <a:endParaRPr lang="en-US" dirty="0"/>
           </a:p>
@@ -4687,11 +6081,7 @@
             <a:pPr lvl="1"/>
             <a:r>
               <a:rPr lang="en-US" dirty="0" smtClean="0"/>
-              <a:t>Messaging </a:t>
-            </a:r>
-            <a:r>
-              <a:rPr lang="en-US" dirty="0" smtClean="0"/>
-              <a:t>Systems — the integration pattern of messaging allows systems to be loosely coupled by communicating asynchronously, making communication more reliable because the two systems do not have to run simultaneously. The messaging system is responsible for transferring data from one system to the other, so they can focus on the information they need to share and not manage the interaction actively. It’s like a letter postal service.</a:t>
+              <a:t>Messaging Systems — the integration pattern of messaging allows systems to be loosely coupled by communicating asynchronously, making communication more reliable because the two systems do not have to run simultaneously. The messaging system is responsible for transferring data from one system to the other, so they can focus on the information they need to share and not manage the interaction actively. It’s like a letter postal service.</a:t>
             </a:r>
           </a:p>
           <a:p>
@@ -4705,11 +6095,7 @@
             <a:pPr lvl="1"/>
             <a:r>
               <a:rPr lang="en-US" dirty="0" smtClean="0"/>
-              <a:t>Publish Subscribe Systems — a publish pattern is an asynchronous and loosely coupled communication pattern for a serving system to make information or functions available that interested clients can subscribe to. It’s like newspaper publishing and subscription by interested readers</a:t>
-            </a:r>
-            <a:r>
-              <a:rPr lang="en-US" dirty="0" smtClean="0"/>
-              <a:t>.</a:t>
+              <a:t>Publish Subscribe Systems — a publish pattern is an asynchronous and loosely coupled communication pattern for a serving system to make information or functions available that interested clients can subscribe to. It’s like newspaper publishing and subscription by interested readers.</a:t>
             </a:r>
             <a:endParaRPr lang="en-US" dirty="0"/>
           </a:p>
@@ -4818,11 +6204,7 @@
             <a:pPr lvl="1"/>
             <a:r>
               <a:rPr lang="en-US" dirty="0" smtClean="0"/>
-              <a:t>ESBs </a:t>
-            </a:r>
-            <a:r>
-              <a:rPr lang="en-US" dirty="0" smtClean="0"/>
-              <a:t>— an Enterprise Service Bus combines multiple integration functions, such as messaging, queuing, publish-subscribe, routing, protocol transformation, object transformation, etc., in one software platform. They are one of the most common EAI platforms (see below).</a:t>
+              <a:t>ESBs — an Enterprise Service Bus combines multiple integration functions, such as messaging, queuing, publish-subscribe, routing, protocol transformation, object transformation, etc., in one software platform. They are one of the most common EAI platforms (see below).</a:t>
             </a:r>
           </a:p>
           <a:p>
@@ -5042,7 +6424,7 @@
         <p:spPr/>
         <p:txBody>
           <a:bodyPr>
-            <a:normAutofit fontScale="92500" lnSpcReduction="10000"/>
+            <a:normAutofit/>
           </a:bodyPr>
           <a:lstStyle/>
           <a:p>
@@ -5102,14 +6484,7 @@
             </a:r>
             <a:r>
               <a:rPr lang="en-US" dirty="0" smtClean="0"/>
-              <a:t> field required by a payment system interface with a default value for a client that does not supply it.</a:t>
-            </a:r>
-          </a:p>
-          <a:p>
-            <a:pPr lvl="1"/>
-            <a:r>
-              <a:rPr lang="en-US" dirty="0" smtClean="0"/>
-              <a:t>Proxy — Provides a surrogate or placeholder for another object to control access to it. Functionally, they can be further divided into Remote Proxy (local representation of a remote API), Virtual Proxy (provide caching and on-demand backend access), Protection Proxy (control access based on roles and rules), and Helper Proxy (provide additional services such as counting, logging, etc.), e.g., a CDN (content delivery network) uses a reverse proxy for security, load balancing, and scaling</a:t>
+              <a:t> field required by a payment system interface with a default value for a client that does not supply it</a:t>
             </a:r>
             <a:r>
               <a:rPr lang="en-US" dirty="0" smtClean="0"/>
@@ -5209,46 +6584,33 @@
         <p:spPr/>
         <p:txBody>
           <a:bodyPr>
-            <a:normAutofit fontScale="85000" lnSpcReduction="20000"/>
+            <a:normAutofit/>
           </a:bodyPr>
           <a:lstStyle/>
           <a:p>
-            <a:r>
-              <a:rPr lang="en-US" dirty="0" smtClean="0"/>
-              <a:t>The ‘Gang of Four’ book on Application Design Patterns covers the following architecturally relevant ones that are briefly described. As an application and integration architect, learn and use these patterns.</a:t>
-            </a:r>
-          </a:p>
-          <a:p>
             <a:pPr lvl="1"/>
             <a:r>
               <a:rPr lang="en-US" dirty="0" smtClean="0"/>
-              <a:t>Observer </a:t>
-            </a:r>
-            <a:r>
-              <a:rPr lang="en-US" dirty="0" smtClean="0"/>
-              <a:t>(aka Publish-Subscribe) — Defines a one-to-many dependency between objects so that when one object changes state, all its dependents are notified and updated automatically. (The Event-Driven Architecture pattern is a case of an observer or publish-subscribe application integration pattern.) E.g., if an airline (subject) flight schedule changes and several travel portals (observers) need to know about it, an Observer or Publish-Subscribe pattern integrates them using notifications, requests, etc.</a:t>
+              <a:t>Proxy </a:t>
+            </a:r>
+            <a:r>
+              <a:rPr lang="en-US" dirty="0" smtClean="0"/>
+              <a:t>— Provides a surrogate or placeholder for another object to control access to it. Functionally, they can be further divided into Remote Proxy (local representation of a remote API), Virtual Proxy (provide caching and on-demand backend access), Protection Proxy (control access based on roles and rules), and Helper Proxy (provide additional services such as counting, logging, etc.), e.g., a CDN (content delivery network) uses a reverse proxy for security, load balancing, and scaling</a:t>
+            </a:r>
+            <a:r>
+              <a:rPr lang="en-US" dirty="0" smtClean="0"/>
+              <a:t>.</a:t>
             </a:r>
           </a:p>
           <a:p>
             <a:pPr lvl="1"/>
             <a:r>
-              <a:rPr lang="en-US" dirty="0" smtClean="0"/>
-              <a:t>Mediator — Defines an object that encapsulates how a set of objects interact. Mediator promotes loose coupling by keeping objects from explicitly referring to each other and letting you vary their interaction independently, e.g., An </a:t>
-            </a:r>
-            <a:r>
-              <a:rPr lang="en-US" dirty="0" err="1" smtClean="0"/>
-              <a:t>eCommerce</a:t>
-            </a:r>
-            <a:r>
-              <a:rPr lang="en-US" dirty="0" smtClean="0"/>
-              <a:t> platform talks to several payment gateways through a mediator so they can all change independently of each other.</a:t>
-            </a:r>
-          </a:p>
-          <a:p>
-            <a:pPr lvl="1"/>
-            <a:r>
-              <a:rPr lang="en-US" dirty="0" smtClean="0"/>
-              <a:t>Anti-corruption Layer (this pattern comes from DDD) — When systems based on different models are combined, the need for the new system to adapt to the semantics of the other system can lead to a corruption of the new system’s model. Create an isolating layer to provide clients with functionality in terms of their domain model. The layer talks to the other system through its existing interface, requiring little or no modification to the other system. Internally, the layer translates in both directions as necessary between the two models, e.g., A mobile banking application talks to a legacy core banking system through an ACL that separates credit checking from orders that are combined in one function in the legacy system.</a:t>
+              <a:rPr lang="en-US" dirty="0"/>
+              <a:t>Observer (aka Publish-Subscribe) — Defines a one-to-many dependency between objects so that when one object changes state, all its dependents are notified and updated automatically. (The Event-Driven Architecture pattern is a case of an observer or publish-subscribe application integration pattern.) E.g., if an airline (subject) flight schedule changes and several travel portals (observers) need to know about it, an Observer or Publish-Subscribe pattern integrates them using notifications, requests, etc</a:t>
+            </a:r>
+            <a:r>
+              <a:rPr lang="en-US" dirty="0" smtClean="0"/>
+              <a:t>.</a:t>
             </a:r>
             <a:endParaRPr lang="en-US" dirty="0"/>
           </a:p>
@@ -5281,7 +6643,7 @@
     </p:spTree>
     <p:extLst>
       <p:ext uri="{BB962C8B-B14F-4D97-AF65-F5344CB8AC3E}">
-        <p14:creationId xmlns:p14="http://schemas.microsoft.com/office/powerpoint/2010/main" val="3677213942"/>
+        <p14:creationId xmlns:p14="http://schemas.microsoft.com/office/powerpoint/2010/main" val="3257418189"/>
       </p:ext>
     </p:extLst>
   </p:cSld>
@@ -5310,7 +6672,7 @@
       </p:grpSpPr>
       <p:sp>
         <p:nvSpPr>
-          <p:cNvPr id="4" name="Title 3"/>
+          <p:cNvPr id="2" name="Title 1"/>
           <p:cNvSpPr>
             <a:spLocks noGrp="1"/>
           </p:cNvSpPr>
@@ -5325,7 +6687,7 @@
           <a:p>
             <a:r>
               <a:rPr lang="en-US" dirty="0" smtClean="0"/>
-              <a:t>Horizontal integration of systems’ layers</a:t>
+              <a:t>Application Design Patterns </a:t>
             </a:r>
             <a:endParaRPr lang="en-US" dirty="0"/>
           </a:p>
@@ -5333,26 +6695,52 @@
       </p:sp>
       <p:sp>
         <p:nvSpPr>
-          <p:cNvPr id="5" name="Text Placeholder 4"/>
-          <p:cNvSpPr>
-            <a:spLocks noGrp="1"/>
-          </p:cNvSpPr>
-          <p:nvPr>
-            <p:ph type="body" idx="1"/>
-          </p:nvPr>
-        </p:nvSpPr>
-        <p:spPr/>
-        <p:txBody>
-          <a:bodyPr/>
-          <a:lstStyle/>
-          <a:p>
-            <a:endParaRPr lang="en-US"/>
-          </a:p>
-        </p:txBody>
-      </p:sp>
-      <p:sp>
-        <p:nvSpPr>
-          <p:cNvPr id="2" name="Slide Number Placeholder 1"/>
+          <p:cNvPr id="3" name="Content Placeholder 2"/>
+          <p:cNvSpPr>
+            <a:spLocks noGrp="1"/>
+          </p:cNvSpPr>
+          <p:nvPr>
+            <p:ph idx="1"/>
+          </p:nvPr>
+        </p:nvSpPr>
+        <p:spPr/>
+        <p:txBody>
+          <a:bodyPr>
+            <a:normAutofit/>
+          </a:bodyPr>
+          <a:lstStyle/>
+          <a:p>
+            <a:pPr lvl="1"/>
+            <a:r>
+              <a:rPr lang="en-US" dirty="0" smtClean="0"/>
+              <a:t>Mediator </a:t>
+            </a:r>
+            <a:r>
+              <a:rPr lang="en-US" dirty="0" smtClean="0"/>
+              <a:t>— Defines an object that encapsulates how a set of objects interact. Mediator promotes loose coupling by keeping objects from explicitly referring to each other and letting you vary their interaction independently, e.g., An </a:t>
+            </a:r>
+            <a:r>
+              <a:rPr lang="en-US" dirty="0" err="1" smtClean="0"/>
+              <a:t>eCommerce</a:t>
+            </a:r>
+            <a:r>
+              <a:rPr lang="en-US" dirty="0" smtClean="0"/>
+              <a:t> platform talks to several payment gateways through a mediator so they can all change independently of each other.</a:t>
+            </a:r>
+          </a:p>
+          <a:p>
+            <a:pPr lvl="1"/>
+            <a:r>
+              <a:rPr lang="en-US" dirty="0" smtClean="0"/>
+              <a:t>Anti-corruption Layer (this pattern comes from DDD) — When systems based on different models are combined, the need for the new system to adapt to the semantics of the other system can lead to a corruption of the new system’s model. Create an isolating layer to provide clients with functionality in terms of their domain model. The layer talks to the other system through its existing interface, requiring little or no modification to the other system. Internally, the layer translates in both directions as necessary between the two models, e.g., A mobile banking application talks to a legacy core banking system through an ACL that separates credit checking from orders that are combined in one function in the legacy system.</a:t>
+            </a:r>
+            <a:endParaRPr lang="en-US" dirty="0"/>
+          </a:p>
+        </p:txBody>
+      </p:sp>
+      <p:sp>
+        <p:nvSpPr>
+          <p:cNvPr id="4" name="Slide Number Placeholder 3"/>
           <p:cNvSpPr>
             <a:spLocks noGrp="1"/>
           </p:cNvSpPr>
@@ -5367,16 +6755,17 @@
           <a:p>
             <a:fld id="{B8DACC02-A2BD-4578-8E03-6D891060A695}" type="slidenum">
               <a:rPr lang="en-US" smtClean="0"/>
+              <a:pPr/>
               <a:t>16</a:t>
             </a:fld>
-            <a:endParaRPr lang="en-US"/>
+            <a:endParaRPr lang="en-US" dirty="0"/>
           </a:p>
         </p:txBody>
       </p:sp>
     </p:spTree>
     <p:extLst>
       <p:ext uri="{BB962C8B-B14F-4D97-AF65-F5344CB8AC3E}">
-        <p14:creationId xmlns:p14="http://schemas.microsoft.com/office/powerpoint/2010/main" val="3018879205"/>
+        <p14:creationId xmlns:p14="http://schemas.microsoft.com/office/powerpoint/2010/main" val="3677213942"/>
       </p:ext>
     </p:extLst>
   </p:cSld>
@@ -5405,7 +6794,7 @@
       </p:grpSpPr>
       <p:sp>
         <p:nvSpPr>
-          <p:cNvPr id="2" name="Title 1"/>
+          <p:cNvPr id="27650" name="Title 1"/>
           <p:cNvSpPr>
             <a:spLocks noGrp="1"/>
           </p:cNvSpPr>
@@ -5413,22 +6802,28 @@
             <p:ph type="title"/>
           </p:nvPr>
         </p:nvSpPr>
-        <p:spPr/>
-        <p:txBody>
-          <a:bodyPr/>
-          <a:lstStyle/>
-          <a:p>
-            <a:r>
-              <a:rPr lang="en-US" dirty="0" smtClean="0"/>
-              <a:t>UI layer horizontal integration</a:t>
-            </a:r>
-            <a:endParaRPr lang="en-US" dirty="0"/>
-          </a:p>
-        </p:txBody>
-      </p:sp>
-      <p:sp>
-        <p:nvSpPr>
-          <p:cNvPr id="3" name="Content Placeholder 2"/>
+        <p:spPr>
+          <a:xfrm>
+            <a:off x="209405" y="76200"/>
+            <a:ext cx="10382395" cy="623888"/>
+          </a:xfrm>
+        </p:spPr>
+        <p:txBody>
+          <a:bodyPr>
+            <a:normAutofit fontScale="90000"/>
+          </a:bodyPr>
+          <a:lstStyle/>
+          <a:p>
+            <a:r>
+              <a:rPr lang="en-US" dirty="0"/>
+              <a:t>Software Engineering Review: Design Patterns</a:t>
+            </a:r>
+          </a:p>
+        </p:txBody>
+      </p:sp>
+      <p:sp>
+        <p:nvSpPr>
+          <p:cNvPr id="27651" name="Content Placeholder 2"/>
           <p:cNvSpPr>
             <a:spLocks noGrp="1"/>
           </p:cNvSpPr>
@@ -5436,59 +6831,96 @@
             <p:ph idx="1"/>
           </p:nvPr>
         </p:nvSpPr>
-        <p:spPr/>
+        <p:spPr>
+          <a:xfrm>
+            <a:off x="293165" y="2586037"/>
+            <a:ext cx="11021661" cy="4119563"/>
+          </a:xfrm>
+        </p:spPr>
         <p:txBody>
           <a:bodyPr>
-            <a:normAutofit fontScale="85000" lnSpcReduction="20000"/>
+            <a:normAutofit/>
           </a:bodyPr>
           <a:lstStyle/>
           <a:p>
             <a:r>
-              <a:rPr lang="en-US" dirty="0" smtClean="0"/>
-              <a:t>Horizontal integrations in the UI layer are increasing, driven by the trend of ‘assembling’ applications by combining ready-to-use services such as product searches, e-commerce portals, payment gateways, etc. Let’s consider this in the three typical types of UIs.</a:t>
+              <a:rPr lang="en-US" sz="2400" dirty="0"/>
+              <a:t>A </a:t>
+            </a:r>
+            <a:r>
+              <a:rPr lang="en-US" sz="2400" b="1" dirty="0">
+                <a:solidFill>
+                  <a:schemeClr val="tx2"/>
+                </a:solidFill>
+              </a:rPr>
+              <a:t>design pattern</a:t>
+            </a:r>
+            <a:r>
+              <a:rPr lang="en-US" sz="2400" dirty="0">
+                <a:solidFill>
+                  <a:schemeClr val="tx2"/>
+                </a:solidFill>
+              </a:rPr>
+              <a:t> </a:t>
+            </a:r>
+            <a:r>
+              <a:rPr lang="en-US" sz="2400" dirty="0"/>
+              <a:t>is a general reusable solution in software design. </a:t>
+            </a:r>
+          </a:p>
+          <a:p>
+            <a:r>
+              <a:rPr lang="en-US" sz="2400" dirty="0"/>
+              <a:t>A design pattern is not a finished design. It is </a:t>
             </a:r>
           </a:p>
           <a:p>
             <a:pPr lvl="1"/>
             <a:r>
-              <a:rPr lang="en-US" dirty="0" smtClean="0"/>
-              <a:t>Static Single Page Applications (SPAs) — These are simpler apps where the functionality is all contained in one page, fully served by one or more backend systems. E.g., Gmail, Google Maps, Twitter, Facebook, etc. Horizontal UI integration is less common in SPAs.</a:t>
+              <a:rPr lang="en-US" dirty="0"/>
+              <a:t>A template for solving a problem that can be used in many different situations;</a:t>
             </a:r>
           </a:p>
           <a:p>
             <a:pPr lvl="1"/>
             <a:r>
-              <a:rPr lang="en-US" dirty="0" smtClean="0"/>
-              <a:t>Static Multi Page Applications (SMPAs) — Each page in such UIs provides a cohesive set of user functionality, e.g., an </a:t>
-            </a:r>
-            <a:r>
-              <a:rPr lang="en-US" dirty="0" err="1" smtClean="0"/>
-              <a:t>eCommerce</a:t>
-            </a:r>
-            <a:r>
-              <a:rPr lang="en-US" dirty="0" smtClean="0"/>
-              <a:t> site. There are different pages for user accounts, orders, support, etc. Each page can be quite independent of the others and connected to a separate backend server component or ‘white label’ partner systems. They are loosely integrated into one web portal or mobile app, but the look and feel is consistent across the pages.</a:t>
-            </a:r>
-          </a:p>
-          <a:p>
-            <a:pPr lvl="1"/>
-            <a:r>
-              <a:rPr lang="en-US" dirty="0" smtClean="0"/>
-              <a:t>Dynamic Multi Page Applications (DMPAs) — In such applications, there is a core set of pages connected to the primary backend components, but the user tasks also traverse pages populated by systems in other domains of the same enterprise or by partners’ systems, all of which may not be ‘white label’. In such cases, the look and feel of the external pages can be a little or a lot different and change with time. It may also vary between web and mobile versions of the same task.</a:t>
-            </a:r>
-          </a:p>
-          <a:p>
-            <a:r>
-              <a:rPr lang="en-US" dirty="0" smtClean="0"/>
-              <a:t>Most of the UI layer horizontal integration is effected by the (DDD) application layer horizontal integration as below, including such designs as portals with a collection of portlets from different systems.</a:t>
-            </a:r>
-            <a:endParaRPr lang="en-US" dirty="0"/>
-          </a:p>
-        </p:txBody>
-      </p:sp>
-      <p:sp>
-        <p:nvSpPr>
-          <p:cNvPr id="4" name="Slide Number Placeholder 3"/>
+              <a:rPr lang="en-US" dirty="0"/>
+              <a:t>An interface that can have different implementations.</a:t>
+            </a:r>
+          </a:p>
+          <a:p>
+            <a:r>
+              <a:rPr lang="en-US" sz="2400" dirty="0"/>
+              <a:t>Algorithms of solving a problem is not a part of the design pattern – They belong to the implementation detail / computing pattern.</a:t>
+            </a:r>
+          </a:p>
+          <a:p>
+            <a:r>
+              <a:rPr lang="en-US" sz="2400" dirty="0"/>
+              <a:t>Not all </a:t>
+            </a:r>
+            <a:r>
+              <a:rPr lang="en-US" sz="2400" b="1" dirty="0"/>
+              <a:t>software patterns </a:t>
+            </a:r>
+            <a:r>
+              <a:rPr lang="en-US" sz="2400" dirty="0"/>
+              <a:t>are design patterns. Design patterns deal specifically with problems at the level of software </a:t>
+            </a:r>
+            <a:r>
+              <a:rPr lang="en-US" sz="2400" i="1" dirty="0"/>
+              <a:t>design</a:t>
+            </a:r>
+            <a:r>
+              <a:rPr lang="en-US" sz="2400" dirty="0"/>
+              <a:t>. </a:t>
+            </a:r>
+          </a:p>
+        </p:txBody>
+      </p:sp>
+      <p:sp>
+        <p:nvSpPr>
+          <p:cNvPr id="27652" name="Slide Number Placeholder 3"/>
           <p:cNvSpPr>
             <a:spLocks noGrp="1"/>
           </p:cNvSpPr>
@@ -5496,30 +6928,1392 @@
             <p:ph type="sldNum" sz="quarter" idx="12"/>
           </p:nvPr>
         </p:nvSpPr>
-        <p:spPr/>
-        <p:txBody>
-          <a:bodyPr/>
-          <a:lstStyle/>
-          <a:p>
-            <a:fld id="{B8DACC02-A2BD-4578-8E03-6D891060A695}" type="slidenum">
-              <a:rPr lang="en-US" smtClean="0"/>
+        <p:spPr>
+          <a:noFill/>
+          <a:ln/>
+          <a:extLst>
+            <a:ext uri="{909E8E84-426E-40DD-AFC4-6F175D3DCCD1}">
+              <a14:hiddenFill xmlns:a14="http://schemas.microsoft.com/office/drawing/2010/main">
+                <a:solidFill>
+                  <a:srgbClr val="FFFFFF"/>
+                </a:solidFill>
+              </a14:hiddenFill>
+            </a:ext>
+            <a:ext uri="{91240B29-F687-4F45-9708-019B960494DF}">
+              <a14:hiddenLine xmlns:a14="http://schemas.microsoft.com/office/drawing/2010/main" w="9525">
+                <a:solidFill>
+                  <a:srgbClr val="000000"/>
+                </a:solidFill>
+                <a:miter lim="800000"/>
+                <a:headEnd/>
+                <a:tailEnd/>
+              </a14:hiddenLine>
+            </a:ext>
+          </a:extLst>
+        </p:spPr>
+        <p:txBody>
+          <a:bodyPr/>
+          <a:lstStyle>
+            <a:lvl1pPr>
+              <a:defRPr b="1">
+                <a:solidFill>
+                  <a:schemeClr val="tx1"/>
+                </a:solidFill>
+                <a:latin typeface="Times New Roman" pitchFamily="18" charset="0"/>
+              </a:defRPr>
+            </a:lvl1pPr>
+            <a:lvl2pPr marL="742950" indent="-285750">
+              <a:defRPr b="1">
+                <a:solidFill>
+                  <a:schemeClr val="tx1"/>
+                </a:solidFill>
+                <a:latin typeface="Times New Roman" pitchFamily="18" charset="0"/>
+              </a:defRPr>
+            </a:lvl2pPr>
+            <a:lvl3pPr marL="1143000" indent="-228600">
+              <a:defRPr b="1">
+                <a:solidFill>
+                  <a:schemeClr val="tx1"/>
+                </a:solidFill>
+                <a:latin typeface="Times New Roman" pitchFamily="18" charset="0"/>
+              </a:defRPr>
+            </a:lvl3pPr>
+            <a:lvl4pPr marL="1600200" indent="-228600">
+              <a:defRPr b="1">
+                <a:solidFill>
+                  <a:schemeClr val="tx1"/>
+                </a:solidFill>
+                <a:latin typeface="Times New Roman" pitchFamily="18" charset="0"/>
+              </a:defRPr>
+            </a:lvl4pPr>
+            <a:lvl5pPr marL="2057400" indent="-228600">
+              <a:defRPr b="1">
+                <a:solidFill>
+                  <a:schemeClr val="tx1"/>
+                </a:solidFill>
+                <a:latin typeface="Times New Roman" pitchFamily="18" charset="0"/>
+              </a:defRPr>
+            </a:lvl5pPr>
+            <a:lvl6pPr marL="2514600" indent="-228600" eaLnBrk="0" fontAlgn="base" hangingPunct="0">
+              <a:spcBef>
+                <a:spcPct val="0"/>
+              </a:spcBef>
+              <a:spcAft>
+                <a:spcPct val="0"/>
+              </a:spcAft>
+              <a:defRPr b="1">
+                <a:solidFill>
+                  <a:schemeClr val="tx1"/>
+                </a:solidFill>
+                <a:latin typeface="Times New Roman" pitchFamily="18" charset="0"/>
+              </a:defRPr>
+            </a:lvl6pPr>
+            <a:lvl7pPr marL="2971800" indent="-228600" eaLnBrk="0" fontAlgn="base" hangingPunct="0">
+              <a:spcBef>
+                <a:spcPct val="0"/>
+              </a:spcBef>
+              <a:spcAft>
+                <a:spcPct val="0"/>
+              </a:spcAft>
+              <a:defRPr b="1">
+                <a:solidFill>
+                  <a:schemeClr val="tx1"/>
+                </a:solidFill>
+                <a:latin typeface="Times New Roman" pitchFamily="18" charset="0"/>
+              </a:defRPr>
+            </a:lvl7pPr>
+            <a:lvl8pPr marL="3429000" indent="-228600" eaLnBrk="0" fontAlgn="base" hangingPunct="0">
+              <a:spcBef>
+                <a:spcPct val="0"/>
+              </a:spcBef>
+              <a:spcAft>
+                <a:spcPct val="0"/>
+              </a:spcAft>
+              <a:defRPr b="1">
+                <a:solidFill>
+                  <a:schemeClr val="tx1"/>
+                </a:solidFill>
+                <a:latin typeface="Times New Roman" pitchFamily="18" charset="0"/>
+              </a:defRPr>
+            </a:lvl8pPr>
+            <a:lvl9pPr marL="3886200" indent="-228600" eaLnBrk="0" fontAlgn="base" hangingPunct="0">
+              <a:spcBef>
+                <a:spcPct val="0"/>
+              </a:spcBef>
+              <a:spcAft>
+                <a:spcPct val="0"/>
+              </a:spcAft>
+              <a:defRPr b="1">
+                <a:solidFill>
+                  <a:schemeClr val="tx1"/>
+                </a:solidFill>
+                <a:latin typeface="Times New Roman" pitchFamily="18" charset="0"/>
+              </a:defRPr>
+            </a:lvl9pPr>
+          </a:lstStyle>
+          <a:p>
+            <a:fld id="{E43FC211-ED9D-451C-B727-D1A91283B21F}" type="slidenum">
+              <a:rPr lang="en-US" b="0" smtClean="0">
+                <a:solidFill>
+                  <a:schemeClr val="tx2"/>
+                </a:solidFill>
+                <a:latin typeface="Candara" panose="020E0502030303020204" pitchFamily="34" charset="0"/>
+              </a:rPr>
               <a:pPr/>
               <a:t>17</a:t>
             </a:fld>
-            <a:endParaRPr lang="en-US" dirty="0"/>
-          </a:p>
-        </p:txBody>
-      </p:sp>
+            <a:endParaRPr lang="en-US" b="0">
+              <a:solidFill>
+                <a:schemeClr val="tx2"/>
+              </a:solidFill>
+              <a:latin typeface="Candara" panose="020E0502030303020204" pitchFamily="34" charset="0"/>
+            </a:endParaRPr>
+          </a:p>
+        </p:txBody>
+      </p:sp>
+      <p:sp>
+        <p:nvSpPr>
+          <p:cNvPr id="6" name="TextBox 5"/>
+          <p:cNvSpPr txBox="1">
+            <a:spLocks noChangeArrowheads="1"/>
+          </p:cNvSpPr>
+          <p:nvPr/>
+        </p:nvSpPr>
+        <p:spPr bwMode="auto">
+          <a:xfrm>
+            <a:off x="3352800" y="1295401"/>
+            <a:ext cx="2438400" cy="923925"/>
+          </a:xfrm>
+          <a:prstGeom prst="rect">
+            <a:avLst/>
+          </a:prstGeom>
+          <a:noFill/>
+          <a:ln>
+            <a:noFill/>
+          </a:ln>
+          <a:extLst>
+            <a:ext uri="{909E8E84-426E-40DD-AFC4-6F175D3DCCD1}">
+              <a14:hiddenFill xmlns:a14="http://schemas.microsoft.com/office/drawing/2010/main">
+                <a:solidFill>
+                  <a:srgbClr val="FFFFFF"/>
+                </a:solidFill>
+              </a14:hiddenFill>
+            </a:ext>
+            <a:ext uri="{91240B29-F687-4F45-9708-019B960494DF}">
+              <a14:hiddenLine xmlns:a14="http://schemas.microsoft.com/office/drawing/2010/main" w="9525">
+                <a:solidFill>
+                  <a:srgbClr val="000000"/>
+                </a:solidFill>
+                <a:miter lim="800000"/>
+                <a:headEnd/>
+                <a:tailEnd/>
+              </a14:hiddenLine>
+            </a:ext>
+          </a:extLst>
+        </p:spPr>
+        <p:txBody>
+          <a:bodyPr>
+            <a:spAutoFit/>
+          </a:bodyPr>
+          <a:lstStyle>
+            <a:lvl1pPr>
+              <a:tabLst>
+                <a:tab pos="804863" algn="l"/>
+                <a:tab pos="2803525" algn="l"/>
+              </a:tabLst>
+              <a:defRPr b="1">
+                <a:solidFill>
+                  <a:schemeClr val="tx1"/>
+                </a:solidFill>
+                <a:latin typeface="Times New Roman" pitchFamily="18" charset="0"/>
+              </a:defRPr>
+            </a:lvl1pPr>
+            <a:lvl2pPr marL="742950" indent="-285750">
+              <a:tabLst>
+                <a:tab pos="804863" algn="l"/>
+                <a:tab pos="2803525" algn="l"/>
+              </a:tabLst>
+              <a:defRPr b="1">
+                <a:solidFill>
+                  <a:schemeClr val="tx1"/>
+                </a:solidFill>
+                <a:latin typeface="Times New Roman" pitchFamily="18" charset="0"/>
+              </a:defRPr>
+            </a:lvl2pPr>
+            <a:lvl3pPr marL="1143000" indent="-228600">
+              <a:tabLst>
+                <a:tab pos="804863" algn="l"/>
+                <a:tab pos="2803525" algn="l"/>
+              </a:tabLst>
+              <a:defRPr b="1">
+                <a:solidFill>
+                  <a:schemeClr val="tx1"/>
+                </a:solidFill>
+                <a:latin typeface="Times New Roman" pitchFamily="18" charset="0"/>
+              </a:defRPr>
+            </a:lvl3pPr>
+            <a:lvl4pPr marL="1600200" indent="-228600">
+              <a:tabLst>
+                <a:tab pos="804863" algn="l"/>
+                <a:tab pos="2803525" algn="l"/>
+              </a:tabLst>
+              <a:defRPr b="1">
+                <a:solidFill>
+                  <a:schemeClr val="tx1"/>
+                </a:solidFill>
+                <a:latin typeface="Times New Roman" pitchFamily="18" charset="0"/>
+              </a:defRPr>
+            </a:lvl4pPr>
+            <a:lvl5pPr marL="2057400" indent="-228600">
+              <a:tabLst>
+                <a:tab pos="804863" algn="l"/>
+                <a:tab pos="2803525" algn="l"/>
+              </a:tabLst>
+              <a:defRPr b="1">
+                <a:solidFill>
+                  <a:schemeClr val="tx1"/>
+                </a:solidFill>
+                <a:latin typeface="Times New Roman" pitchFamily="18" charset="0"/>
+              </a:defRPr>
+            </a:lvl5pPr>
+            <a:lvl6pPr marL="2514600" indent="-228600" eaLnBrk="0" fontAlgn="base" hangingPunct="0">
+              <a:spcBef>
+                <a:spcPct val="0"/>
+              </a:spcBef>
+              <a:spcAft>
+                <a:spcPct val="0"/>
+              </a:spcAft>
+              <a:tabLst>
+                <a:tab pos="804863" algn="l"/>
+                <a:tab pos="2803525" algn="l"/>
+              </a:tabLst>
+              <a:defRPr b="1">
+                <a:solidFill>
+                  <a:schemeClr val="tx1"/>
+                </a:solidFill>
+                <a:latin typeface="Times New Roman" pitchFamily="18" charset="0"/>
+              </a:defRPr>
+            </a:lvl6pPr>
+            <a:lvl7pPr marL="2971800" indent="-228600" eaLnBrk="0" fontAlgn="base" hangingPunct="0">
+              <a:spcBef>
+                <a:spcPct val="0"/>
+              </a:spcBef>
+              <a:spcAft>
+                <a:spcPct val="0"/>
+              </a:spcAft>
+              <a:tabLst>
+                <a:tab pos="804863" algn="l"/>
+                <a:tab pos="2803525" algn="l"/>
+              </a:tabLst>
+              <a:defRPr b="1">
+                <a:solidFill>
+                  <a:schemeClr val="tx1"/>
+                </a:solidFill>
+                <a:latin typeface="Times New Roman" pitchFamily="18" charset="0"/>
+              </a:defRPr>
+            </a:lvl7pPr>
+            <a:lvl8pPr marL="3429000" indent="-228600" eaLnBrk="0" fontAlgn="base" hangingPunct="0">
+              <a:spcBef>
+                <a:spcPct val="0"/>
+              </a:spcBef>
+              <a:spcAft>
+                <a:spcPct val="0"/>
+              </a:spcAft>
+              <a:tabLst>
+                <a:tab pos="804863" algn="l"/>
+                <a:tab pos="2803525" algn="l"/>
+              </a:tabLst>
+              <a:defRPr b="1">
+                <a:solidFill>
+                  <a:schemeClr val="tx1"/>
+                </a:solidFill>
+                <a:latin typeface="Times New Roman" pitchFamily="18" charset="0"/>
+              </a:defRPr>
+            </a:lvl8pPr>
+            <a:lvl9pPr marL="3886200" indent="-228600" eaLnBrk="0" fontAlgn="base" hangingPunct="0">
+              <a:spcBef>
+                <a:spcPct val="0"/>
+              </a:spcBef>
+              <a:spcAft>
+                <a:spcPct val="0"/>
+              </a:spcAft>
+              <a:tabLst>
+                <a:tab pos="804863" algn="l"/>
+                <a:tab pos="2803525" algn="l"/>
+              </a:tabLst>
+              <a:defRPr b="1">
+                <a:solidFill>
+                  <a:schemeClr val="tx1"/>
+                </a:solidFill>
+                <a:latin typeface="Times New Roman" pitchFamily="18" charset="0"/>
+              </a:defRPr>
+            </a:lvl9pPr>
+          </a:lstStyle>
+          <a:p>
+            <a:r>
+              <a:rPr lang="en-US" b="0">
+                <a:latin typeface="Candara" panose="020E0502030303020204" pitchFamily="34" charset="0"/>
+                <a:sym typeface="Wingdings" pitchFamily="2" charset="2"/>
+              </a:rPr>
+              <a:t>Hardware Patterns</a:t>
+            </a:r>
+            <a:endParaRPr lang="en-US" b="0">
+              <a:latin typeface="Candara" panose="020E0502030303020204" pitchFamily="34" charset="0"/>
+            </a:endParaRPr>
+          </a:p>
+          <a:p>
+            <a:endParaRPr lang="en-US" b="0">
+              <a:latin typeface="Candara" panose="020E0502030303020204" pitchFamily="34" charset="0"/>
+              <a:sym typeface="Wingdings" pitchFamily="2" charset="2"/>
+            </a:endParaRPr>
+          </a:p>
+          <a:p>
+            <a:r>
+              <a:rPr lang="en-US" b="0">
+                <a:latin typeface="Candara" panose="020E0502030303020204" pitchFamily="34" charset="0"/>
+                <a:sym typeface="Wingdings" pitchFamily="2" charset="2"/>
+              </a:rPr>
+              <a:t>Software Patters</a:t>
+            </a:r>
+            <a:endParaRPr lang="en-US" b="0">
+              <a:latin typeface="Candara" panose="020E0502030303020204" pitchFamily="34" charset="0"/>
+            </a:endParaRPr>
+          </a:p>
+        </p:txBody>
+      </p:sp>
+      <p:sp>
+        <p:nvSpPr>
+          <p:cNvPr id="27655" name="Rectangle 6"/>
+          <p:cNvSpPr>
+            <a:spLocks noChangeArrowheads="1"/>
+          </p:cNvSpPr>
+          <p:nvPr/>
+        </p:nvSpPr>
+        <p:spPr bwMode="auto">
+          <a:xfrm>
+            <a:off x="1981200" y="1563688"/>
+            <a:ext cx="1219200" cy="923330"/>
+          </a:xfrm>
+          <a:prstGeom prst="rect">
+            <a:avLst/>
+          </a:prstGeom>
+          <a:noFill/>
+          <a:ln>
+            <a:noFill/>
+          </a:ln>
+          <a:extLst>
+            <a:ext uri="{909E8E84-426E-40DD-AFC4-6F175D3DCCD1}">
+              <a14:hiddenFill xmlns:a14="http://schemas.microsoft.com/office/drawing/2010/main">
+                <a:solidFill>
+                  <a:srgbClr val="FFFFFF"/>
+                </a:solidFill>
+              </a14:hiddenFill>
+            </a:ext>
+            <a:ext uri="{91240B29-F687-4F45-9708-019B960494DF}">
+              <a14:hiddenLine xmlns:a14="http://schemas.microsoft.com/office/drawing/2010/main" w="9525">
+                <a:solidFill>
+                  <a:srgbClr val="000000"/>
+                </a:solidFill>
+                <a:miter lim="800000"/>
+                <a:headEnd/>
+                <a:tailEnd/>
+              </a14:hiddenLine>
+            </a:ext>
+          </a:extLst>
+        </p:spPr>
+        <p:txBody>
+          <a:bodyPr>
+            <a:spAutoFit/>
+          </a:bodyPr>
+          <a:lstStyle/>
+          <a:p>
+            <a:r>
+              <a:rPr lang="en-US">
+                <a:latin typeface="Candara" panose="020E0502030303020204" pitchFamily="34" charset="0"/>
+              </a:rPr>
+              <a:t>Patterns </a:t>
+            </a:r>
+            <a:r>
+              <a:rPr lang="en-US">
+                <a:latin typeface="Candara" panose="020E0502030303020204" pitchFamily="34" charset="0"/>
+                <a:sym typeface="Wingdings" pitchFamily="2" charset="2"/>
+              </a:rPr>
+              <a:t> </a:t>
+            </a:r>
+            <a:r>
+              <a:rPr lang="en-US">
+                <a:latin typeface="Candara" panose="020E0502030303020204" pitchFamily="34" charset="0"/>
+              </a:rPr>
+              <a:t>		</a:t>
+            </a:r>
+          </a:p>
+        </p:txBody>
+      </p:sp>
+      <p:sp>
+        <p:nvSpPr>
+          <p:cNvPr id="8" name="Rectangle 7"/>
+          <p:cNvSpPr>
+            <a:spLocks noChangeArrowheads="1"/>
+          </p:cNvSpPr>
+          <p:nvPr/>
+        </p:nvSpPr>
+        <p:spPr bwMode="auto">
+          <a:xfrm>
+            <a:off x="5486400" y="1600201"/>
+            <a:ext cx="5304916" cy="923330"/>
+          </a:xfrm>
+          <a:prstGeom prst="rect">
+            <a:avLst/>
+          </a:prstGeom>
+          <a:noFill/>
+          <a:ln>
+            <a:noFill/>
+          </a:ln>
+          <a:extLst>
+            <a:ext uri="{909E8E84-426E-40DD-AFC4-6F175D3DCCD1}">
+              <a14:hiddenFill xmlns:a14="http://schemas.microsoft.com/office/drawing/2010/main">
+                <a:solidFill>
+                  <a:srgbClr val="FFFFFF"/>
+                </a:solidFill>
+              </a14:hiddenFill>
+            </a:ext>
+            <a:ext uri="{91240B29-F687-4F45-9708-019B960494DF}">
+              <a14:hiddenLine xmlns:a14="http://schemas.microsoft.com/office/drawing/2010/main" w="9525">
+                <a:solidFill>
+                  <a:srgbClr val="000000"/>
+                </a:solidFill>
+                <a:miter lim="800000"/>
+                <a:headEnd/>
+                <a:tailEnd/>
+              </a14:hiddenLine>
+            </a:ext>
+          </a:extLst>
+        </p:spPr>
+        <p:txBody>
+          <a:bodyPr wrap="square">
+            <a:spAutoFit/>
+          </a:bodyPr>
+          <a:lstStyle/>
+          <a:p>
+            <a:pPr>
+              <a:tabLst>
+                <a:tab pos="804863" algn="l"/>
+                <a:tab pos="2803525" algn="l"/>
+              </a:tabLst>
+            </a:pPr>
+            <a:r>
+              <a:rPr lang="en-US" dirty="0">
+                <a:latin typeface="Candara" panose="020E0502030303020204" pitchFamily="34" charset="0"/>
+                <a:sym typeface="Wingdings" pitchFamily="2" charset="2"/>
+              </a:rPr>
+              <a:t>Architectural Patterns</a:t>
+            </a:r>
+          </a:p>
+          <a:p>
+            <a:pPr>
+              <a:tabLst>
+                <a:tab pos="804863" algn="l"/>
+                <a:tab pos="2803525" algn="l"/>
+              </a:tabLst>
+            </a:pPr>
+            <a:r>
+              <a:rPr lang="en-US" dirty="0">
+                <a:latin typeface="Candara" panose="020E0502030303020204" pitchFamily="34" charset="0"/>
+                <a:sym typeface="Wingdings" pitchFamily="2" charset="2"/>
+              </a:rPr>
+              <a:t>Computing Patterns (Computing paradigms)</a:t>
+            </a:r>
+          </a:p>
+          <a:p>
+            <a:pPr>
+              <a:tabLst>
+                <a:tab pos="804863" algn="l"/>
+                <a:tab pos="2803525" algn="l"/>
+              </a:tabLst>
+            </a:pPr>
+            <a:r>
+              <a:rPr lang="en-US" dirty="0">
+                <a:solidFill>
+                  <a:schemeClr val="tx2"/>
+                </a:solidFill>
+                <a:latin typeface="Candara" panose="020E0502030303020204" pitchFamily="34" charset="0"/>
+                <a:sym typeface="Wingdings" pitchFamily="2" charset="2"/>
+              </a:rPr>
+              <a:t>Design Patterns  </a:t>
+            </a:r>
+            <a:endParaRPr lang="en-US" dirty="0">
+              <a:solidFill>
+                <a:schemeClr val="tx2"/>
+              </a:solidFill>
+              <a:latin typeface="Candara" panose="020E0502030303020204" pitchFamily="34" charset="0"/>
+            </a:endParaRPr>
+          </a:p>
+        </p:txBody>
+      </p:sp>
+      <p:grpSp>
+        <p:nvGrpSpPr>
+          <p:cNvPr id="2" name="Group 16"/>
+          <p:cNvGrpSpPr>
+            <a:grpSpLocks/>
+          </p:cNvGrpSpPr>
+          <p:nvPr/>
+        </p:nvGrpSpPr>
+        <p:grpSpPr bwMode="auto">
+          <a:xfrm>
+            <a:off x="2895600" y="1493838"/>
+            <a:ext cx="457200" cy="487362"/>
+            <a:chOff x="1371600" y="1494183"/>
+            <a:chExt cx="457200" cy="487017"/>
+          </a:xfrm>
+        </p:grpSpPr>
+        <p:sp>
+          <p:nvSpPr>
+            <p:cNvPr id="27661" name="Freeform 10"/>
+            <p:cNvSpPr>
+              <a:spLocks noChangeArrowheads="1"/>
+            </p:cNvSpPr>
+            <p:nvPr/>
+          </p:nvSpPr>
+          <p:spPr bwMode="auto">
+            <a:xfrm>
+              <a:off x="1600200" y="1494183"/>
+              <a:ext cx="228600" cy="487017"/>
+            </a:xfrm>
+            <a:custGeom>
+              <a:avLst/>
+              <a:gdLst>
+                <a:gd name="T0" fmla="*/ 621821 w 208722"/>
+                <a:gd name="T1" fmla="*/ 0 h 805069"/>
+                <a:gd name="T2" fmla="*/ 0 w 208722"/>
+                <a:gd name="T3" fmla="*/ 0 h 805069"/>
+                <a:gd name="T4" fmla="*/ 0 w 208722"/>
+                <a:gd name="T5" fmla="*/ 1933 h 805069"/>
+                <a:gd name="T6" fmla="*/ 621821 w 208722"/>
+                <a:gd name="T7" fmla="*/ 1933 h 805069"/>
+                <a:gd name="T8" fmla="*/ 0 60000 65536"/>
+                <a:gd name="T9" fmla="*/ 0 60000 65536"/>
+                <a:gd name="T10" fmla="*/ 0 60000 65536"/>
+                <a:gd name="T11" fmla="*/ 0 60000 65536"/>
+                <a:gd name="T12" fmla="*/ 0 w 208722"/>
+                <a:gd name="T13" fmla="*/ 0 h 805069"/>
+                <a:gd name="T14" fmla="*/ 208722 w 208722"/>
+                <a:gd name="T15" fmla="*/ 805069 h 805069"/>
+              </a:gdLst>
+              <a:ahLst/>
+              <a:cxnLst>
+                <a:cxn ang="T8">
+                  <a:pos x="T0" y="T1"/>
+                </a:cxn>
+                <a:cxn ang="T9">
+                  <a:pos x="T2" y="T3"/>
+                </a:cxn>
+                <a:cxn ang="T10">
+                  <a:pos x="T4" y="T5"/>
+                </a:cxn>
+                <a:cxn ang="T11">
+                  <a:pos x="T6" y="T7"/>
+                </a:cxn>
+              </a:cxnLst>
+              <a:rect l="T12" t="T13" r="T14" b="T15"/>
+              <a:pathLst>
+                <a:path w="208722" h="805069">
+                  <a:moveTo>
+                    <a:pt x="208722" y="0"/>
+                  </a:moveTo>
+                  <a:lnTo>
+                    <a:pt x="0" y="0"/>
+                  </a:lnTo>
+                  <a:lnTo>
+                    <a:pt x="0" y="805069"/>
+                  </a:lnTo>
+                  <a:lnTo>
+                    <a:pt x="208722" y="805069"/>
+                  </a:lnTo>
+                </a:path>
+              </a:pathLst>
+            </a:custGeom>
+            <a:noFill/>
+            <a:ln w="9525" algn="ctr">
+              <a:solidFill>
+                <a:schemeClr val="tx1"/>
+              </a:solidFill>
+              <a:round/>
+              <a:headEnd type="arrow" w="med" len="med"/>
+              <a:tailEnd type="arrow" w="med" len="med"/>
+            </a:ln>
+            <a:extLst>
+              <a:ext uri="{909E8E84-426E-40DD-AFC4-6F175D3DCCD1}">
+                <a14:hiddenFill xmlns:a14="http://schemas.microsoft.com/office/drawing/2010/main">
+                  <a:solidFill>
+                    <a:srgbClr val="FFFFFF"/>
+                  </a:solidFill>
+                </a14:hiddenFill>
+              </a:ext>
+            </a:extLst>
+          </p:spPr>
+          <p:txBody>
+            <a:bodyPr/>
+            <a:lstStyle/>
+            <a:p>
+              <a:endParaRPr lang="en-US">
+                <a:latin typeface="Candara" panose="020E0502030303020204" pitchFamily="34" charset="0"/>
+              </a:endParaRPr>
+            </a:p>
+          </p:txBody>
+        </p:sp>
+        <p:cxnSp>
+          <p:nvCxnSpPr>
+            <p:cNvPr id="27662" name="Straight Connector 12"/>
+            <p:cNvCxnSpPr>
+              <a:cxnSpLocks noChangeShapeType="1"/>
+            </p:cNvCxnSpPr>
+            <p:nvPr/>
+          </p:nvCxnSpPr>
+          <p:spPr bwMode="auto">
+            <a:xfrm rot="10800000">
+              <a:off x="1371600" y="1752600"/>
+              <a:ext cx="228600" cy="1588"/>
+            </a:xfrm>
+            <a:prstGeom prst="line">
+              <a:avLst/>
+            </a:prstGeom>
+            <a:noFill/>
+            <a:ln w="9525" algn="ctr">
+              <a:solidFill>
+                <a:schemeClr val="tx1"/>
+              </a:solidFill>
+              <a:round/>
+              <a:headEnd/>
+              <a:tailEnd/>
+            </a:ln>
+            <a:extLst>
+              <a:ext uri="{909E8E84-426E-40DD-AFC4-6F175D3DCCD1}">
+                <a14:hiddenFill xmlns:a14="http://schemas.microsoft.com/office/drawing/2010/main">
+                  <a:noFill/>
+                </a14:hiddenFill>
+              </a:ext>
+            </a:extLst>
+          </p:spPr>
+        </p:cxnSp>
+      </p:grpSp>
+      <p:grpSp>
+        <p:nvGrpSpPr>
+          <p:cNvPr id="3" name="Group 17"/>
+          <p:cNvGrpSpPr>
+            <a:grpSpLocks/>
+          </p:cNvGrpSpPr>
+          <p:nvPr/>
+        </p:nvGrpSpPr>
+        <p:grpSpPr bwMode="auto">
+          <a:xfrm>
+            <a:off x="5029200" y="1752600"/>
+            <a:ext cx="457200" cy="609600"/>
+            <a:chOff x="3505210" y="1752600"/>
+            <a:chExt cx="457191" cy="609600"/>
+          </a:xfrm>
+        </p:grpSpPr>
+        <p:sp>
+          <p:nvSpPr>
+            <p:cNvPr id="27659" name="Freeform 13"/>
+            <p:cNvSpPr>
+              <a:spLocks noChangeArrowheads="1"/>
+            </p:cNvSpPr>
+            <p:nvPr/>
+          </p:nvSpPr>
+          <p:spPr bwMode="auto">
+            <a:xfrm>
+              <a:off x="3733800" y="1752600"/>
+              <a:ext cx="228599" cy="609600"/>
+            </a:xfrm>
+            <a:custGeom>
+              <a:avLst/>
+              <a:gdLst>
+                <a:gd name="T0" fmla="*/ 621787 w 208722"/>
+                <a:gd name="T1" fmla="*/ 0 h 805069"/>
+                <a:gd name="T2" fmla="*/ 0 w 208722"/>
+                <a:gd name="T3" fmla="*/ 0 h 805069"/>
+                <a:gd name="T4" fmla="*/ 0 w 208722"/>
+                <a:gd name="T5" fmla="*/ 28601 h 805069"/>
+                <a:gd name="T6" fmla="*/ 621787 w 208722"/>
+                <a:gd name="T7" fmla="*/ 28601 h 805069"/>
+                <a:gd name="T8" fmla="*/ 0 60000 65536"/>
+                <a:gd name="T9" fmla="*/ 0 60000 65536"/>
+                <a:gd name="T10" fmla="*/ 0 60000 65536"/>
+                <a:gd name="T11" fmla="*/ 0 60000 65536"/>
+                <a:gd name="T12" fmla="*/ 0 w 208722"/>
+                <a:gd name="T13" fmla="*/ 0 h 805069"/>
+                <a:gd name="T14" fmla="*/ 208722 w 208722"/>
+                <a:gd name="T15" fmla="*/ 805069 h 805069"/>
+              </a:gdLst>
+              <a:ahLst/>
+              <a:cxnLst>
+                <a:cxn ang="T8">
+                  <a:pos x="T0" y="T1"/>
+                </a:cxn>
+                <a:cxn ang="T9">
+                  <a:pos x="T2" y="T3"/>
+                </a:cxn>
+                <a:cxn ang="T10">
+                  <a:pos x="T4" y="T5"/>
+                </a:cxn>
+                <a:cxn ang="T11">
+                  <a:pos x="T6" y="T7"/>
+                </a:cxn>
+              </a:cxnLst>
+              <a:rect l="T12" t="T13" r="T14" b="T15"/>
+              <a:pathLst>
+                <a:path w="208722" h="805069">
+                  <a:moveTo>
+                    <a:pt x="208722" y="0"/>
+                  </a:moveTo>
+                  <a:lnTo>
+                    <a:pt x="0" y="0"/>
+                  </a:lnTo>
+                  <a:lnTo>
+                    <a:pt x="0" y="805069"/>
+                  </a:lnTo>
+                  <a:lnTo>
+                    <a:pt x="208722" y="805069"/>
+                  </a:lnTo>
+                </a:path>
+              </a:pathLst>
+            </a:custGeom>
+            <a:noFill/>
+            <a:ln w="9525" algn="ctr">
+              <a:solidFill>
+                <a:schemeClr val="tx1"/>
+              </a:solidFill>
+              <a:round/>
+              <a:headEnd type="arrow" w="med" len="med"/>
+              <a:tailEnd type="arrow" w="med" len="med"/>
+            </a:ln>
+            <a:extLst>
+              <a:ext uri="{909E8E84-426E-40DD-AFC4-6F175D3DCCD1}">
+                <a14:hiddenFill xmlns:a14="http://schemas.microsoft.com/office/drawing/2010/main">
+                  <a:solidFill>
+                    <a:srgbClr val="FFFFFF"/>
+                  </a:solidFill>
+                </a14:hiddenFill>
+              </a:ext>
+            </a:extLst>
+          </p:spPr>
+          <p:txBody>
+            <a:bodyPr/>
+            <a:lstStyle/>
+            <a:p>
+              <a:endParaRPr lang="en-US">
+                <a:latin typeface="Candara" panose="020E0502030303020204" pitchFamily="34" charset="0"/>
+              </a:endParaRPr>
+            </a:p>
+          </p:txBody>
+        </p:sp>
+        <p:cxnSp>
+          <p:nvCxnSpPr>
+            <p:cNvPr id="27660" name="Straight Connector 14"/>
+            <p:cNvCxnSpPr>
+              <a:cxnSpLocks noChangeShapeType="1"/>
+              <a:stCxn id="8" idx="1"/>
+            </p:cNvCxnSpPr>
+            <p:nvPr/>
+          </p:nvCxnSpPr>
+          <p:spPr bwMode="auto">
+            <a:xfrm flipH="1" flipV="1">
+              <a:off x="3505210" y="2057408"/>
+              <a:ext cx="457191" cy="4458"/>
+            </a:xfrm>
+            <a:prstGeom prst="line">
+              <a:avLst/>
+            </a:prstGeom>
+            <a:noFill/>
+            <a:ln w="9525" algn="ctr">
+              <a:solidFill>
+                <a:schemeClr val="tx1"/>
+              </a:solidFill>
+              <a:round/>
+              <a:headEnd type="arrow" w="med" len="med"/>
+              <a:tailEnd/>
+            </a:ln>
+            <a:extLst>
+              <a:ext uri="{909E8E84-426E-40DD-AFC4-6F175D3DCCD1}">
+                <a14:hiddenFill xmlns:a14="http://schemas.microsoft.com/office/drawing/2010/main">
+                  <a:noFill/>
+                </a14:hiddenFill>
+              </a:ext>
+            </a:extLst>
+          </p:spPr>
+        </p:cxnSp>
+      </p:grpSp>
     </p:spTree>
     <p:extLst>
       <p:ext uri="{BB962C8B-B14F-4D97-AF65-F5344CB8AC3E}">
-        <p14:creationId xmlns:p14="http://schemas.microsoft.com/office/powerpoint/2010/main" val="986470906"/>
+        <p14:creationId xmlns:p14="http://schemas.microsoft.com/office/powerpoint/2010/main" val="1213950650"/>
       </p:ext>
     </p:extLst>
   </p:cSld>
   <p:clrMapOvr>
     <a:masterClrMapping/>
   </p:clrMapOvr>
+  <p:timing>
+    <p:tnLst>
+      <p:par>
+        <p:cTn id="1" dur="indefinite" restart="never" nodeType="tmRoot">
+          <p:childTnLst>
+            <p:seq concurrent="1" nextAc="seek">
+              <p:cTn id="2" dur="indefinite" nodeType="mainSeq">
+                <p:childTnLst>
+                  <p:par>
+                    <p:cTn id="3" fill="hold" nodeType="clickPar">
+                      <p:stCondLst>
+                        <p:cond delay="indefinite"/>
+                        <p:cond evt="onBegin" delay="0">
+                          <p:tn val="2"/>
+                        </p:cond>
+                      </p:stCondLst>
+                      <p:childTnLst>
+                        <p:par>
+                          <p:cTn id="4" fill="hold" nodeType="withGroup">
+                            <p:stCondLst>
+                              <p:cond delay="0"/>
+                            </p:stCondLst>
+                            <p:childTnLst>
+                              <p:par>
+                                <p:cTn id="5" presetID="22" presetClass="entr" presetSubtype="8" fill="hold" nodeType="withEffect">
+                                  <p:stCondLst>
+                                    <p:cond delay="0"/>
+                                  </p:stCondLst>
+                                  <p:childTnLst>
+                                    <p:set>
+                                      <p:cBhvr>
+                                        <p:cTn id="6" dur="1" fill="hold">
+                                          <p:stCondLst>
+                                            <p:cond delay="0"/>
+                                          </p:stCondLst>
+                                        </p:cTn>
+                                        <p:tgtEl>
+                                          <p:spTgt spid="2"/>
+                                        </p:tgtEl>
+                                        <p:attrNameLst>
+                                          <p:attrName>style.visibility</p:attrName>
+                                        </p:attrNameLst>
+                                      </p:cBhvr>
+                                      <p:to>
+                                        <p:strVal val="visible"/>
+                                      </p:to>
+                                    </p:set>
+                                    <p:animEffect transition="in" filter="wipe(left)">
+                                      <p:cBhvr>
+                                        <p:cTn id="7" dur="500"/>
+                                        <p:tgtEl>
+                                          <p:spTgt spid="2"/>
+                                        </p:tgtEl>
+                                      </p:cBhvr>
+                                    </p:animEffect>
+                                  </p:childTnLst>
+                                </p:cTn>
+                              </p:par>
+                            </p:childTnLst>
+                          </p:cTn>
+                        </p:par>
+                        <p:par>
+                          <p:cTn id="8" fill="hold" nodeType="afterGroup">
+                            <p:stCondLst>
+                              <p:cond delay="500"/>
+                            </p:stCondLst>
+                            <p:childTnLst>
+                              <p:par>
+                                <p:cTn id="9" presetID="22" presetClass="entr" presetSubtype="8" fill="hold" grpId="0" nodeType="afterEffect">
+                                  <p:stCondLst>
+                                    <p:cond delay="0"/>
+                                  </p:stCondLst>
+                                  <p:childTnLst>
+                                    <p:set>
+                                      <p:cBhvr>
+                                        <p:cTn id="10" dur="1" fill="hold">
+                                          <p:stCondLst>
+                                            <p:cond delay="0"/>
+                                          </p:stCondLst>
+                                        </p:cTn>
+                                        <p:tgtEl>
+                                          <p:spTgt spid="6"/>
+                                        </p:tgtEl>
+                                        <p:attrNameLst>
+                                          <p:attrName>style.visibility</p:attrName>
+                                        </p:attrNameLst>
+                                      </p:cBhvr>
+                                      <p:to>
+                                        <p:strVal val="visible"/>
+                                      </p:to>
+                                    </p:set>
+                                    <p:animEffect transition="in" filter="wipe(left)">
+                                      <p:cBhvr>
+                                        <p:cTn id="11" dur="500"/>
+                                        <p:tgtEl>
+                                          <p:spTgt spid="6"/>
+                                        </p:tgtEl>
+                                      </p:cBhvr>
+                                    </p:animEffect>
+                                  </p:childTnLst>
+                                </p:cTn>
+                              </p:par>
+                            </p:childTnLst>
+                          </p:cTn>
+                        </p:par>
+                        <p:par>
+                          <p:cTn id="12" fill="hold" nodeType="afterGroup">
+                            <p:stCondLst>
+                              <p:cond delay="1000"/>
+                            </p:stCondLst>
+                            <p:childTnLst>
+                              <p:par>
+                                <p:cTn id="13" presetID="22" presetClass="entr" presetSubtype="8" fill="hold" nodeType="afterEffect">
+                                  <p:stCondLst>
+                                    <p:cond delay="0"/>
+                                  </p:stCondLst>
+                                  <p:childTnLst>
+                                    <p:set>
+                                      <p:cBhvr>
+                                        <p:cTn id="14" dur="1" fill="hold">
+                                          <p:stCondLst>
+                                            <p:cond delay="0"/>
+                                          </p:stCondLst>
+                                        </p:cTn>
+                                        <p:tgtEl>
+                                          <p:spTgt spid="3"/>
+                                        </p:tgtEl>
+                                        <p:attrNameLst>
+                                          <p:attrName>style.visibility</p:attrName>
+                                        </p:attrNameLst>
+                                      </p:cBhvr>
+                                      <p:to>
+                                        <p:strVal val="visible"/>
+                                      </p:to>
+                                    </p:set>
+                                    <p:animEffect transition="in" filter="wipe(left)">
+                                      <p:cBhvr>
+                                        <p:cTn id="15" dur="500"/>
+                                        <p:tgtEl>
+                                          <p:spTgt spid="3"/>
+                                        </p:tgtEl>
+                                      </p:cBhvr>
+                                    </p:animEffect>
+                                  </p:childTnLst>
+                                </p:cTn>
+                              </p:par>
+                            </p:childTnLst>
+                          </p:cTn>
+                        </p:par>
+                        <p:par>
+                          <p:cTn id="16" fill="hold" nodeType="afterGroup">
+                            <p:stCondLst>
+                              <p:cond delay="1500"/>
+                            </p:stCondLst>
+                            <p:childTnLst>
+                              <p:par>
+                                <p:cTn id="17" presetID="22" presetClass="entr" presetSubtype="8" fill="hold" grpId="0" nodeType="afterEffect">
+                                  <p:stCondLst>
+                                    <p:cond delay="0"/>
+                                  </p:stCondLst>
+                                  <p:childTnLst>
+                                    <p:set>
+                                      <p:cBhvr>
+                                        <p:cTn id="18" dur="1" fill="hold">
+                                          <p:stCondLst>
+                                            <p:cond delay="0"/>
+                                          </p:stCondLst>
+                                        </p:cTn>
+                                        <p:tgtEl>
+                                          <p:spTgt spid="8"/>
+                                        </p:tgtEl>
+                                        <p:attrNameLst>
+                                          <p:attrName>style.visibility</p:attrName>
+                                        </p:attrNameLst>
+                                      </p:cBhvr>
+                                      <p:to>
+                                        <p:strVal val="visible"/>
+                                      </p:to>
+                                    </p:set>
+                                    <p:animEffect transition="in" filter="wipe(left)">
+                                      <p:cBhvr>
+                                        <p:cTn id="19" dur="500"/>
+                                        <p:tgtEl>
+                                          <p:spTgt spid="8"/>
+                                        </p:tgtEl>
+                                      </p:cBhvr>
+                                    </p:animEffect>
+                                  </p:childTnLst>
+                                </p:cTn>
+                              </p:par>
+                            </p:childTnLst>
+                          </p:cTn>
+                        </p:par>
+                        <p:par>
+                          <p:cTn id="20" fill="hold">
+                            <p:stCondLst>
+                              <p:cond delay="2000"/>
+                            </p:stCondLst>
+                            <p:childTnLst>
+                              <p:par>
+                                <p:cTn id="21" presetID="22" presetClass="entr" presetSubtype="8" fill="hold" nodeType="afterEffect">
+                                  <p:stCondLst>
+                                    <p:cond delay="0"/>
+                                  </p:stCondLst>
+                                  <p:childTnLst>
+                                    <p:set>
+                                      <p:cBhvr>
+                                        <p:cTn id="22" dur="1" fill="hold">
+                                          <p:stCondLst>
+                                            <p:cond delay="0"/>
+                                          </p:stCondLst>
+                                        </p:cTn>
+                                        <p:tgtEl>
+                                          <p:spTgt spid="27651">
+                                            <p:txEl>
+                                              <p:pRg st="0" end="0"/>
+                                            </p:txEl>
+                                          </p:spTgt>
+                                        </p:tgtEl>
+                                        <p:attrNameLst>
+                                          <p:attrName>style.visibility</p:attrName>
+                                        </p:attrNameLst>
+                                      </p:cBhvr>
+                                      <p:to>
+                                        <p:strVal val="visible"/>
+                                      </p:to>
+                                    </p:set>
+                                    <p:animEffect transition="in" filter="wipe(left)">
+                                      <p:cBhvr>
+                                        <p:cTn id="23" dur="500"/>
+                                        <p:tgtEl>
+                                          <p:spTgt spid="27651">
+                                            <p:txEl>
+                                              <p:pRg st="0" end="0"/>
+                                            </p:txEl>
+                                          </p:spTgt>
+                                        </p:tgtEl>
+                                      </p:cBhvr>
+                                    </p:animEffect>
+                                  </p:childTnLst>
+                                </p:cTn>
+                              </p:par>
+                            </p:childTnLst>
+                          </p:cTn>
+                        </p:par>
+                      </p:childTnLst>
+                    </p:cTn>
+                  </p:par>
+                  <p:par>
+                    <p:cTn id="24" fill="hold">
+                      <p:stCondLst>
+                        <p:cond delay="indefinite"/>
+                      </p:stCondLst>
+                      <p:childTnLst>
+                        <p:par>
+                          <p:cTn id="25" fill="hold">
+                            <p:stCondLst>
+                              <p:cond delay="0"/>
+                            </p:stCondLst>
+                            <p:childTnLst>
+                              <p:par>
+                                <p:cTn id="26" presetID="22" presetClass="entr" presetSubtype="8" fill="hold" nodeType="clickEffect">
+                                  <p:stCondLst>
+                                    <p:cond delay="0"/>
+                                  </p:stCondLst>
+                                  <p:childTnLst>
+                                    <p:set>
+                                      <p:cBhvr>
+                                        <p:cTn id="27" dur="1" fill="hold">
+                                          <p:stCondLst>
+                                            <p:cond delay="0"/>
+                                          </p:stCondLst>
+                                        </p:cTn>
+                                        <p:tgtEl>
+                                          <p:spTgt spid="27651">
+                                            <p:txEl>
+                                              <p:pRg st="1" end="1"/>
+                                            </p:txEl>
+                                          </p:spTgt>
+                                        </p:tgtEl>
+                                        <p:attrNameLst>
+                                          <p:attrName>style.visibility</p:attrName>
+                                        </p:attrNameLst>
+                                      </p:cBhvr>
+                                      <p:to>
+                                        <p:strVal val="visible"/>
+                                      </p:to>
+                                    </p:set>
+                                    <p:animEffect transition="in" filter="wipe(left)">
+                                      <p:cBhvr>
+                                        <p:cTn id="28" dur="500"/>
+                                        <p:tgtEl>
+                                          <p:spTgt spid="27651">
+                                            <p:txEl>
+                                              <p:pRg st="1" end="1"/>
+                                            </p:txEl>
+                                          </p:spTgt>
+                                        </p:tgtEl>
+                                      </p:cBhvr>
+                                    </p:animEffect>
+                                  </p:childTnLst>
+                                </p:cTn>
+                              </p:par>
+                            </p:childTnLst>
+                          </p:cTn>
+                        </p:par>
+                        <p:par>
+                          <p:cTn id="29" fill="hold">
+                            <p:stCondLst>
+                              <p:cond delay="500"/>
+                            </p:stCondLst>
+                            <p:childTnLst>
+                              <p:par>
+                                <p:cTn id="30" presetID="22" presetClass="entr" presetSubtype="8" fill="hold" nodeType="afterEffect">
+                                  <p:stCondLst>
+                                    <p:cond delay="0"/>
+                                  </p:stCondLst>
+                                  <p:childTnLst>
+                                    <p:set>
+                                      <p:cBhvr>
+                                        <p:cTn id="31" dur="1" fill="hold">
+                                          <p:stCondLst>
+                                            <p:cond delay="0"/>
+                                          </p:stCondLst>
+                                        </p:cTn>
+                                        <p:tgtEl>
+                                          <p:spTgt spid="27651">
+                                            <p:txEl>
+                                              <p:pRg st="2" end="2"/>
+                                            </p:txEl>
+                                          </p:spTgt>
+                                        </p:tgtEl>
+                                        <p:attrNameLst>
+                                          <p:attrName>style.visibility</p:attrName>
+                                        </p:attrNameLst>
+                                      </p:cBhvr>
+                                      <p:to>
+                                        <p:strVal val="visible"/>
+                                      </p:to>
+                                    </p:set>
+                                    <p:animEffect transition="in" filter="wipe(left)">
+                                      <p:cBhvr>
+                                        <p:cTn id="32" dur="500"/>
+                                        <p:tgtEl>
+                                          <p:spTgt spid="27651">
+                                            <p:txEl>
+                                              <p:pRg st="2" end="2"/>
+                                            </p:txEl>
+                                          </p:spTgt>
+                                        </p:tgtEl>
+                                      </p:cBhvr>
+                                    </p:animEffect>
+                                  </p:childTnLst>
+                                </p:cTn>
+                              </p:par>
+                            </p:childTnLst>
+                          </p:cTn>
+                        </p:par>
+                        <p:par>
+                          <p:cTn id="33" fill="hold">
+                            <p:stCondLst>
+                              <p:cond delay="1000"/>
+                            </p:stCondLst>
+                            <p:childTnLst>
+                              <p:par>
+                                <p:cTn id="34" presetID="22" presetClass="entr" presetSubtype="8" fill="hold" nodeType="afterEffect">
+                                  <p:stCondLst>
+                                    <p:cond delay="0"/>
+                                  </p:stCondLst>
+                                  <p:childTnLst>
+                                    <p:set>
+                                      <p:cBhvr>
+                                        <p:cTn id="35" dur="1" fill="hold">
+                                          <p:stCondLst>
+                                            <p:cond delay="0"/>
+                                          </p:stCondLst>
+                                        </p:cTn>
+                                        <p:tgtEl>
+                                          <p:spTgt spid="27651">
+                                            <p:txEl>
+                                              <p:pRg st="3" end="3"/>
+                                            </p:txEl>
+                                          </p:spTgt>
+                                        </p:tgtEl>
+                                        <p:attrNameLst>
+                                          <p:attrName>style.visibility</p:attrName>
+                                        </p:attrNameLst>
+                                      </p:cBhvr>
+                                      <p:to>
+                                        <p:strVal val="visible"/>
+                                      </p:to>
+                                    </p:set>
+                                    <p:animEffect transition="in" filter="wipe(left)">
+                                      <p:cBhvr>
+                                        <p:cTn id="36" dur="500"/>
+                                        <p:tgtEl>
+                                          <p:spTgt spid="27651">
+                                            <p:txEl>
+                                              <p:pRg st="3" end="3"/>
+                                            </p:txEl>
+                                          </p:spTgt>
+                                        </p:tgtEl>
+                                      </p:cBhvr>
+                                    </p:animEffect>
+                                  </p:childTnLst>
+                                </p:cTn>
+                              </p:par>
+                            </p:childTnLst>
+                          </p:cTn>
+                        </p:par>
+                      </p:childTnLst>
+                    </p:cTn>
+                  </p:par>
+                  <p:par>
+                    <p:cTn id="37" fill="hold">
+                      <p:stCondLst>
+                        <p:cond delay="indefinite"/>
+                      </p:stCondLst>
+                      <p:childTnLst>
+                        <p:par>
+                          <p:cTn id="38" fill="hold">
+                            <p:stCondLst>
+                              <p:cond delay="0"/>
+                            </p:stCondLst>
+                            <p:childTnLst>
+                              <p:par>
+                                <p:cTn id="39" presetID="22" presetClass="entr" presetSubtype="8" fill="hold" nodeType="clickEffect">
+                                  <p:stCondLst>
+                                    <p:cond delay="0"/>
+                                  </p:stCondLst>
+                                  <p:childTnLst>
+                                    <p:set>
+                                      <p:cBhvr>
+                                        <p:cTn id="40" dur="1" fill="hold">
+                                          <p:stCondLst>
+                                            <p:cond delay="0"/>
+                                          </p:stCondLst>
+                                        </p:cTn>
+                                        <p:tgtEl>
+                                          <p:spTgt spid="27651">
+                                            <p:txEl>
+                                              <p:pRg st="4" end="4"/>
+                                            </p:txEl>
+                                          </p:spTgt>
+                                        </p:tgtEl>
+                                        <p:attrNameLst>
+                                          <p:attrName>style.visibility</p:attrName>
+                                        </p:attrNameLst>
+                                      </p:cBhvr>
+                                      <p:to>
+                                        <p:strVal val="visible"/>
+                                      </p:to>
+                                    </p:set>
+                                    <p:animEffect transition="in" filter="wipe(left)">
+                                      <p:cBhvr>
+                                        <p:cTn id="41" dur="500"/>
+                                        <p:tgtEl>
+                                          <p:spTgt spid="27651">
+                                            <p:txEl>
+                                              <p:pRg st="4" end="4"/>
+                                            </p:txEl>
+                                          </p:spTgt>
+                                        </p:tgtEl>
+                                      </p:cBhvr>
+                                    </p:animEffect>
+                                  </p:childTnLst>
+                                </p:cTn>
+                              </p:par>
+                            </p:childTnLst>
+                          </p:cTn>
+                        </p:par>
+                      </p:childTnLst>
+                    </p:cTn>
+                  </p:par>
+                  <p:par>
+                    <p:cTn id="42" fill="hold">
+                      <p:stCondLst>
+                        <p:cond delay="indefinite"/>
+                      </p:stCondLst>
+                      <p:childTnLst>
+                        <p:par>
+                          <p:cTn id="43" fill="hold">
+                            <p:stCondLst>
+                              <p:cond delay="0"/>
+                            </p:stCondLst>
+                            <p:childTnLst>
+                              <p:par>
+                                <p:cTn id="44" presetID="22" presetClass="entr" presetSubtype="8" fill="hold" nodeType="clickEffect">
+                                  <p:stCondLst>
+                                    <p:cond delay="0"/>
+                                  </p:stCondLst>
+                                  <p:childTnLst>
+                                    <p:set>
+                                      <p:cBhvr>
+                                        <p:cTn id="45" dur="1" fill="hold">
+                                          <p:stCondLst>
+                                            <p:cond delay="0"/>
+                                          </p:stCondLst>
+                                        </p:cTn>
+                                        <p:tgtEl>
+                                          <p:spTgt spid="27651">
+                                            <p:txEl>
+                                              <p:pRg st="5" end="5"/>
+                                            </p:txEl>
+                                          </p:spTgt>
+                                        </p:tgtEl>
+                                        <p:attrNameLst>
+                                          <p:attrName>style.visibility</p:attrName>
+                                        </p:attrNameLst>
+                                      </p:cBhvr>
+                                      <p:to>
+                                        <p:strVal val="visible"/>
+                                      </p:to>
+                                    </p:set>
+                                    <p:animEffect transition="in" filter="wipe(left)">
+                                      <p:cBhvr>
+                                        <p:cTn id="46" dur="500"/>
+                                        <p:tgtEl>
+                                          <p:spTgt spid="27651">
+                                            <p:txEl>
+                                              <p:pRg st="5" end="5"/>
+                                            </p:txEl>
+                                          </p:spTgt>
+                                        </p:tgtEl>
+                                      </p:cBhvr>
+                                    </p:animEffect>
+                                  </p:childTnLst>
+                                </p:cTn>
+                              </p:par>
+                            </p:childTnLst>
+                          </p:cTn>
+                        </p:par>
+                      </p:childTnLst>
+                    </p:cTn>
+                  </p:par>
+                </p:childTnLst>
+              </p:cTn>
+              <p:prevCondLst>
+                <p:cond evt="onPrev" delay="0">
+                  <p:tgtEl>
+                    <p:sldTgt/>
+                  </p:tgtEl>
+                </p:cond>
+              </p:prevCondLst>
+              <p:nextCondLst>
+                <p:cond evt="onNext" delay="0">
+                  <p:tgtEl>
+                    <p:sldTgt/>
+                  </p:tgtEl>
+                </p:cond>
+              </p:nextCondLst>
+            </p:seq>
+          </p:childTnLst>
+        </p:cTn>
+      </p:par>
+    </p:tnLst>
+    <p:bldLst>
+      <p:bldP spid="6" grpId="0"/>
+      <p:bldP spid="8" grpId="0"/>
+    </p:bldLst>
+  </p:timing>
 </p:sld>
 </file>
 
@@ -5542,7 +8336,7 @@
       </p:grpSpPr>
       <p:sp>
         <p:nvSpPr>
-          <p:cNvPr id="2" name="Title 1"/>
+          <p:cNvPr id="28674" name="Title 1"/>
           <p:cNvSpPr>
             <a:spLocks noGrp="1"/>
           </p:cNvSpPr>
@@ -5556,16 +8350,15 @@
           <a:lstStyle/>
           <a:p>
             <a:r>
-              <a:rPr lang="en-US" dirty="0" smtClean="0"/>
-              <a:t>Application layer horizontal integration</a:t>
-            </a:r>
-            <a:endParaRPr lang="en-US" dirty="0"/>
-          </a:p>
-        </p:txBody>
-      </p:sp>
-      <p:sp>
-        <p:nvSpPr>
-          <p:cNvPr id="3" name="Content Placeholder 2"/>
+              <a:rPr lang="en-US" dirty="0"/>
+              <a:t>Review: Classification of Design Patterns</a:t>
+            </a:r>
+          </a:p>
+        </p:txBody>
+      </p:sp>
+      <p:sp>
+        <p:nvSpPr>
+          <p:cNvPr id="28675" name="Content Placeholder 2"/>
           <p:cNvSpPr>
             <a:spLocks noGrp="1"/>
           </p:cNvSpPr>
@@ -5575,68 +8368,83 @@
         </p:nvSpPr>
         <p:spPr/>
         <p:txBody>
-          <a:bodyPr>
-            <a:normAutofit fontScale="85000" lnSpcReduction="20000"/>
-          </a:bodyPr>
-          <a:lstStyle/>
-          <a:p>
-            <a:r>
-              <a:rPr lang="en-US" dirty="0" smtClean="0"/>
-              <a:t>Eric Evans defines the application layer for DDD as ‘Defines the jobs the software is supposed to do and expressive domain objects to work out problems. </a:t>
-            </a:r>
-          </a:p>
-          <a:p>
-            <a:r>
-              <a:rPr lang="en-US" dirty="0" smtClean="0"/>
-              <a:t>The tasks this layer is responsible for are meaningful to the business or necessary for interaction with the application layers of other systems. </a:t>
-            </a:r>
-          </a:p>
-          <a:p>
-            <a:r>
-              <a:rPr lang="en-US" dirty="0" smtClean="0"/>
-              <a:t>This layer is kept thin. It does not contain business rules or knowledge, but only coordinates tasks and delegates work to collaborations of domain objects in the next layer down. </a:t>
-            </a:r>
-          </a:p>
-          <a:p>
-            <a:r>
-              <a:rPr lang="en-US" dirty="0" smtClean="0"/>
-              <a:t>It does not have a state reflecting the business situation, but it can have a state that reflects the progress of a task for the user or the program.’</a:t>
-            </a:r>
-          </a:p>
-          <a:p>
-            <a:r>
-              <a:rPr lang="en-US" dirty="0" smtClean="0"/>
-              <a:t>By its nature, the application layer can integrate with external systems horizontally, as long as there is little or no need to prepare the data for the presentation layer or persist data as per business rules in the backend. </a:t>
-            </a:r>
-          </a:p>
-          <a:p>
-            <a:r>
-              <a:rPr lang="en-US" dirty="0" smtClean="0"/>
-              <a:t>This type of horizontal integration from the application layer (e.g., </a:t>
-            </a:r>
-            <a:r>
-              <a:rPr lang="en-US" dirty="0" err="1" smtClean="0"/>
-              <a:t>Javascript</a:t>
-            </a:r>
-            <a:r>
-              <a:rPr lang="en-US" dirty="0" smtClean="0"/>
-              <a:t> running in the browser) is increasing, driven by the trend of ‘assembling’ applications by combining ready-to-use services such as product and service catalogues, </a:t>
-            </a:r>
-            <a:r>
-              <a:rPr lang="en-US" dirty="0" err="1" smtClean="0"/>
-              <a:t>eKYC</a:t>
-            </a:r>
-            <a:r>
-              <a:rPr lang="en-US" dirty="0" smtClean="0"/>
-              <a:t>, credit checks, payment APIs, etc. An example standard for this is CORS, Cross-Origin Resource Sharing.</a:t>
-            </a:r>
-            <a:endParaRPr lang="en-US" dirty="0"/>
-          </a:p>
-        </p:txBody>
-      </p:sp>
-      <p:sp>
-        <p:nvSpPr>
-          <p:cNvPr id="4" name="Slide Number Placeholder 3"/>
+          <a:bodyPr/>
+          <a:lstStyle/>
+          <a:p>
+            <a:r>
+              <a:rPr lang="en-US" b="1"/>
+              <a:t>Creational Patterns</a:t>
+            </a:r>
+            <a:r>
+              <a:rPr lang="en-US"/>
+              <a:t>: </a:t>
+            </a:r>
+            <a:br>
+              <a:rPr lang="en-US"/>
+            </a:br>
+            <a:r>
+              <a:rPr lang="en-US" sz="2400"/>
+              <a:t>Abstract factory, Factory method, Lazy initialization, Object pool, Singleton, Utility, …</a:t>
+            </a:r>
+          </a:p>
+          <a:p>
+            <a:r>
+              <a:rPr lang="en-US" b="1"/>
+              <a:t>Structural Patterns</a:t>
+            </a:r>
+            <a:r>
+              <a:rPr lang="en-US"/>
+              <a:t>: </a:t>
+            </a:r>
+            <a:br>
+              <a:rPr lang="en-US"/>
+            </a:br>
+            <a:r>
+              <a:rPr lang="en-US" sz="2400"/>
+              <a:t>Adapter, Decorator, Façade, Proxy, …</a:t>
+            </a:r>
+            <a:endParaRPr lang="en-US"/>
+          </a:p>
+          <a:p>
+            <a:r>
+              <a:rPr lang="en-US" b="1"/>
+              <a:t>Behavioral Patterns</a:t>
+            </a:r>
+            <a:r>
+              <a:rPr lang="en-US"/>
+              <a:t>: </a:t>
+            </a:r>
+            <a:br>
+              <a:rPr lang="en-US"/>
+            </a:br>
+            <a:r>
+              <a:rPr lang="en-US" sz="2400"/>
+              <a:t>Command, Iterator, Mediator, Observer, State, …</a:t>
+            </a:r>
+            <a:endParaRPr lang="en-US"/>
+          </a:p>
+          <a:p>
+            <a:r>
+              <a:rPr lang="en-US" b="1"/>
+              <a:t>Concurrency Patterns</a:t>
+            </a:r>
+            <a:r>
+              <a:rPr lang="en-US"/>
+              <a:t>: </a:t>
+            </a:r>
+            <a:br>
+              <a:rPr lang="en-US"/>
+            </a:br>
+            <a:r>
+              <a:rPr lang="en-US" sz="2400"/>
+              <a:t>Active Object, Monitor, Read-Write Lock, Reactor, …</a:t>
+            </a:r>
+          </a:p>
+        </p:txBody>
+      </p:sp>
+      <p:sp>
+        <p:nvSpPr>
+          <p:cNvPr id="28676" name="Slide Number Placeholder 3"/>
           <p:cNvSpPr>
             <a:spLocks noGrp="1"/>
           </p:cNvSpPr>
@@ -5644,24 +8452,151 @@
             <p:ph type="sldNum" sz="quarter" idx="12"/>
           </p:nvPr>
         </p:nvSpPr>
-        <p:spPr/>
-        <p:txBody>
-          <a:bodyPr/>
-          <a:lstStyle/>
-          <a:p>
-            <a:fld id="{B8DACC02-A2BD-4578-8E03-6D891060A695}" type="slidenum">
-              <a:rPr lang="en-US" smtClean="0"/>
+        <p:spPr>
+          <a:noFill/>
+          <a:ln/>
+          <a:extLst>
+            <a:ext uri="{909E8E84-426E-40DD-AFC4-6F175D3DCCD1}">
+              <a14:hiddenFill xmlns:a14="http://schemas.microsoft.com/office/drawing/2010/main">
+                <a:solidFill>
+                  <a:srgbClr val="FFFFFF"/>
+                </a:solidFill>
+              </a14:hiddenFill>
+            </a:ext>
+            <a:ext uri="{91240B29-F687-4F45-9708-019B960494DF}">
+              <a14:hiddenLine xmlns:a14="http://schemas.microsoft.com/office/drawing/2010/main" w="9525">
+                <a:solidFill>
+                  <a:srgbClr val="000000"/>
+                </a:solidFill>
+                <a:miter lim="800000"/>
+                <a:headEnd/>
+                <a:tailEnd/>
+              </a14:hiddenLine>
+            </a:ext>
+          </a:extLst>
+        </p:spPr>
+        <p:txBody>
+          <a:bodyPr/>
+          <a:lstStyle>
+            <a:lvl1pPr>
+              <a:defRPr b="1">
+                <a:solidFill>
+                  <a:schemeClr val="tx1"/>
+                </a:solidFill>
+                <a:latin typeface="Times New Roman" pitchFamily="18" charset="0"/>
+              </a:defRPr>
+            </a:lvl1pPr>
+            <a:lvl2pPr marL="742950" indent="-285750">
+              <a:defRPr b="1">
+                <a:solidFill>
+                  <a:schemeClr val="tx1"/>
+                </a:solidFill>
+                <a:latin typeface="Times New Roman" pitchFamily="18" charset="0"/>
+              </a:defRPr>
+            </a:lvl2pPr>
+            <a:lvl3pPr marL="1143000" indent="-228600">
+              <a:defRPr b="1">
+                <a:solidFill>
+                  <a:schemeClr val="tx1"/>
+                </a:solidFill>
+                <a:latin typeface="Times New Roman" pitchFamily="18" charset="0"/>
+              </a:defRPr>
+            </a:lvl3pPr>
+            <a:lvl4pPr marL="1600200" indent="-228600">
+              <a:defRPr b="1">
+                <a:solidFill>
+                  <a:schemeClr val="tx1"/>
+                </a:solidFill>
+                <a:latin typeface="Times New Roman" pitchFamily="18" charset="0"/>
+              </a:defRPr>
+            </a:lvl4pPr>
+            <a:lvl5pPr marL="2057400" indent="-228600">
+              <a:defRPr b="1">
+                <a:solidFill>
+                  <a:schemeClr val="tx1"/>
+                </a:solidFill>
+                <a:latin typeface="Times New Roman" pitchFamily="18" charset="0"/>
+              </a:defRPr>
+            </a:lvl5pPr>
+            <a:lvl6pPr marL="2514600" indent="-228600" eaLnBrk="0" fontAlgn="base" hangingPunct="0">
+              <a:spcBef>
+                <a:spcPct val="0"/>
+              </a:spcBef>
+              <a:spcAft>
+                <a:spcPct val="0"/>
+              </a:spcAft>
+              <a:defRPr b="1">
+                <a:solidFill>
+                  <a:schemeClr val="tx1"/>
+                </a:solidFill>
+                <a:latin typeface="Times New Roman" pitchFamily="18" charset="0"/>
+              </a:defRPr>
+            </a:lvl6pPr>
+            <a:lvl7pPr marL="2971800" indent="-228600" eaLnBrk="0" fontAlgn="base" hangingPunct="0">
+              <a:spcBef>
+                <a:spcPct val="0"/>
+              </a:spcBef>
+              <a:spcAft>
+                <a:spcPct val="0"/>
+              </a:spcAft>
+              <a:defRPr b="1">
+                <a:solidFill>
+                  <a:schemeClr val="tx1"/>
+                </a:solidFill>
+                <a:latin typeface="Times New Roman" pitchFamily="18" charset="0"/>
+              </a:defRPr>
+            </a:lvl7pPr>
+            <a:lvl8pPr marL="3429000" indent="-228600" eaLnBrk="0" fontAlgn="base" hangingPunct="0">
+              <a:spcBef>
+                <a:spcPct val="0"/>
+              </a:spcBef>
+              <a:spcAft>
+                <a:spcPct val="0"/>
+              </a:spcAft>
+              <a:defRPr b="1">
+                <a:solidFill>
+                  <a:schemeClr val="tx1"/>
+                </a:solidFill>
+                <a:latin typeface="Times New Roman" pitchFamily="18" charset="0"/>
+              </a:defRPr>
+            </a:lvl8pPr>
+            <a:lvl9pPr marL="3886200" indent="-228600" eaLnBrk="0" fontAlgn="base" hangingPunct="0">
+              <a:spcBef>
+                <a:spcPct val="0"/>
+              </a:spcBef>
+              <a:spcAft>
+                <a:spcPct val="0"/>
+              </a:spcAft>
+              <a:defRPr b="1">
+                <a:solidFill>
+                  <a:schemeClr val="tx1"/>
+                </a:solidFill>
+                <a:latin typeface="Times New Roman" pitchFamily="18" charset="0"/>
+              </a:defRPr>
+            </a:lvl9pPr>
+          </a:lstStyle>
+          <a:p>
+            <a:fld id="{893F2B11-9F69-4E20-9E3B-A263DB827B33}" type="slidenum">
+              <a:rPr lang="en-US" b="0" smtClean="0">
+                <a:solidFill>
+                  <a:schemeClr val="tx2"/>
+                </a:solidFill>
+              </a:rPr>
               <a:pPr/>
               <a:t>18</a:t>
             </a:fld>
-            <a:endParaRPr lang="en-US" dirty="0"/>
+            <a:endParaRPr lang="en-US" b="0">
+              <a:solidFill>
+                <a:schemeClr val="tx2"/>
+              </a:solidFill>
+            </a:endParaRPr>
           </a:p>
         </p:txBody>
       </p:sp>
     </p:spTree>
     <p:extLst>
       <p:ext uri="{BB962C8B-B14F-4D97-AF65-F5344CB8AC3E}">
-        <p14:creationId xmlns:p14="http://schemas.microsoft.com/office/powerpoint/2010/main" val="751106163"/>
+        <p14:creationId xmlns:p14="http://schemas.microsoft.com/office/powerpoint/2010/main" val="2950653591"/>
       </p:ext>
     </p:extLst>
   </p:cSld>
@@ -5690,7 +8625,7 @@
       </p:grpSpPr>
       <p:sp>
         <p:nvSpPr>
-          <p:cNvPr id="2" name="Title 1"/>
+          <p:cNvPr id="29698" name="Title 1"/>
           <p:cNvSpPr>
             <a:spLocks noGrp="1"/>
           </p:cNvSpPr>
@@ -5704,16 +8639,15 @@
           <a:lstStyle/>
           <a:p>
             <a:r>
-              <a:rPr lang="en-US" dirty="0" smtClean="0"/>
-              <a:t>Domain layer horizontal integration</a:t>
-            </a:r>
-            <a:endParaRPr lang="en-US" dirty="0"/>
-          </a:p>
-        </p:txBody>
-      </p:sp>
-      <p:sp>
-        <p:nvSpPr>
-          <p:cNvPr id="3" name="Content Placeholder 2"/>
+              <a:rPr lang="en-US" dirty="0"/>
+              <a:t>Review: Creational Patterns</a:t>
+            </a:r>
+          </a:p>
+        </p:txBody>
+      </p:sp>
+      <p:sp>
+        <p:nvSpPr>
+          <p:cNvPr id="29699" name="Content Placeholder 2"/>
           <p:cNvSpPr>
             <a:spLocks noGrp="1"/>
           </p:cNvSpPr>
@@ -5723,32 +8657,147 @@
         </p:nvSpPr>
         <p:spPr/>
         <p:txBody>
-          <a:bodyPr/>
-          <a:lstStyle/>
-          <a:p>
-            <a:r>
-              <a:rPr lang="en-US" dirty="0" smtClean="0"/>
-              <a:t>This is still the most common horizontal integration pattern. </a:t>
-            </a:r>
-          </a:p>
-          <a:p>
-            <a:r>
-              <a:rPr lang="en-US" dirty="0" smtClean="0"/>
-              <a:t>Domain layer objects can be specifically created that primarily call out to external systems, prepare the response for the application and UI layers, and update the business state in the persistent store in the infrastructure layer. </a:t>
-            </a:r>
-          </a:p>
-          <a:p>
-            <a:r>
-              <a:rPr lang="en-US" dirty="0" smtClean="0"/>
-              <a:t>Domain-focused business objects may also need to make external calls as a part of their processing.</a:t>
-            </a:r>
-            <a:endParaRPr lang="en-US" dirty="0"/>
-          </a:p>
-        </p:txBody>
-      </p:sp>
-      <p:sp>
-        <p:nvSpPr>
-          <p:cNvPr id="4" name="Slide Number Placeholder 3"/>
+          <a:bodyPr>
+            <a:normAutofit/>
+          </a:bodyPr>
+          <a:lstStyle/>
+          <a:p>
+            <a:r>
+              <a:rPr lang="en-US" sz="2400" b="1" dirty="0"/>
+              <a:t>Abstract factory: </a:t>
+            </a:r>
+            <a:r>
+              <a:rPr lang="en-US" sz="2400" dirty="0"/>
+              <a:t>Provide an interface for </a:t>
+            </a:r>
+            <a:r>
+              <a:rPr lang="en-US" sz="2400" dirty="0">
+                <a:solidFill>
+                  <a:srgbClr val="0033CC"/>
+                </a:solidFill>
+              </a:rPr>
+              <a:t>creating families of objects </a:t>
+            </a:r>
+            <a:r>
+              <a:rPr lang="en-US" sz="2400" dirty="0"/>
+              <a:t>without specifying their concrete classes.</a:t>
+            </a:r>
+          </a:p>
+          <a:p>
+            <a:r>
+              <a:rPr lang="en-US" sz="2400" b="1" dirty="0"/>
+              <a:t>Factory method: </a:t>
+            </a:r>
+            <a:r>
+              <a:rPr lang="en-US" sz="2400" dirty="0"/>
+              <a:t>Define an interface for creating an object, but let subclasses decide which class to instantiate. Factory method lets a class </a:t>
+            </a:r>
+            <a:r>
+              <a:rPr lang="en-US" sz="2400" dirty="0">
+                <a:solidFill>
+                  <a:srgbClr val="0033CC"/>
+                </a:solidFill>
+              </a:rPr>
+              <a:t>defer instantiation to subclasses</a:t>
+            </a:r>
+            <a:r>
+              <a:rPr lang="en-US" sz="2400" dirty="0"/>
+              <a:t>.</a:t>
+            </a:r>
+          </a:p>
+          <a:p>
+            <a:r>
+              <a:rPr lang="en-US" sz="2400" b="1" dirty="0"/>
+              <a:t>Lazy initialization: </a:t>
+            </a:r>
+            <a:r>
+              <a:rPr lang="en-US" sz="2400" dirty="0"/>
+              <a:t>Tactic of delaying the creation of an object, the calculation of a value, or some other expensive process until the first time it is needed.</a:t>
+            </a:r>
+          </a:p>
+          <a:p>
+            <a:r>
+              <a:rPr lang="en-US" sz="2400" b="1" dirty="0"/>
+              <a:t>Object pool: </a:t>
+            </a:r>
+            <a:r>
+              <a:rPr lang="en-US" sz="2400" dirty="0"/>
+              <a:t>Avoid expensive acquisition and release of resources by </a:t>
+            </a:r>
+            <a:r>
+              <a:rPr lang="en-US" sz="2400" dirty="0">
+                <a:solidFill>
+                  <a:srgbClr val="0033CC"/>
+                </a:solidFill>
+              </a:rPr>
+              <a:t>recycling objects </a:t>
+            </a:r>
+            <a:r>
+              <a:rPr lang="en-US" sz="2400" dirty="0"/>
+              <a:t>that are no longer in use</a:t>
+            </a:r>
+          </a:p>
+          <a:p>
+            <a:r>
+              <a:rPr lang="en-US" sz="2400" b="1" dirty="0"/>
+              <a:t>Singleton:</a:t>
+            </a:r>
+            <a:r>
+              <a:rPr lang="en-US" sz="2400" dirty="0"/>
+              <a:t> Ensure a class only has </a:t>
+            </a:r>
+            <a:r>
+              <a:rPr lang="en-US" sz="2400" dirty="0">
+                <a:solidFill>
+                  <a:srgbClr val="0033CC"/>
+                </a:solidFill>
+              </a:rPr>
+              <a:t>one instance</a:t>
+            </a:r>
+            <a:r>
+              <a:rPr lang="en-US" sz="2400" dirty="0"/>
+              <a:t>, and provide a global point of access to it.</a:t>
+            </a:r>
+          </a:p>
+          <a:p>
+            <a:r>
+              <a:rPr lang="en-US" sz="2400" b="1" dirty="0"/>
+              <a:t>Utility:</a:t>
+            </a:r>
+            <a:r>
+              <a:rPr lang="en-US" sz="2400" dirty="0"/>
+              <a:t> A class with a private constructor that contains </a:t>
+            </a:r>
+            <a:r>
+              <a:rPr lang="en-US" sz="2400" dirty="0">
+                <a:solidFill>
+                  <a:srgbClr val="0033CC"/>
+                </a:solidFill>
+              </a:rPr>
+              <a:t>only</a:t>
+            </a:r>
+            <a:r>
+              <a:rPr lang="en-US" sz="2400" dirty="0"/>
+              <a:t> </a:t>
+            </a:r>
+            <a:r>
+              <a:rPr lang="en-US" sz="2400" dirty="0">
+                <a:solidFill>
+                  <a:srgbClr val="0033CC"/>
+                </a:solidFill>
+              </a:rPr>
+              <a:t>static methods</a:t>
+            </a:r>
+            <a:r>
+              <a:rPr lang="en-US" sz="2400" dirty="0"/>
+              <a:t>.</a:t>
+            </a:r>
+          </a:p>
+        </p:txBody>
+      </p:sp>
+      <p:sp>
+        <p:nvSpPr>
+          <p:cNvPr id="29700" name="Slide Number Placeholder 3"/>
           <p:cNvSpPr>
             <a:spLocks noGrp="1"/>
           </p:cNvSpPr>
@@ -5756,24 +8805,151 @@
             <p:ph type="sldNum" sz="quarter" idx="12"/>
           </p:nvPr>
         </p:nvSpPr>
-        <p:spPr/>
-        <p:txBody>
-          <a:bodyPr/>
-          <a:lstStyle/>
-          <a:p>
-            <a:fld id="{B8DACC02-A2BD-4578-8E03-6D891060A695}" type="slidenum">
-              <a:rPr lang="en-US" smtClean="0"/>
+        <p:spPr>
+          <a:noFill/>
+          <a:ln/>
+          <a:extLst>
+            <a:ext uri="{909E8E84-426E-40DD-AFC4-6F175D3DCCD1}">
+              <a14:hiddenFill xmlns:a14="http://schemas.microsoft.com/office/drawing/2010/main">
+                <a:solidFill>
+                  <a:srgbClr val="FFFFFF"/>
+                </a:solidFill>
+              </a14:hiddenFill>
+            </a:ext>
+            <a:ext uri="{91240B29-F687-4F45-9708-019B960494DF}">
+              <a14:hiddenLine xmlns:a14="http://schemas.microsoft.com/office/drawing/2010/main" w="9525">
+                <a:solidFill>
+                  <a:srgbClr val="000000"/>
+                </a:solidFill>
+                <a:miter lim="800000"/>
+                <a:headEnd/>
+                <a:tailEnd/>
+              </a14:hiddenLine>
+            </a:ext>
+          </a:extLst>
+        </p:spPr>
+        <p:txBody>
+          <a:bodyPr/>
+          <a:lstStyle>
+            <a:lvl1pPr>
+              <a:defRPr b="1">
+                <a:solidFill>
+                  <a:schemeClr val="tx1"/>
+                </a:solidFill>
+                <a:latin typeface="Times New Roman" pitchFamily="18" charset="0"/>
+              </a:defRPr>
+            </a:lvl1pPr>
+            <a:lvl2pPr marL="742950" indent="-285750">
+              <a:defRPr b="1">
+                <a:solidFill>
+                  <a:schemeClr val="tx1"/>
+                </a:solidFill>
+                <a:latin typeface="Times New Roman" pitchFamily="18" charset="0"/>
+              </a:defRPr>
+            </a:lvl2pPr>
+            <a:lvl3pPr marL="1143000" indent="-228600">
+              <a:defRPr b="1">
+                <a:solidFill>
+                  <a:schemeClr val="tx1"/>
+                </a:solidFill>
+                <a:latin typeface="Times New Roman" pitchFamily="18" charset="0"/>
+              </a:defRPr>
+            </a:lvl3pPr>
+            <a:lvl4pPr marL="1600200" indent="-228600">
+              <a:defRPr b="1">
+                <a:solidFill>
+                  <a:schemeClr val="tx1"/>
+                </a:solidFill>
+                <a:latin typeface="Times New Roman" pitchFamily="18" charset="0"/>
+              </a:defRPr>
+            </a:lvl4pPr>
+            <a:lvl5pPr marL="2057400" indent="-228600">
+              <a:defRPr b="1">
+                <a:solidFill>
+                  <a:schemeClr val="tx1"/>
+                </a:solidFill>
+                <a:latin typeface="Times New Roman" pitchFamily="18" charset="0"/>
+              </a:defRPr>
+            </a:lvl5pPr>
+            <a:lvl6pPr marL="2514600" indent="-228600" eaLnBrk="0" fontAlgn="base" hangingPunct="0">
+              <a:spcBef>
+                <a:spcPct val="0"/>
+              </a:spcBef>
+              <a:spcAft>
+                <a:spcPct val="0"/>
+              </a:spcAft>
+              <a:defRPr b="1">
+                <a:solidFill>
+                  <a:schemeClr val="tx1"/>
+                </a:solidFill>
+                <a:latin typeface="Times New Roman" pitchFamily="18" charset="0"/>
+              </a:defRPr>
+            </a:lvl6pPr>
+            <a:lvl7pPr marL="2971800" indent="-228600" eaLnBrk="0" fontAlgn="base" hangingPunct="0">
+              <a:spcBef>
+                <a:spcPct val="0"/>
+              </a:spcBef>
+              <a:spcAft>
+                <a:spcPct val="0"/>
+              </a:spcAft>
+              <a:defRPr b="1">
+                <a:solidFill>
+                  <a:schemeClr val="tx1"/>
+                </a:solidFill>
+                <a:latin typeface="Times New Roman" pitchFamily="18" charset="0"/>
+              </a:defRPr>
+            </a:lvl7pPr>
+            <a:lvl8pPr marL="3429000" indent="-228600" eaLnBrk="0" fontAlgn="base" hangingPunct="0">
+              <a:spcBef>
+                <a:spcPct val="0"/>
+              </a:spcBef>
+              <a:spcAft>
+                <a:spcPct val="0"/>
+              </a:spcAft>
+              <a:defRPr b="1">
+                <a:solidFill>
+                  <a:schemeClr val="tx1"/>
+                </a:solidFill>
+                <a:latin typeface="Times New Roman" pitchFamily="18" charset="0"/>
+              </a:defRPr>
+            </a:lvl8pPr>
+            <a:lvl9pPr marL="3886200" indent="-228600" eaLnBrk="0" fontAlgn="base" hangingPunct="0">
+              <a:spcBef>
+                <a:spcPct val="0"/>
+              </a:spcBef>
+              <a:spcAft>
+                <a:spcPct val="0"/>
+              </a:spcAft>
+              <a:defRPr b="1">
+                <a:solidFill>
+                  <a:schemeClr val="tx1"/>
+                </a:solidFill>
+                <a:latin typeface="Times New Roman" pitchFamily="18" charset="0"/>
+              </a:defRPr>
+            </a:lvl9pPr>
+          </a:lstStyle>
+          <a:p>
+            <a:fld id="{885E38B7-FC61-419C-AE11-EE429967AE56}" type="slidenum">
+              <a:rPr lang="en-US" b="0" smtClean="0">
+                <a:solidFill>
+                  <a:schemeClr val="tx2"/>
+                </a:solidFill>
+              </a:rPr>
               <a:pPr/>
               <a:t>19</a:t>
             </a:fld>
-            <a:endParaRPr lang="en-US" dirty="0"/>
+            <a:endParaRPr lang="en-US" b="0">
+              <a:solidFill>
+                <a:schemeClr val="tx2"/>
+              </a:solidFill>
+            </a:endParaRPr>
           </a:p>
         </p:txBody>
       </p:sp>
     </p:spTree>
     <p:extLst>
       <p:ext uri="{BB962C8B-B14F-4D97-AF65-F5344CB8AC3E}">
-        <p14:creationId xmlns:p14="http://schemas.microsoft.com/office/powerpoint/2010/main" val="2076266107"/>
+        <p14:creationId xmlns:p14="http://schemas.microsoft.com/office/powerpoint/2010/main" val="542307648"/>
       </p:ext>
     </p:extLst>
   </p:cSld>
@@ -6000,12 +9176,34 @@
       </p:grpSpPr>
       <p:sp>
         <p:nvSpPr>
-          <p:cNvPr id="2" name="Title 1"/>
+          <p:cNvPr id="30722" name="Title 1"/>
           <p:cNvSpPr>
             <a:spLocks noGrp="1"/>
           </p:cNvSpPr>
           <p:nvPr>
             <p:ph type="title"/>
+          </p:nvPr>
+        </p:nvSpPr>
+        <p:spPr/>
+        <p:txBody>
+          <a:bodyPr/>
+          <a:lstStyle/>
+          <a:p>
+            <a:r>
+              <a:rPr lang="en-US" dirty="0"/>
+              <a:t>Review: Structural Patterns</a:t>
+            </a:r>
+          </a:p>
+        </p:txBody>
+      </p:sp>
+      <p:sp>
+        <p:nvSpPr>
+          <p:cNvPr id="30723" name="Content Placeholder 2"/>
+          <p:cNvSpPr>
+            <a:spLocks noGrp="1"/>
+          </p:cNvSpPr>
+          <p:nvPr>
+            <p:ph idx="1"/>
           </p:nvPr>
         </p:nvSpPr>
         <p:spPr/>
@@ -6016,16 +9214,300 @@
           <a:lstStyle/>
           <a:p>
             <a:r>
-              <a:rPr lang="en-US" sz="3600" dirty="0" smtClean="0"/>
-              <a:t>(Infrastructure) Persistence layer horizontal integration</a:t>
-            </a:r>
-            <a:endParaRPr lang="en-US" sz="3600" dirty="0"/>
-          </a:p>
-        </p:txBody>
-      </p:sp>
-      <p:sp>
-        <p:nvSpPr>
-          <p:cNvPr id="3" name="Content Placeholder 2"/>
+              <a:rPr lang="en-US" b="1" dirty="0"/>
+              <a:t>Adapter:</a:t>
+            </a:r>
+            <a:r>
+              <a:rPr lang="en-US" dirty="0"/>
+              <a:t> 	</a:t>
+            </a:r>
+            <a:r>
+              <a:rPr lang="en-US" dirty="0">
+                <a:solidFill>
+                  <a:srgbClr val="0033CC"/>
+                </a:solidFill>
+              </a:rPr>
+              <a:t>Convert</a:t>
+            </a:r>
+            <a:r>
+              <a:rPr lang="en-US" dirty="0"/>
+              <a:t> the interface of a class into another interface that clients expect. </a:t>
+            </a:r>
+          </a:p>
+          <a:p>
+            <a:r>
+              <a:rPr lang="en-US" b="1" dirty="0"/>
+              <a:t>Decorator:</a:t>
+            </a:r>
+            <a:r>
+              <a:rPr lang="en-US" dirty="0"/>
+              <a:t> Attach additional responsibilities to an object </a:t>
+            </a:r>
+            <a:r>
+              <a:rPr lang="en-US" dirty="0">
+                <a:solidFill>
+                  <a:srgbClr val="0033CC"/>
+                </a:solidFill>
+              </a:rPr>
+              <a:t>dynamically</a:t>
+            </a:r>
+            <a:r>
+              <a:rPr lang="en-US" dirty="0"/>
+              <a:t>. Decorators provide a flexible </a:t>
+            </a:r>
+            <a:r>
+              <a:rPr lang="en-US" dirty="0">
+                <a:solidFill>
+                  <a:srgbClr val="0033CC"/>
+                </a:solidFill>
+              </a:rPr>
+              <a:t>alternative to sub-classing </a:t>
+            </a:r>
+            <a:r>
+              <a:rPr lang="en-US" dirty="0"/>
+              <a:t>for extending functionality.</a:t>
+            </a:r>
+          </a:p>
+          <a:p>
+            <a:r>
+              <a:rPr lang="en-US" b="1" dirty="0"/>
+              <a:t>Façade:</a:t>
+            </a:r>
+            <a:r>
+              <a:rPr lang="en-US" dirty="0"/>
+              <a:t> Provide a </a:t>
+            </a:r>
+            <a:r>
+              <a:rPr lang="en-US" dirty="0">
+                <a:solidFill>
+                  <a:srgbClr val="0033CC"/>
+                </a:solidFill>
+              </a:rPr>
+              <a:t>unified interface </a:t>
+            </a:r>
+            <a:r>
+              <a:rPr lang="en-US" dirty="0"/>
+              <a:t>to a set of interfaces in a subsystem. Façade defines a higher-level interface that makes the subsystem easier to use.</a:t>
+            </a:r>
+          </a:p>
+          <a:p>
+            <a:r>
+              <a:rPr lang="en-US" b="1" dirty="0"/>
+              <a:t>Proxy:</a:t>
+            </a:r>
+            <a:r>
+              <a:rPr lang="en-US" dirty="0"/>
+              <a:t> Provide a surrogate or placeholder for another object to control the access to it.</a:t>
+            </a:r>
+          </a:p>
+        </p:txBody>
+      </p:sp>
+      <p:sp>
+        <p:nvSpPr>
+          <p:cNvPr id="30724" name="Slide Number Placeholder 3"/>
+          <p:cNvSpPr>
+            <a:spLocks noGrp="1"/>
+          </p:cNvSpPr>
+          <p:nvPr>
+            <p:ph type="sldNum" sz="quarter" idx="12"/>
+          </p:nvPr>
+        </p:nvSpPr>
+        <p:spPr>
+          <a:noFill/>
+          <a:ln/>
+          <a:extLst>
+            <a:ext uri="{909E8E84-426E-40DD-AFC4-6F175D3DCCD1}">
+              <a14:hiddenFill xmlns:a14="http://schemas.microsoft.com/office/drawing/2010/main">
+                <a:solidFill>
+                  <a:srgbClr val="FFFFFF"/>
+                </a:solidFill>
+              </a14:hiddenFill>
+            </a:ext>
+            <a:ext uri="{91240B29-F687-4F45-9708-019B960494DF}">
+              <a14:hiddenLine xmlns:a14="http://schemas.microsoft.com/office/drawing/2010/main" w="9525">
+                <a:solidFill>
+                  <a:srgbClr val="000000"/>
+                </a:solidFill>
+                <a:miter lim="800000"/>
+                <a:headEnd/>
+                <a:tailEnd/>
+              </a14:hiddenLine>
+            </a:ext>
+          </a:extLst>
+        </p:spPr>
+        <p:txBody>
+          <a:bodyPr/>
+          <a:lstStyle>
+            <a:lvl1pPr>
+              <a:defRPr b="1">
+                <a:solidFill>
+                  <a:schemeClr val="tx1"/>
+                </a:solidFill>
+                <a:latin typeface="Times New Roman" pitchFamily="18" charset="0"/>
+              </a:defRPr>
+            </a:lvl1pPr>
+            <a:lvl2pPr marL="742950" indent="-285750">
+              <a:defRPr b="1">
+                <a:solidFill>
+                  <a:schemeClr val="tx1"/>
+                </a:solidFill>
+                <a:latin typeface="Times New Roman" pitchFamily="18" charset="0"/>
+              </a:defRPr>
+            </a:lvl2pPr>
+            <a:lvl3pPr marL="1143000" indent="-228600">
+              <a:defRPr b="1">
+                <a:solidFill>
+                  <a:schemeClr val="tx1"/>
+                </a:solidFill>
+                <a:latin typeface="Times New Roman" pitchFamily="18" charset="0"/>
+              </a:defRPr>
+            </a:lvl3pPr>
+            <a:lvl4pPr marL="1600200" indent="-228600">
+              <a:defRPr b="1">
+                <a:solidFill>
+                  <a:schemeClr val="tx1"/>
+                </a:solidFill>
+                <a:latin typeface="Times New Roman" pitchFamily="18" charset="0"/>
+              </a:defRPr>
+            </a:lvl4pPr>
+            <a:lvl5pPr marL="2057400" indent="-228600">
+              <a:defRPr b="1">
+                <a:solidFill>
+                  <a:schemeClr val="tx1"/>
+                </a:solidFill>
+                <a:latin typeface="Times New Roman" pitchFamily="18" charset="0"/>
+              </a:defRPr>
+            </a:lvl5pPr>
+            <a:lvl6pPr marL="2514600" indent="-228600" eaLnBrk="0" fontAlgn="base" hangingPunct="0">
+              <a:spcBef>
+                <a:spcPct val="0"/>
+              </a:spcBef>
+              <a:spcAft>
+                <a:spcPct val="0"/>
+              </a:spcAft>
+              <a:defRPr b="1">
+                <a:solidFill>
+                  <a:schemeClr val="tx1"/>
+                </a:solidFill>
+                <a:latin typeface="Times New Roman" pitchFamily="18" charset="0"/>
+              </a:defRPr>
+            </a:lvl6pPr>
+            <a:lvl7pPr marL="2971800" indent="-228600" eaLnBrk="0" fontAlgn="base" hangingPunct="0">
+              <a:spcBef>
+                <a:spcPct val="0"/>
+              </a:spcBef>
+              <a:spcAft>
+                <a:spcPct val="0"/>
+              </a:spcAft>
+              <a:defRPr b="1">
+                <a:solidFill>
+                  <a:schemeClr val="tx1"/>
+                </a:solidFill>
+                <a:latin typeface="Times New Roman" pitchFamily="18" charset="0"/>
+              </a:defRPr>
+            </a:lvl7pPr>
+            <a:lvl8pPr marL="3429000" indent="-228600" eaLnBrk="0" fontAlgn="base" hangingPunct="0">
+              <a:spcBef>
+                <a:spcPct val="0"/>
+              </a:spcBef>
+              <a:spcAft>
+                <a:spcPct val="0"/>
+              </a:spcAft>
+              <a:defRPr b="1">
+                <a:solidFill>
+                  <a:schemeClr val="tx1"/>
+                </a:solidFill>
+                <a:latin typeface="Times New Roman" pitchFamily="18" charset="0"/>
+              </a:defRPr>
+            </a:lvl8pPr>
+            <a:lvl9pPr marL="3886200" indent="-228600" eaLnBrk="0" fontAlgn="base" hangingPunct="0">
+              <a:spcBef>
+                <a:spcPct val="0"/>
+              </a:spcBef>
+              <a:spcAft>
+                <a:spcPct val="0"/>
+              </a:spcAft>
+              <a:defRPr b="1">
+                <a:solidFill>
+                  <a:schemeClr val="tx1"/>
+                </a:solidFill>
+                <a:latin typeface="Times New Roman" pitchFamily="18" charset="0"/>
+              </a:defRPr>
+            </a:lvl9pPr>
+          </a:lstStyle>
+          <a:p>
+            <a:fld id="{3974F09F-1D58-4899-A1C6-28A281ECBBAD}" type="slidenum">
+              <a:rPr lang="en-US" b="0" smtClean="0">
+                <a:solidFill>
+                  <a:schemeClr val="tx2"/>
+                </a:solidFill>
+              </a:rPr>
+              <a:pPr/>
+              <a:t>20</a:t>
+            </a:fld>
+            <a:endParaRPr lang="en-US" b="0">
+              <a:solidFill>
+                <a:schemeClr val="tx2"/>
+              </a:solidFill>
+            </a:endParaRPr>
+          </a:p>
+        </p:txBody>
+      </p:sp>
+    </p:spTree>
+    <p:extLst>
+      <p:ext uri="{BB962C8B-B14F-4D97-AF65-F5344CB8AC3E}">
+        <p14:creationId xmlns:p14="http://schemas.microsoft.com/office/powerpoint/2010/main" val="24581692"/>
+      </p:ext>
+    </p:extLst>
+  </p:cSld>
+  <p:clrMapOvr>
+    <a:masterClrMapping/>
+  </p:clrMapOvr>
+</p:sld>
+</file>
+
+<file path=ppt/slides/slide21.xml><?xml version="1.0" encoding="utf-8"?>
+<p:sld xmlns:a="http://schemas.openxmlformats.org/drawingml/2006/main" xmlns:r="http://schemas.openxmlformats.org/officeDocument/2006/relationships" xmlns:p="http://schemas.openxmlformats.org/presentationml/2006/main">
+  <p:cSld>
+    <p:spTree>
+      <p:nvGrpSpPr>
+        <p:cNvPr id="1" name=""/>
+        <p:cNvGrpSpPr/>
+        <p:nvPr/>
+      </p:nvGrpSpPr>
+      <p:grpSpPr>
+        <a:xfrm>
+          <a:off x="0" y="0"/>
+          <a:ext cx="0" cy="0"/>
+          <a:chOff x="0" y="0"/>
+          <a:chExt cx="0" cy="0"/>
+        </a:xfrm>
+      </p:grpSpPr>
+      <p:sp>
+        <p:nvSpPr>
+          <p:cNvPr id="31746" name="Title 1"/>
+          <p:cNvSpPr>
+            <a:spLocks noGrp="1"/>
+          </p:cNvSpPr>
+          <p:nvPr>
+            <p:ph type="title"/>
+          </p:nvPr>
+        </p:nvSpPr>
+        <p:spPr/>
+        <p:txBody>
+          <a:bodyPr/>
+          <a:lstStyle/>
+          <a:p>
+            <a:r>
+              <a:rPr lang="en-US" dirty="0"/>
+              <a:t>Review: Behavioral Patterns</a:t>
+            </a:r>
+          </a:p>
+        </p:txBody>
+      </p:sp>
+      <p:sp>
+        <p:nvSpPr>
+          <p:cNvPr id="31747" name="Content Placeholder 2"/>
           <p:cNvSpPr>
             <a:spLocks noGrp="1"/>
           </p:cNvSpPr>
@@ -6041,56 +9523,768 @@
           <a:lstStyle/>
           <a:p>
             <a:r>
-              <a:rPr lang="en-US" dirty="0" smtClean="0"/>
-              <a:t>Horizontal integration of persistent data repositories in the infrastructure layer is required and unavoidable. </a:t>
-            </a:r>
-          </a:p>
-          <a:p>
-            <a:r>
-              <a:rPr lang="en-US" dirty="0" smtClean="0"/>
-              <a:t>The integration architect should consider the following aspects to optimize the integration design and select the appropriate methods, protocols and technologies.</a:t>
+              <a:rPr lang="en-US" sz="2400" b="1" dirty="0"/>
+              <a:t>Command:</a:t>
+            </a:r>
+            <a:r>
+              <a:rPr lang="en-US" sz="2400" dirty="0"/>
+              <a:t> Encapsulate a request as an object, thereby letting you </a:t>
+            </a:r>
+            <a:r>
+              <a:rPr lang="en-US" sz="2400" dirty="0">
+                <a:solidFill>
+                  <a:srgbClr val="0033CC"/>
+                </a:solidFill>
+              </a:rPr>
+              <a:t>parameterize clients with different requests</a:t>
+            </a:r>
+            <a:r>
+              <a:rPr lang="en-US" sz="2400" dirty="0"/>
+              <a:t>.</a:t>
+            </a:r>
+          </a:p>
+          <a:p>
+            <a:r>
+              <a:rPr lang="en-US" sz="2400" b="1" dirty="0"/>
+              <a:t>Iterator: </a:t>
+            </a:r>
+            <a:r>
+              <a:rPr lang="en-US" sz="2400" dirty="0"/>
+              <a:t>Provide a way to </a:t>
+            </a:r>
+            <a:r>
+              <a:rPr lang="en-US" sz="2400" dirty="0">
+                <a:solidFill>
+                  <a:srgbClr val="0033CC"/>
+                </a:solidFill>
+              </a:rPr>
+              <a:t>access the elements </a:t>
+            </a:r>
+            <a:r>
+              <a:rPr lang="en-US" sz="2400" dirty="0"/>
+              <a:t>of an aggregate object sequentially </a:t>
+            </a:r>
+            <a:r>
+              <a:rPr lang="en-US" sz="2400" dirty="0">
+                <a:solidFill>
+                  <a:srgbClr val="0033CC"/>
+                </a:solidFill>
+              </a:rPr>
+              <a:t>without exposing its underlying representation</a:t>
+            </a:r>
+            <a:r>
+              <a:rPr lang="en-US" sz="2400" dirty="0"/>
+              <a:t>.</a:t>
+            </a:r>
+          </a:p>
+          <a:p>
+            <a:r>
+              <a:rPr lang="en-US" sz="2400" b="1" dirty="0"/>
+              <a:t>Mediator </a:t>
+            </a:r>
+            <a:r>
+              <a:rPr lang="en-US" sz="2400" dirty="0"/>
+              <a:t>between objects: Define an object that </a:t>
+            </a:r>
+            <a:r>
+              <a:rPr lang="en-US" sz="2400" dirty="0">
+                <a:solidFill>
+                  <a:srgbClr val="0033CC"/>
+                </a:solidFill>
+              </a:rPr>
+              <a:t>encapsulates how a set of objects interact</a:t>
+            </a:r>
+            <a:r>
+              <a:rPr lang="en-US" sz="2400" dirty="0"/>
+              <a:t>. Mediator promotes loose coupling by keeping objects from referring to each other explicitly, and it lets you vary their interaction independently.</a:t>
+            </a:r>
+          </a:p>
+          <a:p>
+            <a:r>
+              <a:rPr lang="en-US" sz="2400" b="1" dirty="0"/>
+              <a:t>State:</a:t>
+            </a:r>
+            <a:r>
+              <a:rPr lang="en-US" sz="2400" dirty="0"/>
+              <a:t> Allow an object to alter its behavior when its internal state changes. </a:t>
+            </a:r>
+          </a:p>
+          <a:p>
+            <a:r>
+              <a:rPr lang="en-US" sz="2400" b="1" dirty="0"/>
+              <a:t>Observer: </a:t>
+            </a:r>
+            <a:r>
+              <a:rPr lang="en-US" sz="2400" dirty="0"/>
+              <a:t>Define a </a:t>
+            </a:r>
+            <a:r>
+              <a:rPr lang="en-US" sz="2400" dirty="0">
+                <a:solidFill>
+                  <a:srgbClr val="0033CC"/>
+                </a:solidFill>
+              </a:rPr>
+              <a:t>one-to-many dependency </a:t>
+            </a:r>
+            <a:r>
+              <a:rPr lang="en-US" sz="2400" dirty="0"/>
+              <a:t>between objects so that when one object changes state, all its dependents are notified and updated automatically.</a:t>
+            </a:r>
+          </a:p>
+          <a:p>
+            <a:endParaRPr lang="en-US" sz="2400" dirty="0"/>
+          </a:p>
+        </p:txBody>
+      </p:sp>
+      <p:sp>
+        <p:nvSpPr>
+          <p:cNvPr id="31748" name="Slide Number Placeholder 3"/>
+          <p:cNvSpPr>
+            <a:spLocks noGrp="1"/>
+          </p:cNvSpPr>
+          <p:nvPr>
+            <p:ph type="sldNum" sz="quarter" idx="12"/>
+          </p:nvPr>
+        </p:nvSpPr>
+        <p:spPr>
+          <a:noFill/>
+          <a:ln/>
+          <a:extLst>
+            <a:ext uri="{909E8E84-426E-40DD-AFC4-6F175D3DCCD1}">
+              <a14:hiddenFill xmlns:a14="http://schemas.microsoft.com/office/drawing/2010/main">
+                <a:solidFill>
+                  <a:srgbClr val="FFFFFF"/>
+                </a:solidFill>
+              </a14:hiddenFill>
+            </a:ext>
+            <a:ext uri="{91240B29-F687-4F45-9708-019B960494DF}">
+              <a14:hiddenLine xmlns:a14="http://schemas.microsoft.com/office/drawing/2010/main" w="9525">
+                <a:solidFill>
+                  <a:srgbClr val="000000"/>
+                </a:solidFill>
+                <a:miter lim="800000"/>
+                <a:headEnd/>
+                <a:tailEnd/>
+              </a14:hiddenLine>
+            </a:ext>
+          </a:extLst>
+        </p:spPr>
+        <p:txBody>
+          <a:bodyPr/>
+          <a:lstStyle>
+            <a:lvl1pPr>
+              <a:defRPr b="1">
+                <a:solidFill>
+                  <a:schemeClr val="tx1"/>
+                </a:solidFill>
+                <a:latin typeface="Times New Roman" pitchFamily="18" charset="0"/>
+              </a:defRPr>
+            </a:lvl1pPr>
+            <a:lvl2pPr marL="742950" indent="-285750">
+              <a:defRPr b="1">
+                <a:solidFill>
+                  <a:schemeClr val="tx1"/>
+                </a:solidFill>
+                <a:latin typeface="Times New Roman" pitchFamily="18" charset="0"/>
+              </a:defRPr>
+            </a:lvl2pPr>
+            <a:lvl3pPr marL="1143000" indent="-228600">
+              <a:defRPr b="1">
+                <a:solidFill>
+                  <a:schemeClr val="tx1"/>
+                </a:solidFill>
+                <a:latin typeface="Times New Roman" pitchFamily="18" charset="0"/>
+              </a:defRPr>
+            </a:lvl3pPr>
+            <a:lvl4pPr marL="1600200" indent="-228600">
+              <a:defRPr b="1">
+                <a:solidFill>
+                  <a:schemeClr val="tx1"/>
+                </a:solidFill>
+                <a:latin typeface="Times New Roman" pitchFamily="18" charset="0"/>
+              </a:defRPr>
+            </a:lvl4pPr>
+            <a:lvl5pPr marL="2057400" indent="-228600">
+              <a:defRPr b="1">
+                <a:solidFill>
+                  <a:schemeClr val="tx1"/>
+                </a:solidFill>
+                <a:latin typeface="Times New Roman" pitchFamily="18" charset="0"/>
+              </a:defRPr>
+            </a:lvl5pPr>
+            <a:lvl6pPr marL="2514600" indent="-228600" eaLnBrk="0" fontAlgn="base" hangingPunct="0">
+              <a:spcBef>
+                <a:spcPct val="0"/>
+              </a:spcBef>
+              <a:spcAft>
+                <a:spcPct val="0"/>
+              </a:spcAft>
+              <a:defRPr b="1">
+                <a:solidFill>
+                  <a:schemeClr val="tx1"/>
+                </a:solidFill>
+                <a:latin typeface="Times New Roman" pitchFamily="18" charset="0"/>
+              </a:defRPr>
+            </a:lvl6pPr>
+            <a:lvl7pPr marL="2971800" indent="-228600" eaLnBrk="0" fontAlgn="base" hangingPunct="0">
+              <a:spcBef>
+                <a:spcPct val="0"/>
+              </a:spcBef>
+              <a:spcAft>
+                <a:spcPct val="0"/>
+              </a:spcAft>
+              <a:defRPr b="1">
+                <a:solidFill>
+                  <a:schemeClr val="tx1"/>
+                </a:solidFill>
+                <a:latin typeface="Times New Roman" pitchFamily="18" charset="0"/>
+              </a:defRPr>
+            </a:lvl7pPr>
+            <a:lvl8pPr marL="3429000" indent="-228600" eaLnBrk="0" fontAlgn="base" hangingPunct="0">
+              <a:spcBef>
+                <a:spcPct val="0"/>
+              </a:spcBef>
+              <a:spcAft>
+                <a:spcPct val="0"/>
+              </a:spcAft>
+              <a:defRPr b="1">
+                <a:solidFill>
+                  <a:schemeClr val="tx1"/>
+                </a:solidFill>
+                <a:latin typeface="Times New Roman" pitchFamily="18" charset="0"/>
+              </a:defRPr>
+            </a:lvl8pPr>
+            <a:lvl9pPr marL="3886200" indent="-228600" eaLnBrk="0" fontAlgn="base" hangingPunct="0">
+              <a:spcBef>
+                <a:spcPct val="0"/>
+              </a:spcBef>
+              <a:spcAft>
+                <a:spcPct val="0"/>
+              </a:spcAft>
+              <a:defRPr b="1">
+                <a:solidFill>
+                  <a:schemeClr val="tx1"/>
+                </a:solidFill>
+                <a:latin typeface="Times New Roman" pitchFamily="18" charset="0"/>
+              </a:defRPr>
+            </a:lvl9pPr>
+          </a:lstStyle>
+          <a:p>
+            <a:fld id="{4613B7FC-F0DF-4A4B-B446-3F9F97000A73}" type="slidenum">
+              <a:rPr lang="en-US" b="0" smtClean="0">
+                <a:solidFill>
+                  <a:schemeClr val="tx2"/>
+                </a:solidFill>
+              </a:rPr>
+              <a:pPr/>
+              <a:t>21</a:t>
+            </a:fld>
+            <a:endParaRPr lang="en-US" b="0">
+              <a:solidFill>
+                <a:schemeClr val="tx2"/>
+              </a:solidFill>
+            </a:endParaRPr>
+          </a:p>
+        </p:txBody>
+      </p:sp>
+    </p:spTree>
+    <p:extLst>
+      <p:ext uri="{BB962C8B-B14F-4D97-AF65-F5344CB8AC3E}">
+        <p14:creationId xmlns:p14="http://schemas.microsoft.com/office/powerpoint/2010/main" val="1536418421"/>
+      </p:ext>
+    </p:extLst>
+  </p:cSld>
+  <p:clrMapOvr>
+    <a:masterClrMapping/>
+  </p:clrMapOvr>
+</p:sld>
+</file>
+
+<file path=ppt/slides/slide22.xml><?xml version="1.0" encoding="utf-8"?>
+<p:sld xmlns:a="http://schemas.openxmlformats.org/drawingml/2006/main" xmlns:r="http://schemas.openxmlformats.org/officeDocument/2006/relationships" xmlns:p="http://schemas.openxmlformats.org/presentationml/2006/main">
+  <p:cSld>
+    <p:spTree>
+      <p:nvGrpSpPr>
+        <p:cNvPr id="1" name=""/>
+        <p:cNvGrpSpPr/>
+        <p:nvPr/>
+      </p:nvGrpSpPr>
+      <p:grpSpPr>
+        <a:xfrm>
+          <a:off x="0" y="0"/>
+          <a:ext cx="0" cy="0"/>
+          <a:chOff x="0" y="0"/>
+          <a:chExt cx="0" cy="0"/>
+        </a:xfrm>
+      </p:grpSpPr>
+      <p:sp>
+        <p:nvSpPr>
+          <p:cNvPr id="32770" name="Title 1"/>
+          <p:cNvSpPr>
+            <a:spLocks noGrp="1"/>
+          </p:cNvSpPr>
+          <p:nvPr>
+            <p:ph type="title"/>
+          </p:nvPr>
+        </p:nvSpPr>
+        <p:spPr/>
+        <p:txBody>
+          <a:bodyPr/>
+          <a:lstStyle/>
+          <a:p>
+            <a:r>
+              <a:rPr lang="en-US" dirty="0"/>
+              <a:t>Review: Concurrency Patterns</a:t>
+            </a:r>
+          </a:p>
+        </p:txBody>
+      </p:sp>
+      <p:sp>
+        <p:nvSpPr>
+          <p:cNvPr id="32771" name="Content Placeholder 2"/>
+          <p:cNvSpPr>
+            <a:spLocks noGrp="1"/>
+          </p:cNvSpPr>
+          <p:nvPr>
+            <p:ph idx="1"/>
+          </p:nvPr>
+        </p:nvSpPr>
+        <p:spPr/>
+        <p:txBody>
+          <a:bodyPr/>
+          <a:lstStyle/>
+          <a:p>
+            <a:r>
+              <a:rPr lang="en-US" sz="2400" b="1" dirty="0"/>
+              <a:t>Active Object</a:t>
+            </a:r>
+            <a:r>
+              <a:rPr lang="en-US" sz="2400" dirty="0"/>
+              <a:t>: It decouples method execution from method invocation. The goal is to introduce </a:t>
+            </a:r>
+            <a:r>
+              <a:rPr lang="en-US" sz="2400" dirty="0">
+                <a:solidFill>
+                  <a:srgbClr val="0033CC"/>
+                </a:solidFill>
+              </a:rPr>
+              <a:t>concurrency</a:t>
+            </a:r>
+            <a:r>
+              <a:rPr lang="en-US" sz="2400" dirty="0"/>
+              <a:t>, by using asynchronous method invocation and a scheduler for handling requests.</a:t>
+            </a:r>
+          </a:p>
+          <a:p>
+            <a:r>
+              <a:rPr lang="en-US" sz="2400" b="1" dirty="0"/>
+              <a:t>Monitor:</a:t>
+            </a:r>
+            <a:r>
+              <a:rPr lang="en-US" sz="2400" dirty="0"/>
+              <a:t> It is an approach to </a:t>
+            </a:r>
+            <a:r>
+              <a:rPr lang="en-US" sz="2400" dirty="0">
+                <a:solidFill>
+                  <a:srgbClr val="0033CC"/>
+                </a:solidFill>
+              </a:rPr>
+              <a:t>synchronize</a:t>
+            </a:r>
+            <a:r>
+              <a:rPr lang="en-US" sz="2400" dirty="0"/>
+              <a:t> two or more tasks that use a shared resource, usually an object.</a:t>
+            </a:r>
+          </a:p>
+          <a:p>
+            <a:r>
+              <a:rPr lang="en-US" sz="2400" b="1" dirty="0"/>
+              <a:t>Read-Write Lock: </a:t>
+            </a:r>
+            <a:r>
+              <a:rPr lang="en-US" sz="2400" dirty="0"/>
+              <a:t>It allows concurrent read access to an object but requires exclusive access for write operations.</a:t>
+            </a:r>
+          </a:p>
+          <a:p>
+            <a:r>
+              <a:rPr lang="en-US" sz="2400" b="1" dirty="0"/>
+              <a:t>Reactor: </a:t>
+            </a:r>
+            <a:r>
+              <a:rPr lang="en-US" sz="2400" dirty="0"/>
+              <a:t>It is a concurrent programming pattern for handling service requests delivered concurrently to a service handler by one or more inputs. The service handler then </a:t>
+            </a:r>
+            <a:r>
+              <a:rPr lang="en-US" sz="2400" dirty="0">
+                <a:solidFill>
+                  <a:srgbClr val="0033CC"/>
+                </a:solidFill>
+              </a:rPr>
+              <a:t>de-multiplexes the incoming requests and dispatches them synchronously to the associated request handlers</a:t>
+            </a:r>
+            <a:r>
+              <a:rPr lang="en-US" sz="2400" dirty="0"/>
+              <a:t>.</a:t>
+            </a:r>
+          </a:p>
+        </p:txBody>
+      </p:sp>
+      <p:sp>
+        <p:nvSpPr>
+          <p:cNvPr id="32772" name="Slide Number Placeholder 3"/>
+          <p:cNvSpPr>
+            <a:spLocks noGrp="1"/>
+          </p:cNvSpPr>
+          <p:nvPr>
+            <p:ph type="sldNum" sz="quarter" idx="12"/>
+          </p:nvPr>
+        </p:nvSpPr>
+        <p:spPr>
+          <a:noFill/>
+          <a:ln/>
+          <a:extLst>
+            <a:ext uri="{909E8E84-426E-40DD-AFC4-6F175D3DCCD1}">
+              <a14:hiddenFill xmlns:a14="http://schemas.microsoft.com/office/drawing/2010/main">
+                <a:solidFill>
+                  <a:srgbClr val="FFFFFF"/>
+                </a:solidFill>
+              </a14:hiddenFill>
+            </a:ext>
+            <a:ext uri="{91240B29-F687-4F45-9708-019B960494DF}">
+              <a14:hiddenLine xmlns:a14="http://schemas.microsoft.com/office/drawing/2010/main" w="9525">
+                <a:solidFill>
+                  <a:srgbClr val="000000"/>
+                </a:solidFill>
+                <a:miter lim="800000"/>
+                <a:headEnd/>
+                <a:tailEnd/>
+              </a14:hiddenLine>
+            </a:ext>
+          </a:extLst>
+        </p:spPr>
+        <p:txBody>
+          <a:bodyPr/>
+          <a:lstStyle>
+            <a:lvl1pPr>
+              <a:defRPr b="1">
+                <a:solidFill>
+                  <a:schemeClr val="tx1"/>
+                </a:solidFill>
+                <a:latin typeface="Times New Roman" pitchFamily="18" charset="0"/>
+              </a:defRPr>
+            </a:lvl1pPr>
+            <a:lvl2pPr marL="742950" indent="-285750">
+              <a:defRPr b="1">
+                <a:solidFill>
+                  <a:schemeClr val="tx1"/>
+                </a:solidFill>
+                <a:latin typeface="Times New Roman" pitchFamily="18" charset="0"/>
+              </a:defRPr>
+            </a:lvl2pPr>
+            <a:lvl3pPr marL="1143000" indent="-228600">
+              <a:defRPr b="1">
+                <a:solidFill>
+                  <a:schemeClr val="tx1"/>
+                </a:solidFill>
+                <a:latin typeface="Times New Roman" pitchFamily="18" charset="0"/>
+              </a:defRPr>
+            </a:lvl3pPr>
+            <a:lvl4pPr marL="1600200" indent="-228600">
+              <a:defRPr b="1">
+                <a:solidFill>
+                  <a:schemeClr val="tx1"/>
+                </a:solidFill>
+                <a:latin typeface="Times New Roman" pitchFamily="18" charset="0"/>
+              </a:defRPr>
+            </a:lvl4pPr>
+            <a:lvl5pPr marL="2057400" indent="-228600">
+              <a:defRPr b="1">
+                <a:solidFill>
+                  <a:schemeClr val="tx1"/>
+                </a:solidFill>
+                <a:latin typeface="Times New Roman" pitchFamily="18" charset="0"/>
+              </a:defRPr>
+            </a:lvl5pPr>
+            <a:lvl6pPr marL="2514600" indent="-228600" eaLnBrk="0" fontAlgn="base" hangingPunct="0">
+              <a:spcBef>
+                <a:spcPct val="0"/>
+              </a:spcBef>
+              <a:spcAft>
+                <a:spcPct val="0"/>
+              </a:spcAft>
+              <a:defRPr b="1">
+                <a:solidFill>
+                  <a:schemeClr val="tx1"/>
+                </a:solidFill>
+                <a:latin typeface="Times New Roman" pitchFamily="18" charset="0"/>
+              </a:defRPr>
+            </a:lvl6pPr>
+            <a:lvl7pPr marL="2971800" indent="-228600" eaLnBrk="0" fontAlgn="base" hangingPunct="0">
+              <a:spcBef>
+                <a:spcPct val="0"/>
+              </a:spcBef>
+              <a:spcAft>
+                <a:spcPct val="0"/>
+              </a:spcAft>
+              <a:defRPr b="1">
+                <a:solidFill>
+                  <a:schemeClr val="tx1"/>
+                </a:solidFill>
+                <a:latin typeface="Times New Roman" pitchFamily="18" charset="0"/>
+              </a:defRPr>
+            </a:lvl7pPr>
+            <a:lvl8pPr marL="3429000" indent="-228600" eaLnBrk="0" fontAlgn="base" hangingPunct="0">
+              <a:spcBef>
+                <a:spcPct val="0"/>
+              </a:spcBef>
+              <a:spcAft>
+                <a:spcPct val="0"/>
+              </a:spcAft>
+              <a:defRPr b="1">
+                <a:solidFill>
+                  <a:schemeClr val="tx1"/>
+                </a:solidFill>
+                <a:latin typeface="Times New Roman" pitchFamily="18" charset="0"/>
+              </a:defRPr>
+            </a:lvl8pPr>
+            <a:lvl9pPr marL="3886200" indent="-228600" eaLnBrk="0" fontAlgn="base" hangingPunct="0">
+              <a:spcBef>
+                <a:spcPct val="0"/>
+              </a:spcBef>
+              <a:spcAft>
+                <a:spcPct val="0"/>
+              </a:spcAft>
+              <a:defRPr b="1">
+                <a:solidFill>
+                  <a:schemeClr val="tx1"/>
+                </a:solidFill>
+                <a:latin typeface="Times New Roman" pitchFamily="18" charset="0"/>
+              </a:defRPr>
+            </a:lvl9pPr>
+          </a:lstStyle>
+          <a:p>
+            <a:fld id="{9D3D4B00-6DB0-4157-95C2-BB5865771A70}" type="slidenum">
+              <a:rPr lang="en-US" b="0" smtClean="0">
+                <a:solidFill>
+                  <a:schemeClr val="tx2"/>
+                </a:solidFill>
+              </a:rPr>
+              <a:pPr/>
+              <a:t>22</a:t>
+            </a:fld>
+            <a:endParaRPr lang="en-US" b="0">
+              <a:solidFill>
+                <a:schemeClr val="tx2"/>
+              </a:solidFill>
+            </a:endParaRPr>
+          </a:p>
+        </p:txBody>
+      </p:sp>
+    </p:spTree>
+    <p:extLst>
+      <p:ext uri="{BB962C8B-B14F-4D97-AF65-F5344CB8AC3E}">
+        <p14:creationId xmlns:p14="http://schemas.microsoft.com/office/powerpoint/2010/main" val="3376698414"/>
+      </p:ext>
+    </p:extLst>
+  </p:cSld>
+  <p:clrMapOvr>
+    <a:masterClrMapping/>
+  </p:clrMapOvr>
+</p:sld>
+</file>
+
+<file path=ppt/slides/slide23.xml><?xml version="1.0" encoding="utf-8"?>
+<p:sld xmlns:a="http://schemas.openxmlformats.org/drawingml/2006/main" xmlns:r="http://schemas.openxmlformats.org/officeDocument/2006/relationships" xmlns:p="http://schemas.openxmlformats.org/presentationml/2006/main">
+  <p:cSld>
+    <p:spTree>
+      <p:nvGrpSpPr>
+        <p:cNvPr id="1" name=""/>
+        <p:cNvGrpSpPr/>
+        <p:nvPr/>
+      </p:nvGrpSpPr>
+      <p:grpSpPr>
+        <a:xfrm>
+          <a:off x="0" y="0"/>
+          <a:ext cx="0" cy="0"/>
+          <a:chOff x="0" y="0"/>
+          <a:chExt cx="0" cy="0"/>
+        </a:xfrm>
+      </p:grpSpPr>
+      <p:sp>
+        <p:nvSpPr>
+          <p:cNvPr id="4" name="Title 3"/>
+          <p:cNvSpPr>
+            <a:spLocks noGrp="1"/>
+          </p:cNvSpPr>
+          <p:nvPr>
+            <p:ph type="title"/>
+          </p:nvPr>
+        </p:nvSpPr>
+        <p:spPr/>
+        <p:txBody>
+          <a:bodyPr/>
+          <a:lstStyle/>
+          <a:p>
+            <a:r>
+              <a:rPr lang="en-US" dirty="0" smtClean="0"/>
+              <a:t>Horizontal integration of systems’ layers</a:t>
+            </a:r>
+            <a:endParaRPr lang="en-US" dirty="0"/>
+          </a:p>
+        </p:txBody>
+      </p:sp>
+      <p:sp>
+        <p:nvSpPr>
+          <p:cNvPr id="5" name="Text Placeholder 4"/>
+          <p:cNvSpPr>
+            <a:spLocks noGrp="1"/>
+          </p:cNvSpPr>
+          <p:nvPr>
+            <p:ph type="body" idx="1"/>
+          </p:nvPr>
+        </p:nvSpPr>
+        <p:spPr/>
+        <p:txBody>
+          <a:bodyPr/>
+          <a:lstStyle/>
+          <a:p>
+            <a:endParaRPr lang="en-US"/>
+          </a:p>
+        </p:txBody>
+      </p:sp>
+      <p:sp>
+        <p:nvSpPr>
+          <p:cNvPr id="2" name="Slide Number Placeholder 1"/>
+          <p:cNvSpPr>
+            <a:spLocks noGrp="1"/>
+          </p:cNvSpPr>
+          <p:nvPr>
+            <p:ph type="sldNum" sz="quarter" idx="12"/>
+          </p:nvPr>
+        </p:nvSpPr>
+        <p:spPr/>
+        <p:txBody>
+          <a:bodyPr/>
+          <a:lstStyle/>
+          <a:p>
+            <a:fld id="{B8DACC02-A2BD-4578-8E03-6D891060A695}" type="slidenum">
+              <a:rPr lang="en-US" smtClean="0"/>
+              <a:t>23</a:t>
+            </a:fld>
+            <a:endParaRPr lang="en-US"/>
+          </a:p>
+        </p:txBody>
+      </p:sp>
+    </p:spTree>
+    <p:extLst>
+      <p:ext uri="{BB962C8B-B14F-4D97-AF65-F5344CB8AC3E}">
+        <p14:creationId xmlns:p14="http://schemas.microsoft.com/office/powerpoint/2010/main" val="3018879205"/>
+      </p:ext>
+    </p:extLst>
+  </p:cSld>
+  <p:clrMapOvr>
+    <a:masterClrMapping/>
+  </p:clrMapOvr>
+</p:sld>
+</file>
+
+<file path=ppt/slides/slide24.xml><?xml version="1.0" encoding="utf-8"?>
+<p:sld xmlns:a="http://schemas.openxmlformats.org/drawingml/2006/main" xmlns:r="http://schemas.openxmlformats.org/officeDocument/2006/relationships" xmlns:p="http://schemas.openxmlformats.org/presentationml/2006/main">
+  <p:cSld>
+    <p:spTree>
+      <p:nvGrpSpPr>
+        <p:cNvPr id="1" name=""/>
+        <p:cNvGrpSpPr/>
+        <p:nvPr/>
+      </p:nvGrpSpPr>
+      <p:grpSpPr>
+        <a:xfrm>
+          <a:off x="0" y="0"/>
+          <a:ext cx="0" cy="0"/>
+          <a:chOff x="0" y="0"/>
+          <a:chExt cx="0" cy="0"/>
+        </a:xfrm>
+      </p:grpSpPr>
+      <p:sp>
+        <p:nvSpPr>
+          <p:cNvPr id="2" name="Title 1"/>
+          <p:cNvSpPr>
+            <a:spLocks noGrp="1"/>
+          </p:cNvSpPr>
+          <p:nvPr>
+            <p:ph type="title"/>
+          </p:nvPr>
+        </p:nvSpPr>
+        <p:spPr/>
+        <p:txBody>
+          <a:bodyPr/>
+          <a:lstStyle/>
+          <a:p>
+            <a:r>
+              <a:rPr lang="en-US" dirty="0" smtClean="0"/>
+              <a:t>UI layer horizontal integration</a:t>
+            </a:r>
+            <a:endParaRPr lang="en-US" dirty="0"/>
+          </a:p>
+        </p:txBody>
+      </p:sp>
+      <p:sp>
+        <p:nvSpPr>
+          <p:cNvPr id="3" name="Content Placeholder 2"/>
+          <p:cNvSpPr>
+            <a:spLocks noGrp="1"/>
+          </p:cNvSpPr>
+          <p:nvPr>
+            <p:ph idx="1"/>
+          </p:nvPr>
+        </p:nvSpPr>
+        <p:spPr/>
+        <p:txBody>
+          <a:bodyPr>
+            <a:normAutofit fontScale="85000" lnSpcReduction="20000"/>
+          </a:bodyPr>
+          <a:lstStyle/>
+          <a:p>
+            <a:r>
+              <a:rPr lang="en-US" dirty="0" smtClean="0"/>
+              <a:t>Horizontal integrations in the UI layer are increasing, driven by the trend of ‘assembling’ applications by combining ready-to-use services such as product searches, e-commerce portals, payment gateways, etc. Let’s consider this in the three typical types of UIs.</a:t>
             </a:r>
           </a:p>
           <a:p>
             <a:pPr lvl="1"/>
             <a:r>
               <a:rPr lang="en-US" dirty="0" smtClean="0"/>
-              <a:t>Data can move in raw, modified or enriched form between systems</a:t>
+              <a:t>Static Single Page Applications (SPAs) — These are simpler apps where the functionality is all contained in one page, fully served by one or more backend systems. E.g., Gmail, Google Maps, Twitter, Facebook, etc. Horizontal UI integration is less common in SPAs.</a:t>
             </a:r>
           </a:p>
           <a:p>
             <a:pPr lvl="1"/>
             <a:r>
               <a:rPr lang="en-US" dirty="0" smtClean="0"/>
-              <a:t>It can be a subset (usually) or all of the original data</a:t>
+              <a:t>Static Multi Page Applications (SMPAs) — Each page in such UIs provides a cohesive set of user functionality, e.g., an </a:t>
+            </a:r>
+            <a:r>
+              <a:rPr lang="en-US" dirty="0" err="1" smtClean="0"/>
+              <a:t>eCommerce</a:t>
+            </a:r>
+            <a:r>
+              <a:rPr lang="en-US" dirty="0" smtClean="0"/>
+              <a:t> site. There are different pages for user accounts, orders, support, etc. Each page can be quite independent of the others and connected to a separate backend server component or ‘white label’ partner systems. They are loosely integrated into one web portal or mobile app, but the look and feel is consistent across the pages.</a:t>
             </a:r>
           </a:p>
           <a:p>
             <a:pPr lvl="1"/>
             <a:r>
               <a:rPr lang="en-US" dirty="0" smtClean="0"/>
-              <a:t>Modifications or transformations can be done at the source, on the way, or in the receiving system</a:t>
-            </a:r>
-          </a:p>
-          <a:p>
-            <a:pPr lvl="1"/>
-            <a:r>
-              <a:rPr lang="en-US" dirty="0" smtClean="0"/>
-              <a:t>It can move in real-time, near real-time, or with a delay (we may also speak of this as online vs offline; or real-time vs batch)</a:t>
-            </a:r>
-          </a:p>
-          <a:p>
-            <a:pPr lvl="1"/>
-            <a:r>
-              <a:rPr lang="en-US" dirty="0" smtClean="0"/>
-              <a:t>It can be the unit or aggregated data (the latter by size or time)</a:t>
-            </a:r>
-          </a:p>
-          <a:p>
-            <a:pPr lvl="1"/>
-            <a:r>
-              <a:rPr lang="en-US" dirty="0" smtClean="0"/>
-              <a:t>Encryption, compression and security requirements</a:t>
+              <a:t>Dynamic Multi Page Applications (DMPAs) — In such applications, there is a core set of pages connected to the primary backend components, but the user tasks also traverse pages populated by systems in other domains of the same enterprise or by partners’ systems, all of which may not be ‘white label’. In such cases, the look and feel of the external pages can be a little or a lot different and change with time. It may also vary between web and mobile versions of the same task.</a:t>
+            </a:r>
+          </a:p>
+          <a:p>
+            <a:r>
+              <a:rPr lang="en-US" dirty="0" smtClean="0"/>
+              <a:t>Most of the UI layer horizontal integration is effected by the (DDD) application layer horizontal integration as below, including such designs as portals with a collection of portlets from different systems.</a:t>
             </a:r>
             <a:endParaRPr lang="en-US" dirty="0"/>
           </a:p>
@@ -6114,7 +10308,419 @@
             <a:fld id="{B8DACC02-A2BD-4578-8E03-6D891060A695}" type="slidenum">
               <a:rPr lang="en-US" smtClean="0"/>
               <a:pPr/>
-              <a:t>20</a:t>
+              <a:t>24</a:t>
+            </a:fld>
+            <a:endParaRPr lang="en-US" dirty="0"/>
+          </a:p>
+        </p:txBody>
+      </p:sp>
+    </p:spTree>
+    <p:extLst>
+      <p:ext uri="{BB962C8B-B14F-4D97-AF65-F5344CB8AC3E}">
+        <p14:creationId xmlns:p14="http://schemas.microsoft.com/office/powerpoint/2010/main" val="986470906"/>
+      </p:ext>
+    </p:extLst>
+  </p:cSld>
+  <p:clrMapOvr>
+    <a:masterClrMapping/>
+  </p:clrMapOvr>
+</p:sld>
+</file>
+
+<file path=ppt/slides/slide25.xml><?xml version="1.0" encoding="utf-8"?>
+<p:sld xmlns:a="http://schemas.openxmlformats.org/drawingml/2006/main" xmlns:r="http://schemas.openxmlformats.org/officeDocument/2006/relationships" xmlns:p="http://schemas.openxmlformats.org/presentationml/2006/main">
+  <p:cSld>
+    <p:spTree>
+      <p:nvGrpSpPr>
+        <p:cNvPr id="1" name=""/>
+        <p:cNvGrpSpPr/>
+        <p:nvPr/>
+      </p:nvGrpSpPr>
+      <p:grpSpPr>
+        <a:xfrm>
+          <a:off x="0" y="0"/>
+          <a:ext cx="0" cy="0"/>
+          <a:chOff x="0" y="0"/>
+          <a:chExt cx="0" cy="0"/>
+        </a:xfrm>
+      </p:grpSpPr>
+      <p:sp>
+        <p:nvSpPr>
+          <p:cNvPr id="2" name="Title 1"/>
+          <p:cNvSpPr>
+            <a:spLocks noGrp="1"/>
+          </p:cNvSpPr>
+          <p:nvPr>
+            <p:ph type="title"/>
+          </p:nvPr>
+        </p:nvSpPr>
+        <p:spPr/>
+        <p:txBody>
+          <a:bodyPr/>
+          <a:lstStyle/>
+          <a:p>
+            <a:r>
+              <a:rPr lang="en-US" dirty="0" smtClean="0"/>
+              <a:t>Application layer horizontal integration</a:t>
+            </a:r>
+            <a:endParaRPr lang="en-US" dirty="0"/>
+          </a:p>
+        </p:txBody>
+      </p:sp>
+      <p:sp>
+        <p:nvSpPr>
+          <p:cNvPr id="3" name="Content Placeholder 2"/>
+          <p:cNvSpPr>
+            <a:spLocks noGrp="1"/>
+          </p:cNvSpPr>
+          <p:nvPr>
+            <p:ph idx="1"/>
+          </p:nvPr>
+        </p:nvSpPr>
+        <p:spPr/>
+        <p:txBody>
+          <a:bodyPr>
+            <a:normAutofit fontScale="85000" lnSpcReduction="20000"/>
+          </a:bodyPr>
+          <a:lstStyle/>
+          <a:p>
+            <a:r>
+              <a:rPr lang="en-US" dirty="0" smtClean="0"/>
+              <a:t>Eric Evans defines the application layer for DDD as ‘Defines the jobs the software is supposed to do and expressive domain objects to work out problems. </a:t>
+            </a:r>
+          </a:p>
+          <a:p>
+            <a:r>
+              <a:rPr lang="en-US" dirty="0" smtClean="0"/>
+              <a:t>The tasks this layer is responsible for are meaningful to the business or necessary for interaction with the application layers of other systems. </a:t>
+            </a:r>
+          </a:p>
+          <a:p>
+            <a:r>
+              <a:rPr lang="en-US" dirty="0" smtClean="0"/>
+              <a:t>This layer is kept thin. It does not contain business rules or knowledge, but only coordinates tasks and delegates work to collaborations of domain objects in the next layer down. </a:t>
+            </a:r>
+          </a:p>
+          <a:p>
+            <a:r>
+              <a:rPr lang="en-US" dirty="0" smtClean="0"/>
+              <a:t>It does not have a state reflecting the business situation, but it can have a state that reflects the progress of a task for the user or the program.’</a:t>
+            </a:r>
+          </a:p>
+          <a:p>
+            <a:r>
+              <a:rPr lang="en-US" dirty="0" smtClean="0"/>
+              <a:t>By its nature, the application layer can integrate with external systems horizontally, as long as there is little or no need to prepare the data for the presentation layer or persist data as per business rules in the backend. </a:t>
+            </a:r>
+          </a:p>
+          <a:p>
+            <a:r>
+              <a:rPr lang="en-US" dirty="0" smtClean="0"/>
+              <a:t>This type of horizontal integration from the application layer (e.g., </a:t>
+            </a:r>
+            <a:r>
+              <a:rPr lang="en-US" dirty="0" err="1" smtClean="0"/>
+              <a:t>Javascript</a:t>
+            </a:r>
+            <a:r>
+              <a:rPr lang="en-US" dirty="0" smtClean="0"/>
+              <a:t> running in the browser) is increasing, driven by the trend of ‘assembling’ applications by combining ready-to-use services such as product and service catalogues, </a:t>
+            </a:r>
+            <a:r>
+              <a:rPr lang="en-US" dirty="0" err="1" smtClean="0"/>
+              <a:t>eKYC</a:t>
+            </a:r>
+            <a:r>
+              <a:rPr lang="en-US" dirty="0" smtClean="0"/>
+              <a:t>, credit checks, payment APIs, etc. An example standard for this is CORS, Cross-Origin Resource Sharing.</a:t>
+            </a:r>
+            <a:endParaRPr lang="en-US" dirty="0"/>
+          </a:p>
+        </p:txBody>
+      </p:sp>
+      <p:sp>
+        <p:nvSpPr>
+          <p:cNvPr id="4" name="Slide Number Placeholder 3"/>
+          <p:cNvSpPr>
+            <a:spLocks noGrp="1"/>
+          </p:cNvSpPr>
+          <p:nvPr>
+            <p:ph type="sldNum" sz="quarter" idx="12"/>
+          </p:nvPr>
+        </p:nvSpPr>
+        <p:spPr/>
+        <p:txBody>
+          <a:bodyPr/>
+          <a:lstStyle/>
+          <a:p>
+            <a:fld id="{B8DACC02-A2BD-4578-8E03-6D891060A695}" type="slidenum">
+              <a:rPr lang="en-US" smtClean="0"/>
+              <a:pPr/>
+              <a:t>25</a:t>
+            </a:fld>
+            <a:endParaRPr lang="en-US" dirty="0"/>
+          </a:p>
+        </p:txBody>
+      </p:sp>
+    </p:spTree>
+    <p:extLst>
+      <p:ext uri="{BB962C8B-B14F-4D97-AF65-F5344CB8AC3E}">
+        <p14:creationId xmlns:p14="http://schemas.microsoft.com/office/powerpoint/2010/main" val="751106163"/>
+      </p:ext>
+    </p:extLst>
+  </p:cSld>
+  <p:clrMapOvr>
+    <a:masterClrMapping/>
+  </p:clrMapOvr>
+</p:sld>
+</file>
+
+<file path=ppt/slides/slide26.xml><?xml version="1.0" encoding="utf-8"?>
+<p:sld xmlns:a="http://schemas.openxmlformats.org/drawingml/2006/main" xmlns:r="http://schemas.openxmlformats.org/officeDocument/2006/relationships" xmlns:p="http://schemas.openxmlformats.org/presentationml/2006/main">
+  <p:cSld>
+    <p:spTree>
+      <p:nvGrpSpPr>
+        <p:cNvPr id="1" name=""/>
+        <p:cNvGrpSpPr/>
+        <p:nvPr/>
+      </p:nvGrpSpPr>
+      <p:grpSpPr>
+        <a:xfrm>
+          <a:off x="0" y="0"/>
+          <a:ext cx="0" cy="0"/>
+          <a:chOff x="0" y="0"/>
+          <a:chExt cx="0" cy="0"/>
+        </a:xfrm>
+      </p:grpSpPr>
+      <p:sp>
+        <p:nvSpPr>
+          <p:cNvPr id="2" name="Title 1"/>
+          <p:cNvSpPr>
+            <a:spLocks noGrp="1"/>
+          </p:cNvSpPr>
+          <p:nvPr>
+            <p:ph type="title"/>
+          </p:nvPr>
+        </p:nvSpPr>
+        <p:spPr/>
+        <p:txBody>
+          <a:bodyPr/>
+          <a:lstStyle/>
+          <a:p>
+            <a:r>
+              <a:rPr lang="en-US" dirty="0" smtClean="0"/>
+              <a:t>Domain layer horizontal integration</a:t>
+            </a:r>
+            <a:endParaRPr lang="en-US" dirty="0"/>
+          </a:p>
+        </p:txBody>
+      </p:sp>
+      <p:sp>
+        <p:nvSpPr>
+          <p:cNvPr id="3" name="Content Placeholder 2"/>
+          <p:cNvSpPr>
+            <a:spLocks noGrp="1"/>
+          </p:cNvSpPr>
+          <p:nvPr>
+            <p:ph idx="1"/>
+          </p:nvPr>
+        </p:nvSpPr>
+        <p:spPr/>
+        <p:txBody>
+          <a:bodyPr/>
+          <a:lstStyle/>
+          <a:p>
+            <a:r>
+              <a:rPr lang="en-US" dirty="0" smtClean="0"/>
+              <a:t>This is still the most common horizontal integration pattern. </a:t>
+            </a:r>
+          </a:p>
+          <a:p>
+            <a:r>
+              <a:rPr lang="en-US" dirty="0" smtClean="0"/>
+              <a:t>Domain layer objects can be specifically created that primarily call out to external systems, prepare the response for the application and UI layers, and update the business state in the persistent store in the infrastructure layer. </a:t>
+            </a:r>
+          </a:p>
+          <a:p>
+            <a:r>
+              <a:rPr lang="en-US" dirty="0" smtClean="0"/>
+              <a:t>Domain-focused business objects may also need to make external calls as a part of their processing.</a:t>
+            </a:r>
+            <a:endParaRPr lang="en-US" dirty="0"/>
+          </a:p>
+        </p:txBody>
+      </p:sp>
+      <p:sp>
+        <p:nvSpPr>
+          <p:cNvPr id="4" name="Slide Number Placeholder 3"/>
+          <p:cNvSpPr>
+            <a:spLocks noGrp="1"/>
+          </p:cNvSpPr>
+          <p:nvPr>
+            <p:ph type="sldNum" sz="quarter" idx="12"/>
+          </p:nvPr>
+        </p:nvSpPr>
+        <p:spPr/>
+        <p:txBody>
+          <a:bodyPr/>
+          <a:lstStyle/>
+          <a:p>
+            <a:fld id="{B8DACC02-A2BD-4578-8E03-6D891060A695}" type="slidenum">
+              <a:rPr lang="en-US" smtClean="0"/>
+              <a:pPr/>
+              <a:t>26</a:t>
+            </a:fld>
+            <a:endParaRPr lang="en-US" dirty="0"/>
+          </a:p>
+        </p:txBody>
+      </p:sp>
+    </p:spTree>
+    <p:extLst>
+      <p:ext uri="{BB962C8B-B14F-4D97-AF65-F5344CB8AC3E}">
+        <p14:creationId xmlns:p14="http://schemas.microsoft.com/office/powerpoint/2010/main" val="2076266107"/>
+      </p:ext>
+    </p:extLst>
+  </p:cSld>
+  <p:clrMapOvr>
+    <a:masterClrMapping/>
+  </p:clrMapOvr>
+</p:sld>
+</file>
+
+<file path=ppt/slides/slide27.xml><?xml version="1.0" encoding="utf-8"?>
+<p:sld xmlns:a="http://schemas.openxmlformats.org/drawingml/2006/main" xmlns:r="http://schemas.openxmlformats.org/officeDocument/2006/relationships" xmlns:p="http://schemas.openxmlformats.org/presentationml/2006/main">
+  <p:cSld>
+    <p:spTree>
+      <p:nvGrpSpPr>
+        <p:cNvPr id="1" name=""/>
+        <p:cNvGrpSpPr/>
+        <p:nvPr/>
+      </p:nvGrpSpPr>
+      <p:grpSpPr>
+        <a:xfrm>
+          <a:off x="0" y="0"/>
+          <a:ext cx="0" cy="0"/>
+          <a:chOff x="0" y="0"/>
+          <a:chExt cx="0" cy="0"/>
+        </a:xfrm>
+      </p:grpSpPr>
+      <p:sp>
+        <p:nvSpPr>
+          <p:cNvPr id="2" name="Title 1"/>
+          <p:cNvSpPr>
+            <a:spLocks noGrp="1"/>
+          </p:cNvSpPr>
+          <p:nvPr>
+            <p:ph type="title"/>
+          </p:nvPr>
+        </p:nvSpPr>
+        <p:spPr/>
+        <p:txBody>
+          <a:bodyPr>
+            <a:normAutofit/>
+          </a:bodyPr>
+          <a:lstStyle/>
+          <a:p>
+            <a:r>
+              <a:rPr lang="en-US" sz="3600" dirty="0" smtClean="0"/>
+              <a:t>(Infrastructure) Persistence layer horizontal integration</a:t>
+            </a:r>
+            <a:endParaRPr lang="en-US" sz="3600" dirty="0"/>
+          </a:p>
+        </p:txBody>
+      </p:sp>
+      <p:sp>
+        <p:nvSpPr>
+          <p:cNvPr id="3" name="Content Placeholder 2"/>
+          <p:cNvSpPr>
+            <a:spLocks noGrp="1"/>
+          </p:cNvSpPr>
+          <p:nvPr>
+            <p:ph idx="1"/>
+          </p:nvPr>
+        </p:nvSpPr>
+        <p:spPr/>
+        <p:txBody>
+          <a:bodyPr>
+            <a:normAutofit/>
+          </a:bodyPr>
+          <a:lstStyle/>
+          <a:p>
+            <a:r>
+              <a:rPr lang="en-US" dirty="0" smtClean="0"/>
+              <a:t>Horizontal integration of persistent data repositories in the infrastructure layer is required and unavoidable. </a:t>
+            </a:r>
+          </a:p>
+          <a:p>
+            <a:r>
+              <a:rPr lang="en-US" dirty="0" smtClean="0"/>
+              <a:t>The integration architect should consider the following aspects to optimize the integration design and select the appropriate methods, protocols and technologies.</a:t>
+            </a:r>
+          </a:p>
+          <a:p>
+            <a:pPr lvl="1"/>
+            <a:r>
+              <a:rPr lang="en-US" dirty="0" smtClean="0"/>
+              <a:t>Data can move in raw, modified or enriched form between systems</a:t>
+            </a:r>
+          </a:p>
+          <a:p>
+            <a:pPr lvl="1"/>
+            <a:r>
+              <a:rPr lang="en-US" dirty="0" smtClean="0"/>
+              <a:t>It can be a subset (usually) or all of the original data</a:t>
+            </a:r>
+          </a:p>
+          <a:p>
+            <a:pPr lvl="1"/>
+            <a:r>
+              <a:rPr lang="en-US" dirty="0" smtClean="0"/>
+              <a:t>Modifications or transformations can be done at the source, on the way, or in the receiving system</a:t>
+            </a:r>
+          </a:p>
+          <a:p>
+            <a:pPr lvl="1"/>
+            <a:r>
+              <a:rPr lang="en-US" dirty="0" smtClean="0"/>
+              <a:t>It can move in real-time, near real-time, or with a delay (we may also speak of this as online vs offline; or real-time vs batch)</a:t>
+            </a:r>
+          </a:p>
+          <a:p>
+            <a:pPr lvl="1"/>
+            <a:r>
+              <a:rPr lang="en-US" dirty="0" smtClean="0"/>
+              <a:t>It can be the unit or aggregated data (the latter by size or time)</a:t>
+            </a:r>
+          </a:p>
+          <a:p>
+            <a:pPr lvl="1"/>
+            <a:r>
+              <a:rPr lang="en-US" dirty="0" smtClean="0"/>
+              <a:t>Encryption, compression and security requirements</a:t>
+            </a:r>
+            <a:endParaRPr lang="en-US" dirty="0"/>
+          </a:p>
+        </p:txBody>
+      </p:sp>
+      <p:sp>
+        <p:nvSpPr>
+          <p:cNvPr id="4" name="Slide Number Placeholder 3"/>
+          <p:cNvSpPr>
+            <a:spLocks noGrp="1"/>
+          </p:cNvSpPr>
+          <p:nvPr>
+            <p:ph type="sldNum" sz="quarter" idx="12"/>
+          </p:nvPr>
+        </p:nvSpPr>
+        <p:spPr/>
+        <p:txBody>
+          <a:bodyPr/>
+          <a:lstStyle/>
+          <a:p>
+            <a:fld id="{B8DACC02-A2BD-4578-8E03-6D891060A695}" type="slidenum">
+              <a:rPr lang="en-US" smtClean="0"/>
+              <a:pPr/>
+              <a:t>27</a:t>
             </a:fld>
             <a:endParaRPr lang="en-US" dirty="0"/>
           </a:p>
@@ -6133,7 +10739,7 @@
 </p:sld>
 </file>
 
-<file path=ppt/slides/slide21.xml><?xml version="1.0" encoding="utf-8"?>
+<file path=ppt/slides/slide28.xml><?xml version="1.0" encoding="utf-8"?>
 <p:sld xmlns:a="http://schemas.openxmlformats.org/drawingml/2006/main" xmlns:r="http://schemas.openxmlformats.org/officeDocument/2006/relationships" xmlns:p="http://schemas.openxmlformats.org/presentationml/2006/main">
   <p:cSld>
     <p:spTree>
@@ -6253,7 +10859,7 @@
             <a:fld id="{B8DACC02-A2BD-4578-8E03-6D891060A695}" type="slidenum">
               <a:rPr lang="en-US" smtClean="0"/>
               <a:pPr/>
-              <a:t>21</a:t>
+              <a:t>28</a:t>
             </a:fld>
             <a:endParaRPr lang="en-US" dirty="0"/>
           </a:p>
@@ -6272,7 +10878,7 @@
 </p:sld>
 </file>
 
-<file path=ppt/slides/slide22.xml><?xml version="1.0" encoding="utf-8"?>
+<file path=ppt/slides/slide29.xml><?xml version="1.0" encoding="utf-8"?>
 <p:sld xmlns:a="http://schemas.openxmlformats.org/drawingml/2006/main" xmlns:r="http://schemas.openxmlformats.org/officeDocument/2006/relationships" xmlns:p="http://schemas.openxmlformats.org/presentationml/2006/main">
   <p:cSld>
     <p:spTree>
@@ -6386,7 +10992,7 @@
             <a:fld id="{B8DACC02-A2BD-4578-8E03-6D891060A695}" type="slidenum">
               <a:rPr lang="en-US" smtClean="0"/>
               <a:pPr/>
-              <a:t>22</a:t>
+              <a:t>29</a:t>
             </a:fld>
             <a:endParaRPr lang="en-US" dirty="0"/>
           </a:p>
@@ -6405,7 +11011,7 @@
 </p:sld>
 </file>
 
-<file path=ppt/slides/slide23.xml><?xml version="1.0" encoding="utf-8"?>
+<file path=ppt/slides/slide3.xml><?xml version="1.0" encoding="utf-8"?>
 <p:sld xmlns:a="http://schemas.openxmlformats.org/drawingml/2006/main" xmlns:r="http://schemas.openxmlformats.org/officeDocument/2006/relationships" xmlns:p="http://schemas.openxmlformats.org/presentationml/2006/main">
   <p:cSld>
     <p:spTree>
@@ -6424,7 +11030,7 @@
       </p:grpSpPr>
       <p:sp>
         <p:nvSpPr>
-          <p:cNvPr id="2" name="Title 1"/>
+          <p:cNvPr id="4" name="Title 3"/>
           <p:cNvSpPr>
             <a:spLocks noGrp="1"/>
           </p:cNvSpPr>
@@ -6439,7 +11045,7 @@
           <a:p>
             <a:r>
               <a:rPr lang="en-US" dirty="0" smtClean="0"/>
-              <a:t>Function placement Architecture Decision</a:t>
+              <a:t>Hierarchy of enterprise integration patterns</a:t>
             </a:r>
             <a:endParaRPr lang="en-US" dirty="0"/>
           </a:p>
@@ -6447,84 +11053,26 @@
       </p:sp>
       <p:sp>
         <p:nvSpPr>
-          <p:cNvPr id="3" name="Content Placeholder 2"/>
-          <p:cNvSpPr>
-            <a:spLocks noGrp="1"/>
-          </p:cNvSpPr>
-          <p:nvPr>
-            <p:ph idx="1"/>
-          </p:nvPr>
-        </p:nvSpPr>
-        <p:spPr/>
-        <p:txBody>
-          <a:bodyPr>
-            <a:normAutofit fontScale="77500" lnSpcReduction="20000"/>
-          </a:bodyPr>
-          <a:lstStyle/>
-          <a:p>
-            <a:r>
-              <a:rPr lang="en-US" dirty="0" smtClean="0"/>
-              <a:t>Problem</a:t>
-            </a:r>
-          </a:p>
-          <a:p>
-            <a:pPr lvl="1"/>
-            <a:r>
-              <a:rPr lang="en-US" dirty="0" smtClean="0"/>
-              <a:t>how can we build backend and partner services as swarms of identical server units that grow smoothly (from a handful to scores) with the number of clients (thousands to hundreds of millions)?</a:t>
-            </a:r>
-          </a:p>
-          <a:p>
-            <a:r>
-              <a:rPr lang="en-US" dirty="0" smtClean="0"/>
-              <a:t>Architectural Thinking</a:t>
-            </a:r>
-          </a:p>
-          <a:p>
-            <a:pPr lvl="1"/>
-            <a:r>
-              <a:rPr lang="en-US" dirty="0" smtClean="0"/>
-              <a:t>If the serving systems maintain the real-time state of the user and task, the front end has to stick to the same backend until the task is completed. This wastes resources throughout the ecosystem and limits the number of clients that can be served, as well as rapid scaling up and down with the number of active clients.</a:t>
-            </a:r>
-          </a:p>
-          <a:p>
-            <a:r>
-              <a:rPr lang="en-US" dirty="0" smtClean="0"/>
-              <a:t>What if we move this real-time user and task state knowledge, utilization and management (e.g., logged in, checking out, etc.) responsibility to the UI and Application layers, relieve the domain layer in primary and partner systems from the need to have state, and let them manage only the non-real-time and offline business state (e.g., user role, inventory status, etc.) and persist it in the infrastructure layer.</a:t>
-            </a:r>
-          </a:p>
-          <a:p>
-            <a:r>
-              <a:rPr lang="en-US" dirty="0" smtClean="0"/>
-              <a:t>When we differentiate the user/task state from the business state and their real-time vs non-real-time nature in this manner, all the goodness of statelessness falls into place.</a:t>
-            </a:r>
-          </a:p>
-          <a:p>
-            <a:r>
-              <a:rPr lang="en-US" dirty="0" smtClean="0"/>
-              <a:t>Decision</a:t>
-            </a:r>
-          </a:p>
-          <a:p>
-            <a:pPr lvl="1"/>
-            <a:r>
-              <a:rPr lang="en-US" dirty="0" smtClean="0"/>
-              <a:t>Make the UI client instance the fixed or ‘sticky’ component in the ecosystem for maintaining the session and state context. </a:t>
-            </a:r>
-          </a:p>
-          <a:p>
-            <a:pPr lvl="1"/>
-            <a:r>
-              <a:rPr lang="en-US" dirty="0" smtClean="0"/>
-              <a:t>Relieve the server components and supporting ecosystem applications/services from the need to persist or be sticky through knowing or having a real-time state.</a:t>
-            </a:r>
-            <a:endParaRPr lang="en-US" dirty="0"/>
-          </a:p>
-        </p:txBody>
-      </p:sp>
-      <p:sp>
-        <p:nvSpPr>
-          <p:cNvPr id="4" name="Slide Number Placeholder 3"/>
+          <p:cNvPr id="5" name="Text Placeholder 4"/>
+          <p:cNvSpPr>
+            <a:spLocks noGrp="1"/>
+          </p:cNvSpPr>
+          <p:nvPr>
+            <p:ph type="body" idx="1"/>
+          </p:nvPr>
+        </p:nvSpPr>
+        <p:spPr/>
+        <p:txBody>
+          <a:bodyPr/>
+          <a:lstStyle/>
+          <a:p>
+            <a:endParaRPr lang="en-US"/>
+          </a:p>
+        </p:txBody>
+      </p:sp>
+      <p:sp>
+        <p:nvSpPr>
+          <p:cNvPr id="2" name="Slide Number Placeholder 1"/>
           <p:cNvSpPr>
             <a:spLocks noGrp="1"/>
           </p:cNvSpPr>
@@ -6539,17 +11087,16 @@
           <a:p>
             <a:fld id="{B8DACC02-A2BD-4578-8E03-6D891060A695}" type="slidenum">
               <a:rPr lang="en-US" smtClean="0"/>
-              <a:pPr/>
-              <a:t>23</a:t>
+              <a:t>3</a:t>
             </a:fld>
-            <a:endParaRPr lang="en-US" dirty="0"/>
+            <a:endParaRPr lang="en-US"/>
           </a:p>
         </p:txBody>
       </p:sp>
     </p:spTree>
     <p:extLst>
       <p:ext uri="{BB962C8B-B14F-4D97-AF65-F5344CB8AC3E}">
-        <p14:creationId xmlns:p14="http://schemas.microsoft.com/office/powerpoint/2010/main" val="964193174"/>
+        <p14:creationId xmlns:p14="http://schemas.microsoft.com/office/powerpoint/2010/main" val="3459381884"/>
       </p:ext>
     </p:extLst>
   </p:cSld>
@@ -6559,7 +11106,7 @@
 </p:sld>
 </file>
 
-<file path=ppt/slides/slide24.xml><?xml version="1.0" encoding="utf-8"?>
+<file path=ppt/slides/slide30.xml><?xml version="1.0" encoding="utf-8"?>
 <p:sld xmlns:a="http://schemas.openxmlformats.org/drawingml/2006/main" xmlns:r="http://schemas.openxmlformats.org/officeDocument/2006/relationships" xmlns:p="http://schemas.openxmlformats.org/presentationml/2006/main">
   <p:cSld>
     <p:spTree>
@@ -6593,7 +11140,7 @@
           <a:p>
             <a:r>
               <a:rPr lang="en-US" dirty="0" smtClean="0"/>
-              <a:t>Information repository Architecture Decision</a:t>
+              <a:t>Function placement Architecture Decision</a:t>
             </a:r>
             <a:endParaRPr lang="en-US" dirty="0"/>
           </a:p>
@@ -6612,35 +11159,67 @@
         <p:spPr/>
         <p:txBody>
           <a:bodyPr>
-            <a:normAutofit/>
+            <a:normAutofit fontScale="77500" lnSpcReduction="20000"/>
           </a:bodyPr>
           <a:lstStyle/>
           <a:p>
             <a:r>
               <a:rPr lang="en-US" dirty="0" smtClean="0"/>
-              <a:t>There are three types of information involved.</a:t>
+              <a:t>Problem</a:t>
             </a:r>
           </a:p>
           <a:p>
             <a:pPr lvl="1"/>
             <a:r>
               <a:rPr lang="en-US" dirty="0" smtClean="0"/>
-              <a:t>Real-time State information — User and task state that changes rapidly as the use case progresses, e.g., logged in, checking out, payment made, logged out, etc. This is temporary and transient information. Keep it in the client application layer (DDD term) close in memory.</a:t>
+              <a:t>how can we build backend and partner services as swarms of identical server units that grow smoothly (from a handful to scores) with the number of clients (thousands to hundreds of millions)?</a:t>
+            </a:r>
+          </a:p>
+          <a:p>
+            <a:r>
+              <a:rPr lang="en-US" dirty="0" smtClean="0"/>
+              <a:t>Architectural Thinking</a:t>
             </a:r>
           </a:p>
           <a:p>
             <a:pPr lvl="1"/>
             <a:r>
               <a:rPr lang="en-US" dirty="0" smtClean="0"/>
-              <a:t>Real-time Context information — Environmental and user information that changes less quickly with the use case, e.g., device type, OS, geolocation, anonymous or identified user, selected airline, etc. Keep this in the client application layer (DDD term) in local semi-permanent stores like cookies, etc.</a:t>
+              <a:t>If the serving systems maintain the real-time state of the user and task, the front end has to stick to the same backend until the task is completed. This wastes resources throughout the ecosystem and limits the number of clients that can be served, as well as rapid scaling up and down with the number of active clients.</a:t>
+            </a:r>
+          </a:p>
+          <a:p>
+            <a:r>
+              <a:rPr lang="en-US" dirty="0" smtClean="0"/>
+              <a:t>What if we move this real-time user and task state knowledge, utilization and management (e.g., logged in, checking out, etc.) responsibility to the UI and Application layers, relieve the domain layer in primary and partner systems from the need to have state, and let them manage only the non-real-time and offline business state (e.g., user role, inventory status, etc.) and persist it in the infrastructure layer.</a:t>
+            </a:r>
+          </a:p>
+          <a:p>
+            <a:r>
+              <a:rPr lang="en-US" dirty="0" smtClean="0"/>
+              <a:t>When we differentiate the user/task state from the business state and their real-time vs non-real-time nature in this manner, all the goodness of statelessness falls into place.</a:t>
+            </a:r>
+          </a:p>
+          <a:p>
+            <a:r>
+              <a:rPr lang="en-US" dirty="0" smtClean="0"/>
+              <a:t>Decision</a:t>
             </a:r>
           </a:p>
           <a:p>
             <a:pPr lvl="1"/>
             <a:r>
               <a:rPr lang="en-US" dirty="0" smtClean="0"/>
-              <a:t>Non-real-time &amp; Long-term Business State information — Business information that needs to be kept for minutes to years, e.g., users, accounts, profiles, orders, inventory, payments, service history, media, etc. Keep it in server-side caches, RDBMS, files, Hadoop and other appropriate storage repositories.</a:t>
-            </a:r>
+              <a:t>Make the UI client instance the fixed or ‘sticky’ component in the ecosystem for maintaining the session and state context. </a:t>
+            </a:r>
+          </a:p>
+          <a:p>
+            <a:pPr lvl="1"/>
+            <a:r>
+              <a:rPr lang="en-US" dirty="0" smtClean="0"/>
+              <a:t>Relieve the server components and supporting ecosystem applications/services from the need to persist or be sticky through knowing or having a real-time state.</a:t>
+            </a:r>
+            <a:endParaRPr lang="en-US" dirty="0"/>
           </a:p>
         </p:txBody>
       </p:sp>
@@ -6662,7 +11241,7 @@
             <a:fld id="{B8DACC02-A2BD-4578-8E03-6D891060A695}" type="slidenum">
               <a:rPr lang="en-US" smtClean="0"/>
               <a:pPr/>
-              <a:t>24</a:t>
+              <a:t>30</a:t>
             </a:fld>
             <a:endParaRPr lang="en-US" dirty="0"/>
           </a:p>
@@ -6671,7 +11250,7 @@
     </p:spTree>
     <p:extLst>
       <p:ext uri="{BB962C8B-B14F-4D97-AF65-F5344CB8AC3E}">
-        <p14:creationId xmlns:p14="http://schemas.microsoft.com/office/powerpoint/2010/main" val="1030242066"/>
+        <p14:creationId xmlns:p14="http://schemas.microsoft.com/office/powerpoint/2010/main" val="964193174"/>
       </p:ext>
     </p:extLst>
   </p:cSld>
@@ -6681,7 +11260,7 @@
 </p:sld>
 </file>
 
-<file path=ppt/slides/slide25.xml><?xml version="1.0" encoding="utf-8"?>
+<file path=ppt/slides/slide31.xml><?xml version="1.0" encoding="utf-8"?>
 <p:sld xmlns:a="http://schemas.openxmlformats.org/drawingml/2006/main" xmlns:r="http://schemas.openxmlformats.org/officeDocument/2006/relationships" xmlns:p="http://schemas.openxmlformats.org/presentationml/2006/main">
   <p:cSld>
     <p:spTree>
@@ -6740,15 +11319,29 @@
           <a:p>
             <a:r>
               <a:rPr lang="en-US" dirty="0" smtClean="0"/>
-              <a:t>So we see that the need remains for information and its storage in stateless focused architectures. Clients and caching systems write temporary data in memory or on local disk storage.</a:t>
-            </a:r>
-          </a:p>
-          <a:p>
-            <a:r>
-              <a:rPr lang="en-US" dirty="0" smtClean="0"/>
-              <a:t>And most backend and partner services store long-term data in central databases. These central databases can still be a point of availability and performance issues. Yet, the tradeoff is acceptable for its cost-effectiveness as long-term data is voluminous and cannot be replicated easily like the business logic components of the domain layer.</a:t>
-            </a:r>
-            <a:endParaRPr lang="en-US" dirty="0"/>
+              <a:t>There are three types of information involved.</a:t>
+            </a:r>
+          </a:p>
+          <a:p>
+            <a:pPr lvl="1"/>
+            <a:r>
+              <a:rPr lang="en-US" dirty="0" smtClean="0"/>
+              <a:t>Real-time State information — User and task state that changes rapidly as the use case progresses, e.g., logged in, checking out, payment made, logged out, etc. This is temporary and transient information. Keep it in the client application layer (DDD term) close in memory.</a:t>
+            </a:r>
+          </a:p>
+          <a:p>
+            <a:pPr lvl="1"/>
+            <a:r>
+              <a:rPr lang="en-US" dirty="0" smtClean="0"/>
+              <a:t>Real-time Context information — Environmental and user information that changes less quickly with the use case, e.g., device type, OS, geolocation, anonymous or identified user, selected airline, etc. Keep this in the client application layer (DDD term) in local semi-permanent stores like cookies, etc.</a:t>
+            </a:r>
+          </a:p>
+          <a:p>
+            <a:pPr lvl="1"/>
+            <a:r>
+              <a:rPr lang="en-US" dirty="0" smtClean="0"/>
+              <a:t>Non-real-time &amp; Long-term Business State information — Business information that needs to be kept for minutes to years, e.g., users, accounts, profiles, orders, inventory, payments, service history, media, etc. Keep it in server-side caches, RDBMS, files, Hadoop and other appropriate storage repositories.</a:t>
+            </a:r>
           </a:p>
         </p:txBody>
       </p:sp>
@@ -6770,7 +11363,7 @@
             <a:fld id="{B8DACC02-A2BD-4578-8E03-6D891060A695}" type="slidenum">
               <a:rPr lang="en-US" smtClean="0"/>
               <a:pPr/>
-              <a:t>25</a:t>
+              <a:t>31</a:t>
             </a:fld>
             <a:endParaRPr lang="en-US" dirty="0"/>
           </a:p>
@@ -6779,7 +11372,7 @@
     </p:spTree>
     <p:extLst>
       <p:ext uri="{BB962C8B-B14F-4D97-AF65-F5344CB8AC3E}">
-        <p14:creationId xmlns:p14="http://schemas.microsoft.com/office/powerpoint/2010/main" val="3373611388"/>
+        <p14:creationId xmlns:p14="http://schemas.microsoft.com/office/powerpoint/2010/main" val="1030242066"/>
       </p:ext>
     </p:extLst>
   </p:cSld>
@@ -6789,7 +11382,7 @@
 </p:sld>
 </file>
 
-<file path=ppt/slides/slide26.xml><?xml version="1.0" encoding="utf-8"?>
+<file path=ppt/slides/slide32.xml><?xml version="1.0" encoding="utf-8"?>
 <p:sld xmlns:a="http://schemas.openxmlformats.org/drawingml/2006/main" xmlns:r="http://schemas.openxmlformats.org/officeDocument/2006/relationships" xmlns:p="http://schemas.openxmlformats.org/presentationml/2006/main">
   <p:cSld>
     <p:spTree>
@@ -6823,7 +11416,7 @@
           <a:p>
             <a:r>
               <a:rPr lang="en-US" dirty="0" smtClean="0"/>
-              <a:t>Integration method Architecture Decision</a:t>
+              <a:t>Information repository Architecture Decision</a:t>
             </a:r>
             <a:endParaRPr lang="en-US" dirty="0"/>
           </a:p>
@@ -6848,92 +11441,13 @@
           <a:p>
             <a:r>
               <a:rPr lang="en-US" dirty="0" smtClean="0"/>
-              <a:t>Problem</a:t>
-            </a:r>
-          </a:p>
-          <a:p>
-            <a:pPr lvl="1"/>
-            <a:r>
-              <a:rPr lang="en-US" dirty="0" smtClean="0"/>
-              <a:t>(1) How should </a:t>
-            </a:r>
-            <a:r>
-              <a:rPr lang="en-US" dirty="0" err="1" smtClean="0"/>
-              <a:t>stateful</a:t>
-            </a:r>
-            <a:r>
-              <a:rPr lang="en-US" dirty="0" smtClean="0"/>
-              <a:t> clients interact with stateless </a:t>
-            </a:r>
-            <a:r>
-              <a:rPr lang="en-US" dirty="0" err="1" smtClean="0"/>
-              <a:t>backends</a:t>
-            </a:r>
-            <a:r>
-              <a:rPr lang="en-US" dirty="0" smtClean="0"/>
-              <a:t> and partner systems? </a:t>
-            </a:r>
-          </a:p>
-          <a:p>
-            <a:pPr lvl="1"/>
-            <a:r>
-              <a:rPr lang="en-US" dirty="0" smtClean="0"/>
-              <a:t>(2) How should stateless backend systems interact with other stateless systems?</a:t>
-            </a:r>
-          </a:p>
-          <a:p>
-            <a:r>
-              <a:rPr lang="en-US" dirty="0" err="1" smtClean="0"/>
-              <a:t>Stateful</a:t>
-            </a:r>
-            <a:r>
-              <a:rPr lang="en-US" dirty="0" smtClean="0"/>
-              <a:t> interaction</a:t>
-            </a:r>
-          </a:p>
-          <a:p>
-            <a:pPr lvl="1"/>
-            <a:r>
-              <a:rPr lang="en-US" dirty="0" smtClean="0"/>
-              <a:t>These interactions happen between the client application layer and backend stateless components. </a:t>
-            </a:r>
-          </a:p>
-          <a:p>
-            <a:pPr lvl="1"/>
-            <a:r>
-              <a:rPr lang="en-US" dirty="0" smtClean="0"/>
-              <a:t>State-indicating information required by the stateless domain layer backend or partner components is included in the </a:t>
-            </a:r>
-            <a:r>
-              <a:rPr lang="en-US" dirty="0" err="1" smtClean="0"/>
-              <a:t>stateful</a:t>
-            </a:r>
-            <a:r>
-              <a:rPr lang="en-US" dirty="0" smtClean="0"/>
-              <a:t> API call by the client. </a:t>
-            </a:r>
-          </a:p>
-          <a:p>
-            <a:pPr lvl="1"/>
-            <a:r>
-              <a:rPr lang="en-US" dirty="0" smtClean="0"/>
-              <a:t>For example, in the call below asking for an </a:t>
-            </a:r>
-            <a:r>
-              <a:rPr lang="en-US" dirty="0" err="1" smtClean="0"/>
-              <a:t>authorisation</a:t>
-            </a:r>
-            <a:r>
-              <a:rPr lang="en-US" dirty="0" smtClean="0"/>
-              <a:t> token, a valid authentication token is necessary and included in the form of the </a:t>
-            </a:r>
-            <a:r>
-              <a:rPr lang="en-US" dirty="0" err="1" smtClean="0"/>
-              <a:t>client_id</a:t>
-            </a:r>
-            <a:r>
-              <a:rPr lang="en-US" dirty="0" smtClean="0"/>
-              <a:t> value.</a:t>
+              <a:t>So we see that the need remains for information and its storage in stateless focused architectures. Clients and caching systems write temporary data in memory or on local disk storage.</a:t>
+            </a:r>
+          </a:p>
+          <a:p>
+            <a:r>
+              <a:rPr lang="en-US" dirty="0" smtClean="0"/>
+              <a:t>And most backend and partner services store long-term data in central databases. These central databases can still be a point of availability and performance issues. Yet, the tradeoff is acceptable for its cost-effectiveness as long-term data is voluminous and cannot be replicated easily like the business logic components of the domain layer.</a:t>
             </a:r>
             <a:endParaRPr lang="en-US" dirty="0"/>
           </a:p>
@@ -6957,7 +11471,7 @@
             <a:fld id="{B8DACC02-A2BD-4578-8E03-6D891060A695}" type="slidenum">
               <a:rPr lang="en-US" smtClean="0"/>
               <a:pPr/>
-              <a:t>26</a:t>
+              <a:t>32</a:t>
             </a:fld>
             <a:endParaRPr lang="en-US" dirty="0"/>
           </a:p>
@@ -6966,7 +11480,7 @@
     </p:spTree>
     <p:extLst>
       <p:ext uri="{BB962C8B-B14F-4D97-AF65-F5344CB8AC3E}">
-        <p14:creationId xmlns:p14="http://schemas.microsoft.com/office/powerpoint/2010/main" val="694370424"/>
+        <p14:creationId xmlns:p14="http://schemas.microsoft.com/office/powerpoint/2010/main" val="3373611388"/>
       </p:ext>
     </p:extLst>
   </p:cSld>
@@ -6976,7 +11490,7 @@
 </p:sld>
 </file>
 
-<file path=ppt/slides/slide27.xml><?xml version="1.0" encoding="utf-8"?>
+<file path=ppt/slides/slide33.xml><?xml version="1.0" encoding="utf-8"?>
 <p:sld xmlns:a="http://schemas.openxmlformats.org/drawingml/2006/main" xmlns:r="http://schemas.openxmlformats.org/officeDocument/2006/relationships" xmlns:p="http://schemas.openxmlformats.org/presentationml/2006/main">
   <p:cSld>
     <p:spTree>
@@ -7035,65 +11549,92 @@
           <a:p>
             <a:r>
               <a:rPr lang="en-US" dirty="0" smtClean="0"/>
-              <a:t>Stateless interaction</a:t>
+              <a:t>Problem</a:t>
             </a:r>
           </a:p>
           <a:p>
             <a:pPr lvl="1"/>
             <a:r>
               <a:rPr lang="en-US" dirty="0" smtClean="0"/>
-              <a:t>In the DDD domain layer, components interact </a:t>
+              <a:t>(1) How should </a:t>
             </a:r>
             <a:r>
               <a:rPr lang="en-US" dirty="0" err="1" smtClean="0"/>
-              <a:t>statelessly</a:t>
-            </a:r>
-            <a:r>
-              <a:rPr lang="en-US" dirty="0" smtClean="0"/>
-              <a:t> with components in other domains and external systems. </a:t>
+              <a:t>stateful</a:t>
+            </a:r>
+            <a:r>
+              <a:rPr lang="en-US" dirty="0" smtClean="0"/>
+              <a:t> clients interact with stateless </a:t>
+            </a:r>
+            <a:r>
+              <a:rPr lang="en-US" dirty="0" err="1" smtClean="0"/>
+              <a:t>backends</a:t>
+            </a:r>
+            <a:r>
+              <a:rPr lang="en-US" dirty="0" smtClean="0"/>
+              <a:t> and partner systems? </a:t>
             </a:r>
           </a:p>
           <a:p>
             <a:pPr lvl="1"/>
             <a:r>
               <a:rPr lang="en-US" dirty="0" smtClean="0"/>
-              <a:t>Based on requests from the client application layer, information is acquired by client components from server components in the form of </a:t>
-            </a:r>
+              <a:t>(2) How should stateless backend systems interact with other stateless systems?</a:t>
+            </a:r>
+          </a:p>
+          <a:p>
             <a:r>
               <a:rPr lang="en-US" dirty="0" err="1" smtClean="0"/>
-              <a:t>HyperMedia</a:t>
-            </a:r>
-            <a:r>
-              <a:rPr lang="en-US" dirty="0" smtClean="0"/>
-              <a:t> resources that comprise information and hyperlinks for further action choices.</a:t>
+              <a:t>Stateful</a:t>
+            </a:r>
+            <a:r>
+              <a:rPr lang="en-US" dirty="0" smtClean="0"/>
+              <a:t> interaction</a:t>
             </a:r>
           </a:p>
           <a:p>
             <a:pPr lvl="1"/>
             <a:r>
               <a:rPr lang="en-US" dirty="0" smtClean="0"/>
-              <a:t> The information and choices are then returned to the client (DDD application and UI layers) for presentation and next steps.</a:t>
+              <a:t>These interactions happen between the client application layer and backend stateless components. </a:t>
             </a:r>
           </a:p>
           <a:p>
             <a:pPr lvl="1"/>
             <a:r>
               <a:rPr lang="en-US" dirty="0" smtClean="0"/>
-              <a:t>Here is an example of a request and a stateless RESTful response with information and valid next-state action URI options. </a:t>
+              <a:t>State-indicating information required by the stateless domain layer backend or partner components is included in the </a:t>
+            </a:r>
+            <a:r>
+              <a:rPr lang="en-US" dirty="0" err="1" smtClean="0"/>
+              <a:t>stateful</a:t>
+            </a:r>
+            <a:r>
+              <a:rPr lang="en-US" dirty="0" smtClean="0"/>
+              <a:t> API call by the client. </a:t>
             </a:r>
           </a:p>
           <a:p>
             <a:pPr lvl="1"/>
             <a:r>
               <a:rPr lang="en-US" dirty="0" smtClean="0"/>
-              <a:t>It shows the essence of the ‘representation’ and ‘state-transfer’ information that becomes information and action choices in the UI through the application layer. </a:t>
-            </a:r>
-          </a:p>
-          <a:p>
-            <a:pPr lvl="1"/>
-            <a:r>
-              <a:rPr lang="en-US" dirty="0" smtClean="0"/>
-              <a:t>This is the REST architecture pattern’s Hypermedia as the Engine of Application State (HATEOAS) design.</a:t>
+              <a:t>For example, in the call below asking for an </a:t>
+            </a:r>
+            <a:r>
+              <a:rPr lang="en-US" dirty="0" err="1" smtClean="0"/>
+              <a:t>authorisation</a:t>
+            </a:r>
+            <a:r>
+              <a:rPr lang="en-US" dirty="0" smtClean="0"/>
+              <a:t> token, a valid authentication token is necessary and included in the form of the </a:t>
+            </a:r>
+            <a:r>
+              <a:rPr lang="en-US" dirty="0" err="1" smtClean="0"/>
+              <a:t>client_id</a:t>
+            </a:r>
+            <a:r>
+              <a:rPr lang="en-US" dirty="0" smtClean="0"/>
+              <a:t> value.</a:t>
             </a:r>
             <a:endParaRPr lang="en-US" dirty="0"/>
           </a:p>
@@ -7117,7 +11658,7 @@
             <a:fld id="{B8DACC02-A2BD-4578-8E03-6D891060A695}" type="slidenum">
               <a:rPr lang="en-US" smtClean="0"/>
               <a:pPr/>
-              <a:t>27</a:t>
+              <a:t>33</a:t>
             </a:fld>
             <a:endParaRPr lang="en-US" dirty="0"/>
           </a:p>
@@ -7126,7 +11667,7 @@
     </p:spTree>
     <p:extLst>
       <p:ext uri="{BB962C8B-B14F-4D97-AF65-F5344CB8AC3E}">
-        <p14:creationId xmlns:p14="http://schemas.microsoft.com/office/powerpoint/2010/main" val="979818723"/>
+        <p14:creationId xmlns:p14="http://schemas.microsoft.com/office/powerpoint/2010/main" val="694370424"/>
       </p:ext>
     </p:extLst>
   </p:cSld>
@@ -7136,7 +11677,7 @@
 </p:sld>
 </file>
 
-<file path=ppt/slides/slide28.xml><?xml version="1.0" encoding="utf-8"?>
+<file path=ppt/slides/slide34.xml><?xml version="1.0" encoding="utf-8"?>
 <p:sld xmlns:a="http://schemas.openxmlformats.org/drawingml/2006/main" xmlns:r="http://schemas.openxmlformats.org/officeDocument/2006/relationships" xmlns:p="http://schemas.openxmlformats.org/presentationml/2006/main">
   <p:cSld>
     <p:spTree>
@@ -7195,22 +11736,67 @@
           <a:p>
             <a:r>
               <a:rPr lang="en-US" dirty="0" smtClean="0"/>
-              <a:t>Event-Driven Architecture’s integration aspect is essentially a variation of the publish-subscribe integration pattern that supports the asynchronous use of the REST model, which is essential in most large digital solutions. </a:t>
-            </a:r>
-          </a:p>
-          <a:p>
-            <a:r>
-              <a:rPr lang="en-US" dirty="0" smtClean="0"/>
-              <a:t>The key aspects of EDA are: Differentiating events from notifications and topics, pushing rather than polling/pulling changes, cataloguing events, classifying sync/</a:t>
+              <a:t>Stateless interaction</a:t>
+            </a:r>
+          </a:p>
+          <a:p>
+            <a:pPr lvl="1"/>
+            <a:r>
+              <a:rPr lang="en-US" dirty="0" smtClean="0"/>
+              <a:t>In the DDD domain layer, components interact </a:t>
             </a:r>
             <a:r>
               <a:rPr lang="en-US" dirty="0" err="1" smtClean="0"/>
-              <a:t>async</a:t>
-            </a:r>
-            <a:r>
-              <a:rPr lang="en-US" dirty="0" smtClean="0"/>
-              <a:t> interactions, refactoring apps to publish/subscribe, Domain-Driven Ubiquitous language for topic semantics, event brokers, event meshes, and preference for choreography over orchestration. </a:t>
-            </a:r>
+              <a:t>statelessly</a:t>
+            </a:r>
+            <a:r>
+              <a:rPr lang="en-US" dirty="0" smtClean="0"/>
+              <a:t> with components in other domains and external systems. </a:t>
+            </a:r>
+          </a:p>
+          <a:p>
+            <a:pPr lvl="1"/>
+            <a:r>
+              <a:rPr lang="en-US" dirty="0" smtClean="0"/>
+              <a:t>Based on requests from the client application layer, information is acquired by client components from server components in the form of </a:t>
+            </a:r>
+            <a:r>
+              <a:rPr lang="en-US" dirty="0" err="1" smtClean="0"/>
+              <a:t>HyperMedia</a:t>
+            </a:r>
+            <a:r>
+              <a:rPr lang="en-US" dirty="0" smtClean="0"/>
+              <a:t> resources that comprise information and hyperlinks for further action choices.</a:t>
+            </a:r>
+          </a:p>
+          <a:p>
+            <a:pPr lvl="1"/>
+            <a:r>
+              <a:rPr lang="en-US" dirty="0" smtClean="0"/>
+              <a:t> The information and choices are then returned to the client (DDD application and UI layers) for presentation and next steps.</a:t>
+            </a:r>
+          </a:p>
+          <a:p>
+            <a:pPr lvl="1"/>
+            <a:r>
+              <a:rPr lang="en-US" dirty="0" smtClean="0"/>
+              <a:t>Here is an example of a request and a stateless RESTful response with information and valid next-state action URI options. </a:t>
+            </a:r>
+          </a:p>
+          <a:p>
+            <a:pPr lvl="1"/>
+            <a:r>
+              <a:rPr lang="en-US" dirty="0" smtClean="0"/>
+              <a:t>It shows the essence of the ‘representation’ and ‘state-transfer’ information that becomes information and action choices in the UI through the application layer. </a:t>
+            </a:r>
+          </a:p>
+          <a:p>
+            <a:pPr lvl="1"/>
+            <a:r>
+              <a:rPr lang="en-US" dirty="0" smtClean="0"/>
+              <a:t>This is the REST architecture pattern’s Hypermedia as the Engine of Application State (HATEOAS) design.</a:t>
+            </a:r>
+            <a:endParaRPr lang="en-US" dirty="0"/>
           </a:p>
         </p:txBody>
       </p:sp>
@@ -7232,7 +11818,122 @@
             <a:fld id="{B8DACC02-A2BD-4578-8E03-6D891060A695}" type="slidenum">
               <a:rPr lang="en-US" smtClean="0"/>
               <a:pPr/>
-              <a:t>28</a:t>
+              <a:t>34</a:t>
+            </a:fld>
+            <a:endParaRPr lang="en-US" dirty="0"/>
+          </a:p>
+        </p:txBody>
+      </p:sp>
+    </p:spTree>
+    <p:extLst>
+      <p:ext uri="{BB962C8B-B14F-4D97-AF65-F5344CB8AC3E}">
+        <p14:creationId xmlns:p14="http://schemas.microsoft.com/office/powerpoint/2010/main" val="979818723"/>
+      </p:ext>
+    </p:extLst>
+  </p:cSld>
+  <p:clrMapOvr>
+    <a:masterClrMapping/>
+  </p:clrMapOvr>
+</p:sld>
+</file>
+
+<file path=ppt/slides/slide35.xml><?xml version="1.0" encoding="utf-8"?>
+<p:sld xmlns:a="http://schemas.openxmlformats.org/drawingml/2006/main" xmlns:r="http://schemas.openxmlformats.org/officeDocument/2006/relationships" xmlns:p="http://schemas.openxmlformats.org/presentationml/2006/main">
+  <p:cSld>
+    <p:spTree>
+      <p:nvGrpSpPr>
+        <p:cNvPr id="1" name=""/>
+        <p:cNvGrpSpPr/>
+        <p:nvPr/>
+      </p:nvGrpSpPr>
+      <p:grpSpPr>
+        <a:xfrm>
+          <a:off x="0" y="0"/>
+          <a:ext cx="0" cy="0"/>
+          <a:chOff x="0" y="0"/>
+          <a:chExt cx="0" cy="0"/>
+        </a:xfrm>
+      </p:grpSpPr>
+      <p:sp>
+        <p:nvSpPr>
+          <p:cNvPr id="2" name="Title 1"/>
+          <p:cNvSpPr>
+            <a:spLocks noGrp="1"/>
+          </p:cNvSpPr>
+          <p:nvPr>
+            <p:ph type="title"/>
+          </p:nvPr>
+        </p:nvSpPr>
+        <p:spPr/>
+        <p:txBody>
+          <a:bodyPr/>
+          <a:lstStyle/>
+          <a:p>
+            <a:r>
+              <a:rPr lang="en-US" dirty="0" smtClean="0"/>
+              <a:t>Integration method Architecture Decision</a:t>
+            </a:r>
+            <a:endParaRPr lang="en-US" dirty="0"/>
+          </a:p>
+        </p:txBody>
+      </p:sp>
+      <p:sp>
+        <p:nvSpPr>
+          <p:cNvPr id="3" name="Content Placeholder 2"/>
+          <p:cNvSpPr>
+            <a:spLocks noGrp="1"/>
+          </p:cNvSpPr>
+          <p:nvPr>
+            <p:ph idx="1"/>
+          </p:nvPr>
+        </p:nvSpPr>
+        <p:spPr/>
+        <p:txBody>
+          <a:bodyPr>
+            <a:normAutofit/>
+          </a:bodyPr>
+          <a:lstStyle/>
+          <a:p>
+            <a:r>
+              <a:rPr lang="en-US" dirty="0" smtClean="0"/>
+              <a:t>Event-Driven Architecture’s integration aspect is essentially a variation of the publish-subscribe integration pattern that supports the asynchronous use of the REST model, which is essential in most large digital solutions. </a:t>
+            </a:r>
+          </a:p>
+          <a:p>
+            <a:r>
+              <a:rPr lang="en-US" dirty="0" smtClean="0"/>
+              <a:t>The key aspects of EDA are: Differentiating events from notifications and topics, pushing rather than polling/pulling changes, cataloguing events, classifying sync/</a:t>
+            </a:r>
+            <a:r>
+              <a:rPr lang="en-US" dirty="0" err="1" smtClean="0"/>
+              <a:t>async</a:t>
+            </a:r>
+            <a:r>
+              <a:rPr lang="en-US" dirty="0" smtClean="0"/>
+              <a:t> interactions, refactoring apps to publish/subscribe, Domain-Driven Ubiquitous language for topic semantics, event brokers, event meshes, and preference for choreography over orchestration. </a:t>
+            </a:r>
+          </a:p>
+        </p:txBody>
+      </p:sp>
+      <p:sp>
+        <p:nvSpPr>
+          <p:cNvPr id="4" name="Slide Number Placeholder 3"/>
+          <p:cNvSpPr>
+            <a:spLocks noGrp="1"/>
+          </p:cNvSpPr>
+          <p:nvPr>
+            <p:ph type="sldNum" sz="quarter" idx="12"/>
+          </p:nvPr>
+        </p:nvSpPr>
+        <p:spPr/>
+        <p:txBody>
+          <a:bodyPr/>
+          <a:lstStyle/>
+          <a:p>
+            <a:fld id="{B8DACC02-A2BD-4578-8E03-6D891060A695}" type="slidenum">
+              <a:rPr lang="en-US" smtClean="0"/>
+              <a:pPr/>
+              <a:t>35</a:t>
             </a:fld>
             <a:endParaRPr lang="en-US" dirty="0"/>
           </a:p>
@@ -7251,7 +11952,7 @@
 </p:sld>
 </file>
 
-<file path=ppt/slides/slide29.xml><?xml version="1.0" encoding="utf-8"?>
+<file path=ppt/slides/slide36.xml><?xml version="1.0" encoding="utf-8"?>
 <p:sld xmlns:a="http://schemas.openxmlformats.org/drawingml/2006/main" xmlns:r="http://schemas.openxmlformats.org/officeDocument/2006/relationships" xmlns:p="http://schemas.openxmlformats.org/presentationml/2006/main">
   <p:cSld>
     <p:spTree>
@@ -7374,7 +12075,7 @@
             <a:fld id="{B8DACC02-A2BD-4578-8E03-6D891060A695}" type="slidenum">
               <a:rPr lang="en-US" smtClean="0"/>
               <a:pPr/>
-              <a:t>29</a:t>
+              <a:t>36</a:t>
             </a:fld>
             <a:endParaRPr lang="en-US" dirty="0"/>
           </a:p>
@@ -7393,102 +12094,7 @@
 </p:sld>
 </file>
 
-<file path=ppt/slides/slide3.xml><?xml version="1.0" encoding="utf-8"?>
-<p:sld xmlns:a="http://schemas.openxmlformats.org/drawingml/2006/main" xmlns:r="http://schemas.openxmlformats.org/officeDocument/2006/relationships" xmlns:p="http://schemas.openxmlformats.org/presentationml/2006/main">
-  <p:cSld>
-    <p:spTree>
-      <p:nvGrpSpPr>
-        <p:cNvPr id="1" name=""/>
-        <p:cNvGrpSpPr/>
-        <p:nvPr/>
-      </p:nvGrpSpPr>
-      <p:grpSpPr>
-        <a:xfrm>
-          <a:off x="0" y="0"/>
-          <a:ext cx="0" cy="0"/>
-          <a:chOff x="0" y="0"/>
-          <a:chExt cx="0" cy="0"/>
-        </a:xfrm>
-      </p:grpSpPr>
-      <p:sp>
-        <p:nvSpPr>
-          <p:cNvPr id="4" name="Title 3"/>
-          <p:cNvSpPr>
-            <a:spLocks noGrp="1"/>
-          </p:cNvSpPr>
-          <p:nvPr>
-            <p:ph type="title"/>
-          </p:nvPr>
-        </p:nvSpPr>
-        <p:spPr/>
-        <p:txBody>
-          <a:bodyPr/>
-          <a:lstStyle/>
-          <a:p>
-            <a:r>
-              <a:rPr lang="en-US" dirty="0" smtClean="0"/>
-              <a:t>Hierarchy of enterprise integration patterns</a:t>
-            </a:r>
-            <a:endParaRPr lang="en-US" dirty="0"/>
-          </a:p>
-        </p:txBody>
-      </p:sp>
-      <p:sp>
-        <p:nvSpPr>
-          <p:cNvPr id="5" name="Text Placeholder 4"/>
-          <p:cNvSpPr>
-            <a:spLocks noGrp="1"/>
-          </p:cNvSpPr>
-          <p:nvPr>
-            <p:ph type="body" idx="1"/>
-          </p:nvPr>
-        </p:nvSpPr>
-        <p:spPr/>
-        <p:txBody>
-          <a:bodyPr/>
-          <a:lstStyle/>
-          <a:p>
-            <a:endParaRPr lang="en-US"/>
-          </a:p>
-        </p:txBody>
-      </p:sp>
-      <p:sp>
-        <p:nvSpPr>
-          <p:cNvPr id="2" name="Slide Number Placeholder 1"/>
-          <p:cNvSpPr>
-            <a:spLocks noGrp="1"/>
-          </p:cNvSpPr>
-          <p:nvPr>
-            <p:ph type="sldNum" sz="quarter" idx="12"/>
-          </p:nvPr>
-        </p:nvSpPr>
-        <p:spPr/>
-        <p:txBody>
-          <a:bodyPr/>
-          <a:lstStyle/>
-          <a:p>
-            <a:fld id="{B8DACC02-A2BD-4578-8E03-6D891060A695}" type="slidenum">
-              <a:rPr lang="en-US" smtClean="0"/>
-              <a:t>3</a:t>
-            </a:fld>
-            <a:endParaRPr lang="en-US"/>
-          </a:p>
-        </p:txBody>
-      </p:sp>
-    </p:spTree>
-    <p:extLst>
-      <p:ext uri="{BB962C8B-B14F-4D97-AF65-F5344CB8AC3E}">
-        <p14:creationId xmlns:p14="http://schemas.microsoft.com/office/powerpoint/2010/main" val="3459381884"/>
-      </p:ext>
-    </p:extLst>
-  </p:cSld>
-  <p:clrMapOvr>
-    <a:masterClrMapping/>
-  </p:clrMapOvr>
-</p:sld>
-</file>
-
-<file path=ppt/slides/slide30.xml><?xml version="1.0" encoding="utf-8"?>
+<file path=ppt/slides/slide37.xml><?xml version="1.0" encoding="utf-8"?>
 <p:sld xmlns:a="http://schemas.openxmlformats.org/drawingml/2006/main" xmlns:r="http://schemas.openxmlformats.org/officeDocument/2006/relationships" xmlns:p="http://schemas.openxmlformats.org/presentationml/2006/main">
   <p:cSld>
     <p:spTree>
@@ -7611,7 +12217,7 @@
             <a:fld id="{B8DACC02-A2BD-4578-8E03-6D891060A695}" type="slidenum">
               <a:rPr lang="en-US" smtClean="0"/>
               <a:pPr/>
-              <a:t>30</a:t>
+              <a:t>37</a:t>
             </a:fld>
             <a:endParaRPr lang="en-US" dirty="0"/>
           </a:p>
@@ -7630,7 +12236,7 @@
 </p:sld>
 </file>
 
-<file path=ppt/slides/slide31.xml><?xml version="1.0" encoding="utf-8"?>
+<file path=ppt/slides/slide38.xml><?xml version="1.0" encoding="utf-8"?>
 <p:sld xmlns:a="http://schemas.openxmlformats.org/drawingml/2006/main" xmlns:r="http://schemas.openxmlformats.org/officeDocument/2006/relationships" xmlns:p="http://schemas.openxmlformats.org/presentationml/2006/main">
   <p:cSld>
     <p:spTree>
@@ -7706,7 +12312,7 @@
           <a:p>
             <a:fld id="{B8DACC02-A2BD-4578-8E03-6D891060A695}" type="slidenum">
               <a:rPr lang="en-US" smtClean="0"/>
-              <a:t>31</a:t>
+              <a:t>38</a:t>
             </a:fld>
             <a:endParaRPr lang="en-US"/>
           </a:p>
@@ -7725,7 +12331,7 @@
 </p:sld>
 </file>
 
-<file path=ppt/slides/slide32.xml><?xml version="1.0" encoding="utf-8"?>
+<file path=ppt/slides/slide39.xml><?xml version="1.0" encoding="utf-8"?>
 <p:sld xmlns:a="http://schemas.openxmlformats.org/drawingml/2006/main" xmlns:r="http://schemas.openxmlformats.org/officeDocument/2006/relationships" xmlns:p="http://schemas.openxmlformats.org/presentationml/2006/main">
   <p:cSld>
     <p:spTree>
@@ -7827,7 +12433,7 @@
             <a:fld id="{B8DACC02-A2BD-4578-8E03-6D891060A695}" type="slidenum">
               <a:rPr lang="en-US" smtClean="0"/>
               <a:pPr/>
-              <a:t>32</a:t>
+              <a:t>39</a:t>
             </a:fld>
             <a:endParaRPr lang="en-US" dirty="0"/>
           </a:p>
@@ -7846,7 +12452,7 @@
 </p:sld>
 </file>
 
-<file path=ppt/slides/slide33.xml><?xml version="1.0" encoding="utf-8"?>
+<file path=ppt/slides/slide4.xml><?xml version="1.0" encoding="utf-8"?>
 <p:sld xmlns:a="http://schemas.openxmlformats.org/drawingml/2006/main" xmlns:r="http://schemas.openxmlformats.org/officeDocument/2006/relationships" xmlns:p="http://schemas.openxmlformats.org/presentationml/2006/main">
   <p:cSld>
     <p:spTree>
@@ -7880,7 +12486,7 @@
           <a:p>
             <a:r>
               <a:rPr lang="en-US" dirty="0" smtClean="0"/>
-              <a:t>Integration Security Patterns</a:t>
+              <a:t>Hierarchy of enterprise integration patterns</a:t>
             </a:r>
             <a:endParaRPr lang="en-US" dirty="0"/>
           </a:p>
@@ -7898,69 +12504,54 @@
         </p:nvSpPr>
         <p:spPr/>
         <p:txBody>
-          <a:bodyPr>
-            <a:normAutofit/>
-          </a:bodyPr>
-          <a:lstStyle/>
-          <a:p>
-            <a:r>
-              <a:rPr lang="en-US" dirty="0" smtClean="0"/>
-              <a:t>When people or systems communicate, we need to assure them of five things:</a:t>
-            </a:r>
-          </a:p>
-          <a:p>
-            <a:pPr marL="914400" lvl="1" indent="-457200">
-              <a:buFont typeface="+mj-lt"/>
-              <a:buAutoNum type="arabicPeriod"/>
-            </a:pPr>
-            <a:r>
-              <a:rPr lang="en-US" dirty="0" smtClean="0"/>
-              <a:t>They cannot be overheard or spied on (privacy, provided by private networks and encryption)</a:t>
-            </a:r>
-          </a:p>
-          <a:p>
-            <a:pPr marL="914400" lvl="1" indent="-457200">
-              <a:buFont typeface="+mj-lt"/>
-              <a:buAutoNum type="arabicPeriod"/>
-            </a:pPr>
-            <a:r>
-              <a:rPr lang="en-US" dirty="0" smtClean="0"/>
-              <a:t>They are talking to a person or system they know (authentication, provided by 1/2/3 factors)</a:t>
-            </a:r>
-          </a:p>
-          <a:p>
-            <a:pPr marL="914400" lvl="1" indent="-457200">
-              <a:buFont typeface="+mj-lt"/>
-              <a:buAutoNum type="arabicPeriod"/>
-            </a:pPr>
-            <a:r>
-              <a:rPr lang="en-US" dirty="0" smtClean="0"/>
-              <a:t>The person or system has a right to the information or action requested (authorization, provided by roles)</a:t>
-            </a:r>
-          </a:p>
-          <a:p>
-            <a:pPr marL="914400" lvl="1" indent="-457200">
-              <a:buFont typeface="+mj-lt"/>
-              <a:buAutoNum type="arabicPeriod"/>
-            </a:pPr>
-            <a:r>
-              <a:rPr lang="en-US" dirty="0" smtClean="0"/>
-              <a:t>If something goes wrong, it can be investigated (non-repudiation and other details provided by accounting)</a:t>
-            </a:r>
-          </a:p>
-          <a:p>
-            <a:pPr marL="914400" lvl="1" indent="-457200">
-              <a:buFont typeface="+mj-lt"/>
-              <a:buAutoNum type="arabicPeriod"/>
-            </a:pPr>
-            <a:r>
-              <a:rPr lang="en-US" dirty="0" smtClean="0"/>
-              <a:t>Attacks are prevented or withstood while communicating (protection against various types of threats)</a:t>
-            </a:r>
-            <a:endParaRPr lang="en-US" dirty="0"/>
-          </a:p>
-        </p:txBody>
-      </p:sp>
+          <a:bodyPr/>
+          <a:lstStyle/>
+          <a:p>
+            <a:endParaRPr lang="en-US"/>
+          </a:p>
+        </p:txBody>
+      </p:sp>
+      <p:pic>
+        <p:nvPicPr>
+          <p:cNvPr id="1026" name="Picture 2" descr="https://miro.medium.com/v2/resize:fit:700/1*3RtjdjHqylQ18CN8N9WmGw.png"/>
+          <p:cNvPicPr>
+            <a:picLocks noChangeAspect="1" noChangeArrowheads="1"/>
+          </p:cNvPicPr>
+          <p:nvPr/>
+        </p:nvPicPr>
+        <p:blipFill>
+          <a:blip r:embed="rId2">
+            <a:extLst>
+              <a:ext uri="{28A0092B-C50C-407E-A947-70E740481C1C}">
+                <a14:useLocalDpi xmlns:a14="http://schemas.microsoft.com/office/drawing/2010/main" val="0"/>
+              </a:ext>
+            </a:extLst>
+          </a:blip>
+          <a:srcRect/>
+          <a:stretch>
+            <a:fillRect/>
+          </a:stretch>
+        </p:blipFill>
+        <p:spPr bwMode="auto">
+          <a:xfrm>
+            <a:off x="3052428" y="1215987"/>
+            <a:ext cx="6667500" cy="5029201"/>
+          </a:xfrm>
+          <a:prstGeom prst="rect">
+            <a:avLst/>
+          </a:prstGeom>
+          <a:noFill/>
+          <a:extLst>
+            <a:ext uri="{909E8E84-426E-40DD-AFC4-6F175D3DCCD1}">
+              <a14:hiddenFill xmlns:a14="http://schemas.microsoft.com/office/drawing/2010/main">
+                <a:solidFill>
+                  <a:srgbClr val="FFFFFF"/>
+                </a:solidFill>
+              </a14:hiddenFill>
+            </a:ext>
+          </a:extLst>
+        </p:spPr>
+      </p:pic>
       <p:sp>
         <p:nvSpPr>
           <p:cNvPr id="4" name="Slide Number Placeholder 3"/>
@@ -7979,7 +12570,7 @@
             <a:fld id="{B8DACC02-A2BD-4578-8E03-6D891060A695}" type="slidenum">
               <a:rPr lang="en-US" smtClean="0"/>
               <a:pPr/>
-              <a:t>33</a:t>
+              <a:t>4</a:t>
             </a:fld>
             <a:endParaRPr lang="en-US" dirty="0"/>
           </a:p>
@@ -7988,7 +12579,7 @@
     </p:spTree>
     <p:extLst>
       <p:ext uri="{BB962C8B-B14F-4D97-AF65-F5344CB8AC3E}">
-        <p14:creationId xmlns:p14="http://schemas.microsoft.com/office/powerpoint/2010/main" val="78955012"/>
+        <p14:creationId xmlns:p14="http://schemas.microsoft.com/office/powerpoint/2010/main" val="65759134"/>
       </p:ext>
     </p:extLst>
   </p:cSld>
@@ -7998,7 +12589,7 @@
 </p:sld>
 </file>
 
-<file path=ppt/slides/slide34.xml><?xml version="1.0" encoding="utf-8"?>
+<file path=ppt/slides/slide40.xml><?xml version="1.0" encoding="utf-8"?>
 <p:sld xmlns:a="http://schemas.openxmlformats.org/drawingml/2006/main" xmlns:r="http://schemas.openxmlformats.org/officeDocument/2006/relationships" xmlns:p="http://schemas.openxmlformats.org/presentationml/2006/main">
   <p:cSld>
     <p:spTree>
@@ -8057,22 +12648,59 @@
           <a:p>
             <a:r>
               <a:rPr lang="en-US" dirty="0" smtClean="0"/>
-              <a:t>These needs appear in human-to-system and system-to-system interaction channels as below.</a:t>
-            </a:r>
-          </a:p>
-          <a:p>
-            <a:pPr lvl="1"/>
-            <a:r>
-              <a:rPr lang="en-US" dirty="0" smtClean="0"/>
-              <a:t>Human to machine — keyboard, mouse, stylus, touch, speech, and biometrics.</a:t>
-            </a:r>
-          </a:p>
-          <a:p>
-            <a:pPr lvl="1"/>
-            <a:r>
-              <a:rPr lang="en-US" dirty="0" smtClean="0"/>
-              <a:t>Machine to machine — The seven OSI network layers, from top to bottom: Application, Presentation, Session, Transport, Network, Data Link, and Physical.</a:t>
-            </a:r>
+              <a:t>When people or systems communicate, we need to assure them of five things:</a:t>
+            </a:r>
+          </a:p>
+          <a:p>
+            <a:pPr marL="914400" lvl="1" indent="-457200">
+              <a:buFont typeface="+mj-lt"/>
+              <a:buAutoNum type="arabicPeriod"/>
+            </a:pPr>
+            <a:r>
+              <a:rPr lang="en-US" dirty="0" smtClean="0"/>
+              <a:t>They cannot be overheard or spied on (privacy, provided by private networks and encryption)</a:t>
+            </a:r>
+          </a:p>
+          <a:p>
+            <a:pPr marL="914400" lvl="1" indent="-457200">
+              <a:buFont typeface="+mj-lt"/>
+              <a:buAutoNum type="arabicPeriod"/>
+            </a:pPr>
+            <a:r>
+              <a:rPr lang="en-US" dirty="0" smtClean="0"/>
+              <a:t>They are talking to a person or system they know (authentication, provided by 1/2/3 factors)</a:t>
+            </a:r>
+          </a:p>
+          <a:p>
+            <a:pPr marL="914400" lvl="1" indent="-457200">
+              <a:buFont typeface="+mj-lt"/>
+              <a:buAutoNum type="arabicPeriod"/>
+            </a:pPr>
+            <a:r>
+              <a:rPr lang="en-US" dirty="0" smtClean="0"/>
+              <a:t>The person or system has a right to the information or action requested (authorization, provided by roles)</a:t>
+            </a:r>
+          </a:p>
+          <a:p>
+            <a:pPr marL="914400" lvl="1" indent="-457200">
+              <a:buFont typeface="+mj-lt"/>
+              <a:buAutoNum type="arabicPeriod"/>
+            </a:pPr>
+            <a:r>
+              <a:rPr lang="en-US" dirty="0" smtClean="0"/>
+              <a:t>If something goes wrong, it can be investigated (non-repudiation and other details provided by accounting)</a:t>
+            </a:r>
+          </a:p>
+          <a:p>
+            <a:pPr marL="914400" lvl="1" indent="-457200">
+              <a:buFont typeface="+mj-lt"/>
+              <a:buAutoNum type="arabicPeriod"/>
+            </a:pPr>
+            <a:r>
+              <a:rPr lang="en-US" dirty="0" smtClean="0"/>
+              <a:t>Attacks are prevented or withstood while communicating (protection against various types of threats)</a:t>
+            </a:r>
+            <a:endParaRPr lang="en-US" dirty="0"/>
           </a:p>
         </p:txBody>
       </p:sp>
@@ -8094,7 +12722,122 @@
             <a:fld id="{B8DACC02-A2BD-4578-8E03-6D891060A695}" type="slidenum">
               <a:rPr lang="en-US" smtClean="0"/>
               <a:pPr/>
-              <a:t>34</a:t>
+              <a:t>40</a:t>
+            </a:fld>
+            <a:endParaRPr lang="en-US" dirty="0"/>
+          </a:p>
+        </p:txBody>
+      </p:sp>
+    </p:spTree>
+    <p:extLst>
+      <p:ext uri="{BB962C8B-B14F-4D97-AF65-F5344CB8AC3E}">
+        <p14:creationId xmlns:p14="http://schemas.microsoft.com/office/powerpoint/2010/main" val="78955012"/>
+      </p:ext>
+    </p:extLst>
+  </p:cSld>
+  <p:clrMapOvr>
+    <a:masterClrMapping/>
+  </p:clrMapOvr>
+</p:sld>
+</file>
+
+<file path=ppt/slides/slide41.xml><?xml version="1.0" encoding="utf-8"?>
+<p:sld xmlns:a="http://schemas.openxmlformats.org/drawingml/2006/main" xmlns:r="http://schemas.openxmlformats.org/officeDocument/2006/relationships" xmlns:p="http://schemas.openxmlformats.org/presentationml/2006/main">
+  <p:cSld>
+    <p:spTree>
+      <p:nvGrpSpPr>
+        <p:cNvPr id="1" name=""/>
+        <p:cNvGrpSpPr/>
+        <p:nvPr/>
+      </p:nvGrpSpPr>
+      <p:grpSpPr>
+        <a:xfrm>
+          <a:off x="0" y="0"/>
+          <a:ext cx="0" cy="0"/>
+          <a:chOff x="0" y="0"/>
+          <a:chExt cx="0" cy="0"/>
+        </a:xfrm>
+      </p:grpSpPr>
+      <p:sp>
+        <p:nvSpPr>
+          <p:cNvPr id="2" name="Title 1"/>
+          <p:cNvSpPr>
+            <a:spLocks noGrp="1"/>
+          </p:cNvSpPr>
+          <p:nvPr>
+            <p:ph type="title"/>
+          </p:nvPr>
+        </p:nvSpPr>
+        <p:spPr/>
+        <p:txBody>
+          <a:bodyPr/>
+          <a:lstStyle/>
+          <a:p>
+            <a:r>
+              <a:rPr lang="en-US" dirty="0" smtClean="0"/>
+              <a:t>Integration Security Patterns</a:t>
+            </a:r>
+            <a:endParaRPr lang="en-US" dirty="0"/>
+          </a:p>
+        </p:txBody>
+      </p:sp>
+      <p:sp>
+        <p:nvSpPr>
+          <p:cNvPr id="3" name="Content Placeholder 2"/>
+          <p:cNvSpPr>
+            <a:spLocks noGrp="1"/>
+          </p:cNvSpPr>
+          <p:nvPr>
+            <p:ph idx="1"/>
+          </p:nvPr>
+        </p:nvSpPr>
+        <p:spPr/>
+        <p:txBody>
+          <a:bodyPr>
+            <a:normAutofit/>
+          </a:bodyPr>
+          <a:lstStyle/>
+          <a:p>
+            <a:r>
+              <a:rPr lang="en-US" dirty="0" smtClean="0"/>
+              <a:t>These needs appear in human-to-system and system-to-system interaction channels as below.</a:t>
+            </a:r>
+          </a:p>
+          <a:p>
+            <a:pPr lvl="1"/>
+            <a:r>
+              <a:rPr lang="en-US" dirty="0" smtClean="0"/>
+              <a:t>Human to machine — keyboard, mouse, stylus, touch, speech, and biometrics.</a:t>
+            </a:r>
+          </a:p>
+          <a:p>
+            <a:pPr lvl="1"/>
+            <a:r>
+              <a:rPr lang="en-US" dirty="0" smtClean="0"/>
+              <a:t>Machine to machine — The seven OSI network layers, from top to bottom: Application, Presentation, Session, Transport, Network, Data Link, and Physical.</a:t>
+            </a:r>
+          </a:p>
+        </p:txBody>
+      </p:sp>
+      <p:sp>
+        <p:nvSpPr>
+          <p:cNvPr id="4" name="Slide Number Placeholder 3"/>
+          <p:cNvSpPr>
+            <a:spLocks noGrp="1"/>
+          </p:cNvSpPr>
+          <p:nvPr>
+            <p:ph type="sldNum" sz="quarter" idx="12"/>
+          </p:nvPr>
+        </p:nvSpPr>
+        <p:spPr/>
+        <p:txBody>
+          <a:bodyPr/>
+          <a:lstStyle/>
+          <a:p>
+            <a:fld id="{B8DACC02-A2BD-4578-8E03-6D891060A695}" type="slidenum">
+              <a:rPr lang="en-US" smtClean="0"/>
+              <a:pPr/>
+              <a:t>41</a:t>
             </a:fld>
             <a:endParaRPr lang="en-US" dirty="0"/>
           </a:p>
@@ -8120,7 +12863,7 @@
 </p:sld>
 </file>
 
-<file path=ppt/slides/slide35.xml><?xml version="1.0" encoding="utf-8"?>
+<file path=ppt/slides/slide42.xml><?xml version="1.0" encoding="utf-8"?>
 <p:sld xmlns:a="http://schemas.openxmlformats.org/drawingml/2006/main" xmlns:r="http://schemas.openxmlformats.org/officeDocument/2006/relationships" xmlns:p="http://schemas.openxmlformats.org/presentationml/2006/main">
   <p:cSld>
     <p:spTree>
@@ -8234,7 +12977,7 @@
             <a:fld id="{B8DACC02-A2BD-4578-8E03-6D891060A695}" type="slidenum">
               <a:rPr lang="en-US" smtClean="0"/>
               <a:pPr/>
-              <a:t>35</a:t>
+              <a:t>42</a:t>
             </a:fld>
             <a:endParaRPr lang="en-US" dirty="0"/>
           </a:p>
@@ -8260,7 +13003,7 @@
 </p:sld>
 </file>
 
-<file path=ppt/slides/slide36.xml><?xml version="1.0" encoding="utf-8"?>
+<file path=ppt/slides/slide43.xml><?xml version="1.0" encoding="utf-8"?>
 <p:sld xmlns:a="http://schemas.openxmlformats.org/drawingml/2006/main" xmlns:r="http://schemas.openxmlformats.org/officeDocument/2006/relationships" xmlns:p="http://schemas.openxmlformats.org/presentationml/2006/main">
   <p:cSld>
     <p:spTree>
@@ -8335,7 +13078,7 @@
           <a:p>
             <a:fld id="{B8DACC02-A2BD-4578-8E03-6D891060A695}" type="slidenum">
               <a:rPr lang="en-US" smtClean="0"/>
-              <a:t>36</a:t>
+              <a:t>43</a:t>
             </a:fld>
             <a:endParaRPr lang="en-US"/>
           </a:p>
@@ -8354,7 +13097,7 @@
 </p:sld>
 </file>
 
-<file path=ppt/slides/slide37.xml><?xml version="1.0" encoding="utf-8"?>
+<file path=ppt/slides/slide44.xml><?xml version="1.0" encoding="utf-8"?>
 <p:sld xmlns:a="http://schemas.openxmlformats.org/drawingml/2006/main" xmlns:r="http://schemas.openxmlformats.org/officeDocument/2006/relationships" xmlns:p="http://schemas.openxmlformats.org/presentationml/2006/main">
   <p:cSld>
     <p:spTree>
@@ -8471,7 +13214,7 @@
             <a:fld id="{B8DACC02-A2BD-4578-8E03-6D891060A695}" type="slidenum">
               <a:rPr lang="en-US" smtClean="0"/>
               <a:pPr/>
-              <a:t>37</a:t>
+              <a:t>44</a:t>
             </a:fld>
             <a:endParaRPr lang="en-US" dirty="0"/>
           </a:p>
@@ -8490,7 +13233,7 @@
 </p:sld>
 </file>
 
-<file path=ppt/slides/slide38.xml><?xml version="1.0" encoding="utf-8"?>
+<file path=ppt/slides/slide45.xml><?xml version="1.0" encoding="utf-8"?>
 <p:sld xmlns:a="http://schemas.openxmlformats.org/drawingml/2006/main" xmlns:r="http://schemas.openxmlformats.org/officeDocument/2006/relationships" xmlns:p="http://schemas.openxmlformats.org/presentationml/2006/main">
   <p:cSld>
     <p:spTree>
@@ -8653,7 +13396,7 @@
             <a:fld id="{B8DACC02-A2BD-4578-8E03-6D891060A695}" type="slidenum">
               <a:rPr lang="en-US" smtClean="0"/>
               <a:pPr/>
-              <a:t>38</a:t>
+              <a:t>45</a:t>
             </a:fld>
             <a:endParaRPr lang="en-US" dirty="0"/>
           </a:p>
@@ -8672,7 +13415,7 @@
 </p:sld>
 </file>
 
-<file path=ppt/slides/slide39.xml><?xml version="1.0" encoding="utf-8"?>
+<file path=ppt/slides/slide46.xml><?xml version="1.0" encoding="utf-8"?>
 <p:sld xmlns:a="http://schemas.openxmlformats.org/drawingml/2006/main" xmlns:r="http://schemas.openxmlformats.org/officeDocument/2006/relationships" xmlns:p="http://schemas.openxmlformats.org/presentationml/2006/main">
   <p:cSld>
     <p:spTree>
@@ -8840,7 +13583,7 @@
             <a:fld id="{B8DACC02-A2BD-4578-8E03-6D891060A695}" type="slidenum">
               <a:rPr lang="en-US" smtClean="0"/>
               <a:pPr/>
-              <a:t>39</a:t>
+              <a:t>46</a:t>
             </a:fld>
             <a:endParaRPr lang="en-US" dirty="0"/>
           </a:p>
@@ -8859,144 +13602,7 @@
 </p:sld>
 </file>
 
-<file path=ppt/slides/slide4.xml><?xml version="1.0" encoding="utf-8"?>
-<p:sld xmlns:a="http://schemas.openxmlformats.org/drawingml/2006/main" xmlns:r="http://schemas.openxmlformats.org/officeDocument/2006/relationships" xmlns:p="http://schemas.openxmlformats.org/presentationml/2006/main">
-  <p:cSld>
-    <p:spTree>
-      <p:nvGrpSpPr>
-        <p:cNvPr id="1" name=""/>
-        <p:cNvGrpSpPr/>
-        <p:nvPr/>
-      </p:nvGrpSpPr>
-      <p:grpSpPr>
-        <a:xfrm>
-          <a:off x="0" y="0"/>
-          <a:ext cx="0" cy="0"/>
-          <a:chOff x="0" y="0"/>
-          <a:chExt cx="0" cy="0"/>
-        </a:xfrm>
-      </p:grpSpPr>
-      <p:sp>
-        <p:nvSpPr>
-          <p:cNvPr id="2" name="Title 1"/>
-          <p:cNvSpPr>
-            <a:spLocks noGrp="1"/>
-          </p:cNvSpPr>
-          <p:nvPr>
-            <p:ph type="title"/>
-          </p:nvPr>
-        </p:nvSpPr>
-        <p:spPr/>
-        <p:txBody>
-          <a:bodyPr/>
-          <a:lstStyle/>
-          <a:p>
-            <a:r>
-              <a:rPr lang="en-US" dirty="0" smtClean="0"/>
-              <a:t>Hierarchy of enterprise integration patterns</a:t>
-            </a:r>
-            <a:endParaRPr lang="en-US" dirty="0"/>
-          </a:p>
-        </p:txBody>
-      </p:sp>
-      <p:sp>
-        <p:nvSpPr>
-          <p:cNvPr id="3" name="Content Placeholder 2"/>
-          <p:cNvSpPr>
-            <a:spLocks noGrp="1"/>
-          </p:cNvSpPr>
-          <p:nvPr>
-            <p:ph idx="1"/>
-          </p:nvPr>
-        </p:nvSpPr>
-        <p:spPr/>
-        <p:txBody>
-          <a:bodyPr/>
-          <a:lstStyle/>
-          <a:p>
-            <a:endParaRPr lang="en-US"/>
-          </a:p>
-        </p:txBody>
-      </p:sp>
-      <p:pic>
-        <p:nvPicPr>
-          <p:cNvPr id="1026" name="Picture 2" descr="https://miro.medium.com/v2/resize:fit:700/1*3RtjdjHqylQ18CN8N9WmGw.png"/>
-          <p:cNvPicPr>
-            <a:picLocks noChangeAspect="1" noChangeArrowheads="1"/>
-          </p:cNvPicPr>
-          <p:nvPr/>
-        </p:nvPicPr>
-        <p:blipFill>
-          <a:blip r:embed="rId2">
-            <a:extLst>
-              <a:ext uri="{28A0092B-C50C-407E-A947-70E740481C1C}">
-                <a14:useLocalDpi xmlns:a14="http://schemas.microsoft.com/office/drawing/2010/main" val="0"/>
-              </a:ext>
-            </a:extLst>
-          </a:blip>
-          <a:srcRect/>
-          <a:stretch>
-            <a:fillRect/>
-          </a:stretch>
-        </p:blipFill>
-        <p:spPr bwMode="auto">
-          <a:xfrm>
-            <a:off x="3052428" y="1215987"/>
-            <a:ext cx="6667500" cy="5029201"/>
-          </a:xfrm>
-          <a:prstGeom prst="rect">
-            <a:avLst/>
-          </a:prstGeom>
-          <a:noFill/>
-          <a:extLst>
-            <a:ext uri="{909E8E84-426E-40DD-AFC4-6F175D3DCCD1}">
-              <a14:hiddenFill xmlns:a14="http://schemas.microsoft.com/office/drawing/2010/main">
-                <a:solidFill>
-                  <a:srgbClr val="FFFFFF"/>
-                </a:solidFill>
-              </a14:hiddenFill>
-            </a:ext>
-          </a:extLst>
-        </p:spPr>
-      </p:pic>
-      <p:sp>
-        <p:nvSpPr>
-          <p:cNvPr id="4" name="Slide Number Placeholder 3"/>
-          <p:cNvSpPr>
-            <a:spLocks noGrp="1"/>
-          </p:cNvSpPr>
-          <p:nvPr>
-            <p:ph type="sldNum" sz="quarter" idx="12"/>
-          </p:nvPr>
-        </p:nvSpPr>
-        <p:spPr/>
-        <p:txBody>
-          <a:bodyPr/>
-          <a:lstStyle/>
-          <a:p>
-            <a:fld id="{B8DACC02-A2BD-4578-8E03-6D891060A695}" type="slidenum">
-              <a:rPr lang="en-US" smtClean="0"/>
-              <a:pPr/>
-              <a:t>4</a:t>
-            </a:fld>
-            <a:endParaRPr lang="en-US" dirty="0"/>
-          </a:p>
-        </p:txBody>
-      </p:sp>
-    </p:spTree>
-    <p:extLst>
-      <p:ext uri="{BB962C8B-B14F-4D97-AF65-F5344CB8AC3E}">
-        <p14:creationId xmlns:p14="http://schemas.microsoft.com/office/powerpoint/2010/main" val="65759134"/>
-      </p:ext>
-    </p:extLst>
-  </p:cSld>
-  <p:clrMapOvr>
-    <a:masterClrMapping/>
-  </p:clrMapOvr>
-</p:sld>
-</file>
-
-<file path=ppt/slides/slide40.xml><?xml version="1.0" encoding="utf-8"?>
+<file path=ppt/slides/slide47.xml><?xml version="1.0" encoding="utf-8"?>
 <p:sld xmlns:a="http://schemas.openxmlformats.org/drawingml/2006/main" xmlns:r="http://schemas.openxmlformats.org/officeDocument/2006/relationships" xmlns:p="http://schemas.openxmlformats.org/presentationml/2006/main">
   <p:cSld>
     <p:spTree>
@@ -9142,7 +13748,7 @@
             <a:fld id="{B8DACC02-A2BD-4578-8E03-6D891060A695}" type="slidenum">
               <a:rPr lang="en-US" smtClean="0"/>
               <a:pPr/>
-              <a:t>40</a:t>
+              <a:t>47</a:t>
             </a:fld>
             <a:endParaRPr lang="en-US" dirty="0"/>
           </a:p>
@@ -9161,7 +13767,7 @@
 </p:sld>
 </file>
 
-<file path=ppt/slides/slide41.xml><?xml version="1.0" encoding="utf-8"?>
+<file path=ppt/slides/slide48.xml><?xml version="1.0" encoding="utf-8"?>
 <p:sld xmlns:a="http://schemas.openxmlformats.org/drawingml/2006/main" xmlns:r="http://schemas.openxmlformats.org/officeDocument/2006/relationships" xmlns:p="http://schemas.openxmlformats.org/presentationml/2006/main">
   <p:cSld>
     <p:spTree>
@@ -9316,7 +13922,7 @@
             <a:fld id="{B8DACC02-A2BD-4578-8E03-6D891060A695}" type="slidenum">
               <a:rPr lang="en-US" smtClean="0"/>
               <a:pPr/>
-              <a:t>41</a:t>
+              <a:t>48</a:t>
             </a:fld>
             <a:endParaRPr lang="en-US" dirty="0"/>
           </a:p>
@@ -9335,7 +13941,7 @@
 </p:sld>
 </file>
 
-<file path=ppt/slides/slide42.xml><?xml version="1.0" encoding="utf-8"?>
+<file path=ppt/slides/slide49.xml><?xml version="1.0" encoding="utf-8"?>
 <p:sld xmlns:a="http://schemas.openxmlformats.org/drawingml/2006/main" xmlns:r="http://schemas.openxmlformats.org/officeDocument/2006/relationships" xmlns:p="http://schemas.openxmlformats.org/presentationml/2006/main">
   <p:cSld>
     <p:spTree>
@@ -9495,7 +14101,7 @@
             <a:fld id="{B8DACC02-A2BD-4578-8E03-6D891060A695}" type="slidenum">
               <a:rPr lang="en-US" smtClean="0"/>
               <a:pPr/>
-              <a:t>42</a:t>
+              <a:t>49</a:t>
             </a:fld>
             <a:endParaRPr lang="en-US" dirty="0"/>
           </a:p>
@@ -9514,7 +14120,123 @@
 </p:sld>
 </file>
 
-<file path=ppt/slides/slide43.xml><?xml version="1.0" encoding="utf-8"?>
+<file path=ppt/slides/slide5.xml><?xml version="1.0" encoding="utf-8"?>
+<p:sld xmlns:a="http://schemas.openxmlformats.org/drawingml/2006/main" xmlns:r="http://schemas.openxmlformats.org/officeDocument/2006/relationships" xmlns:p="http://schemas.openxmlformats.org/presentationml/2006/main">
+  <p:cSld>
+    <p:spTree>
+      <p:nvGrpSpPr>
+        <p:cNvPr id="1" name=""/>
+        <p:cNvGrpSpPr/>
+        <p:nvPr/>
+      </p:nvGrpSpPr>
+      <p:grpSpPr>
+        <a:xfrm>
+          <a:off x="0" y="0"/>
+          <a:ext cx="0" cy="0"/>
+          <a:chOff x="0" y="0"/>
+          <a:chExt cx="0" cy="0"/>
+        </a:xfrm>
+      </p:grpSpPr>
+      <p:sp>
+        <p:nvSpPr>
+          <p:cNvPr id="2" name="Title 1"/>
+          <p:cNvSpPr>
+            <a:spLocks noGrp="1"/>
+          </p:cNvSpPr>
+          <p:nvPr>
+            <p:ph type="title"/>
+          </p:nvPr>
+        </p:nvSpPr>
+        <p:spPr/>
+        <p:txBody>
+          <a:bodyPr/>
+          <a:lstStyle/>
+          <a:p>
+            <a:r>
+              <a:rPr lang="en-US" dirty="0" smtClean="0"/>
+              <a:t>Hierarchy of enterprise integration patterns</a:t>
+            </a:r>
+            <a:endParaRPr lang="en-US" dirty="0"/>
+          </a:p>
+        </p:txBody>
+      </p:sp>
+      <p:sp>
+        <p:nvSpPr>
+          <p:cNvPr id="3" name="Content Placeholder 2"/>
+          <p:cNvSpPr>
+            <a:spLocks noGrp="1"/>
+          </p:cNvSpPr>
+          <p:nvPr>
+            <p:ph idx="1"/>
+          </p:nvPr>
+        </p:nvSpPr>
+        <p:spPr/>
+        <p:txBody>
+          <a:bodyPr>
+            <a:normAutofit/>
+          </a:bodyPr>
+          <a:lstStyle/>
+          <a:p>
+            <a:r>
+              <a:rPr lang="en-US" dirty="0" smtClean="0"/>
+              <a:t>Business function hierarchy</a:t>
+            </a:r>
+          </a:p>
+          <a:p>
+            <a:pPr lvl="1"/>
+            <a:r>
+              <a:rPr lang="en-US" dirty="0" smtClean="0"/>
+              <a:t>BPM — Business process management coordinates people, systems, information and things to produce business outcomes for the domains and sub-domains of the enterprise. Examples are product design, manufacturing, marketing, customer acquisition, sales, etc. BPM architecture automates the dynamic integration of business processes to the maximum extent possible to provide well-defined, repeatable, efficient and reliable outcomes.</a:t>
+            </a:r>
+          </a:p>
+          <a:p>
+            <a:pPr lvl="1"/>
+            <a:r>
+              <a:rPr lang="en-US" dirty="0" smtClean="0"/>
+              <a:t>Workflow — A workflow is a defined sequence of tasks carried out by systems and humans working together to deliver a business task. It can be considered a subset of a business process. An example is the approval workflow of a business loan. Workflow architecture integrates IT systems and humans for the initiation, routing, analytical decision-support, manual steps, automated tasks, coordination, and monitoring of workflows.</a:t>
+            </a:r>
+            <a:endParaRPr lang="en-US" dirty="0"/>
+          </a:p>
+        </p:txBody>
+      </p:sp>
+      <p:sp>
+        <p:nvSpPr>
+          <p:cNvPr id="4" name="Slide Number Placeholder 3"/>
+          <p:cNvSpPr>
+            <a:spLocks noGrp="1"/>
+          </p:cNvSpPr>
+          <p:nvPr>
+            <p:ph type="sldNum" sz="quarter" idx="12"/>
+          </p:nvPr>
+        </p:nvSpPr>
+        <p:spPr/>
+        <p:txBody>
+          <a:bodyPr/>
+          <a:lstStyle/>
+          <a:p>
+            <a:fld id="{B8DACC02-A2BD-4578-8E03-6D891060A695}" type="slidenum">
+              <a:rPr lang="en-US" smtClean="0"/>
+              <a:pPr/>
+              <a:t>5</a:t>
+            </a:fld>
+            <a:endParaRPr lang="en-US" dirty="0"/>
+          </a:p>
+        </p:txBody>
+      </p:sp>
+    </p:spTree>
+    <p:extLst>
+      <p:ext uri="{BB962C8B-B14F-4D97-AF65-F5344CB8AC3E}">
+        <p14:creationId xmlns:p14="http://schemas.microsoft.com/office/powerpoint/2010/main" val="102691086"/>
+      </p:ext>
+    </p:extLst>
+  </p:cSld>
+  <p:clrMapOvr>
+    <a:masterClrMapping/>
+  </p:clrMapOvr>
+</p:sld>
+</file>
+
+<file path=ppt/slides/slide50.xml><?xml version="1.0" encoding="utf-8"?>
 <p:sld xmlns:a="http://schemas.openxmlformats.org/drawingml/2006/main" xmlns:r="http://schemas.openxmlformats.org/officeDocument/2006/relationships" xmlns:p="http://schemas.openxmlformats.org/presentationml/2006/main">
   <p:cSld>
     <p:spTree>
@@ -9674,7 +14396,7 @@
             <a:fld id="{B8DACC02-A2BD-4578-8E03-6D891060A695}" type="slidenum">
               <a:rPr lang="en-US" smtClean="0"/>
               <a:pPr/>
-              <a:t>43</a:t>
+              <a:t>50</a:t>
             </a:fld>
             <a:endParaRPr lang="en-US" dirty="0"/>
           </a:p>
@@ -9693,7 +14415,7 @@
 </p:sld>
 </file>
 
-<file path=ppt/slides/slide44.xml><?xml version="1.0" encoding="utf-8"?>
+<file path=ppt/slides/slide51.xml><?xml version="1.0" encoding="utf-8"?>
 <p:sld xmlns:a="http://schemas.openxmlformats.org/drawingml/2006/main" xmlns:r="http://schemas.openxmlformats.org/officeDocument/2006/relationships" xmlns:p="http://schemas.openxmlformats.org/presentationml/2006/main">
   <p:cSld>
     <p:spTree>
@@ -9853,7 +14575,7 @@
             <a:fld id="{B8DACC02-A2BD-4578-8E03-6D891060A695}" type="slidenum">
               <a:rPr lang="en-US" smtClean="0"/>
               <a:pPr/>
-              <a:t>44</a:t>
+              <a:t>51</a:t>
             </a:fld>
             <a:endParaRPr lang="en-US" dirty="0"/>
           </a:p>
@@ -9872,7 +14594,7 @@
 </p:sld>
 </file>
 
-<file path=ppt/slides/slide45.xml><?xml version="1.0" encoding="utf-8"?>
+<file path=ppt/slides/slide52.xml><?xml version="1.0" encoding="utf-8"?>
 <p:sld xmlns:a="http://schemas.openxmlformats.org/drawingml/2006/main" xmlns:r="http://schemas.openxmlformats.org/officeDocument/2006/relationships" xmlns:p="http://schemas.openxmlformats.org/presentationml/2006/main">
   <p:cSld>
     <p:spTree>
@@ -10027,7 +14749,7 @@
             <a:fld id="{B8DACC02-A2BD-4578-8E03-6D891060A695}" type="slidenum">
               <a:rPr lang="en-US" smtClean="0"/>
               <a:pPr/>
-              <a:t>45</a:t>
+              <a:t>52</a:t>
             </a:fld>
             <a:endParaRPr lang="en-US" dirty="0"/>
           </a:p>
@@ -10046,7 +14768,7 @@
 </p:sld>
 </file>
 
-<file path=ppt/slides/slide46.xml><?xml version="1.0" encoding="utf-8"?>
+<file path=ppt/slides/slide53.xml><?xml version="1.0" encoding="utf-8"?>
 <p:sld xmlns:a="http://schemas.openxmlformats.org/drawingml/2006/main" xmlns:r="http://schemas.openxmlformats.org/officeDocument/2006/relationships" xmlns:p="http://schemas.openxmlformats.org/presentationml/2006/main">
   <p:cSld>
     <p:spTree>
@@ -10192,7 +14914,7 @@
             <a:fld id="{B8DACC02-A2BD-4578-8E03-6D891060A695}" type="slidenum">
               <a:rPr lang="en-US" smtClean="0"/>
               <a:pPr/>
-              <a:t>46</a:t>
+              <a:t>53</a:t>
             </a:fld>
             <a:endParaRPr lang="en-US" dirty="0"/>
           </a:p>
@@ -10211,7 +14933,7 @@
 </p:sld>
 </file>
 
-<file path=ppt/slides/slide47.xml><?xml version="1.0" encoding="utf-8"?>
+<file path=ppt/slides/slide54.xml><?xml version="1.0" encoding="utf-8"?>
 <p:sld xmlns:a="http://schemas.openxmlformats.org/drawingml/2006/main" xmlns:r="http://schemas.openxmlformats.org/officeDocument/2006/relationships" xmlns:p="http://schemas.openxmlformats.org/presentationml/2006/main">
   <p:cSld>
     <p:spTree>
@@ -10364,7 +15086,7 @@
             <a:fld id="{B8DACC02-A2BD-4578-8E03-6D891060A695}" type="slidenum">
               <a:rPr lang="en-US" smtClean="0"/>
               <a:pPr/>
-              <a:t>47</a:t>
+              <a:t>54</a:t>
             </a:fld>
             <a:endParaRPr lang="en-US" dirty="0"/>
           </a:p>
@@ -10383,7 +15105,7 @@
 </p:sld>
 </file>
 
-<file path=ppt/slides/slide48.xml><?xml version="1.0" encoding="utf-8"?>
+<file path=ppt/slides/slide55.xml><?xml version="1.0" encoding="utf-8"?>
 <p:sld xmlns:a="http://schemas.openxmlformats.org/drawingml/2006/main" xmlns:r="http://schemas.openxmlformats.org/officeDocument/2006/relationships" xmlns:p="http://schemas.openxmlformats.org/presentationml/2006/main">
   <p:cSld>
     <p:spTree>
@@ -10543,7 +15265,7 @@
             <a:fld id="{B8DACC02-A2BD-4578-8E03-6D891060A695}" type="slidenum">
               <a:rPr lang="en-US" smtClean="0"/>
               <a:pPr/>
-              <a:t>48</a:t>
+              <a:t>55</a:t>
             </a:fld>
             <a:endParaRPr lang="en-US" dirty="0"/>
           </a:p>
@@ -10553,126 +15275,6 @@
     <p:extLst>
       <p:ext uri="{BB962C8B-B14F-4D97-AF65-F5344CB8AC3E}">
         <p14:creationId xmlns:p14="http://schemas.microsoft.com/office/powerpoint/2010/main" val="1537760182"/>
-      </p:ext>
-    </p:extLst>
-  </p:cSld>
-  <p:clrMapOvr>
-    <a:masterClrMapping/>
-  </p:clrMapOvr>
-</p:sld>
-</file>
-
-<file path=ppt/slides/slide5.xml><?xml version="1.0" encoding="utf-8"?>
-<p:sld xmlns:a="http://schemas.openxmlformats.org/drawingml/2006/main" xmlns:r="http://schemas.openxmlformats.org/officeDocument/2006/relationships" xmlns:p="http://schemas.openxmlformats.org/presentationml/2006/main">
-  <p:cSld>
-    <p:spTree>
-      <p:nvGrpSpPr>
-        <p:cNvPr id="1" name=""/>
-        <p:cNvGrpSpPr/>
-        <p:nvPr/>
-      </p:nvGrpSpPr>
-      <p:grpSpPr>
-        <a:xfrm>
-          <a:off x="0" y="0"/>
-          <a:ext cx="0" cy="0"/>
-          <a:chOff x="0" y="0"/>
-          <a:chExt cx="0" cy="0"/>
-        </a:xfrm>
-      </p:grpSpPr>
-      <p:sp>
-        <p:nvSpPr>
-          <p:cNvPr id="2" name="Title 1"/>
-          <p:cNvSpPr>
-            <a:spLocks noGrp="1"/>
-          </p:cNvSpPr>
-          <p:nvPr>
-            <p:ph type="title"/>
-          </p:nvPr>
-        </p:nvSpPr>
-        <p:spPr/>
-        <p:txBody>
-          <a:bodyPr/>
-          <a:lstStyle/>
-          <a:p>
-            <a:r>
-              <a:rPr lang="en-US" dirty="0" smtClean="0"/>
-              <a:t>Hierarchy of enterprise integration patterns</a:t>
-            </a:r>
-            <a:endParaRPr lang="en-US" dirty="0"/>
-          </a:p>
-        </p:txBody>
-      </p:sp>
-      <p:sp>
-        <p:nvSpPr>
-          <p:cNvPr id="3" name="Content Placeholder 2"/>
-          <p:cNvSpPr>
-            <a:spLocks noGrp="1"/>
-          </p:cNvSpPr>
-          <p:nvPr>
-            <p:ph idx="1"/>
-          </p:nvPr>
-        </p:nvSpPr>
-        <p:spPr/>
-        <p:txBody>
-          <a:bodyPr>
-            <a:normAutofit/>
-          </a:bodyPr>
-          <a:lstStyle/>
-          <a:p>
-            <a:r>
-              <a:rPr lang="en-US" dirty="0" smtClean="0"/>
-              <a:t>Business function hierarchy</a:t>
-            </a:r>
-          </a:p>
-          <a:p>
-            <a:pPr lvl="1"/>
-            <a:r>
-              <a:rPr lang="en-US" dirty="0" smtClean="0"/>
-              <a:t>BPM — Business process management coordinates people, systems, information and things to produce business outcomes for the domains and sub-domains of the enterprise. Examples are product design, manufacturing, marketing, customer acquisition, sales, etc. BPM architecture automates the dynamic integration of business processes to the maximum extent possible to provide well-defined, repeatable, efficient and reliable outcomes.</a:t>
-            </a:r>
-          </a:p>
-          <a:p>
-            <a:pPr lvl="1"/>
-            <a:r>
-              <a:rPr lang="en-US" dirty="0" smtClean="0"/>
-              <a:t>Workflow — A workflow is a defined sequence of tasks carried out by systems and humans working together to deliver a business task. It can be considered a subset of a business process. An example is the approval workflow of a business loan. Workflow architecture integrates IT systems and humans for the initiation, routing, analytical decision-support, manual steps, automated tasks, coordination, and monitoring of workflows</a:t>
-            </a:r>
-            <a:r>
-              <a:rPr lang="en-US" dirty="0" smtClean="0"/>
-              <a:t>.</a:t>
-            </a:r>
-            <a:endParaRPr lang="en-US" dirty="0"/>
-          </a:p>
-        </p:txBody>
-      </p:sp>
-      <p:sp>
-        <p:nvSpPr>
-          <p:cNvPr id="4" name="Slide Number Placeholder 3"/>
-          <p:cNvSpPr>
-            <a:spLocks noGrp="1"/>
-          </p:cNvSpPr>
-          <p:nvPr>
-            <p:ph type="sldNum" sz="quarter" idx="12"/>
-          </p:nvPr>
-        </p:nvSpPr>
-        <p:spPr/>
-        <p:txBody>
-          <a:bodyPr/>
-          <a:lstStyle/>
-          <a:p>
-            <a:fld id="{B8DACC02-A2BD-4578-8E03-6D891060A695}" type="slidenum">
-              <a:rPr lang="en-US" smtClean="0"/>
-              <a:pPr/>
-              <a:t>5</a:t>
-            </a:fld>
-            <a:endParaRPr lang="en-US" dirty="0"/>
-          </a:p>
-        </p:txBody>
-      </p:sp>
-    </p:spTree>
-    <p:extLst>
-      <p:ext uri="{BB962C8B-B14F-4D97-AF65-F5344CB8AC3E}">
-        <p14:creationId xmlns:p14="http://schemas.microsoft.com/office/powerpoint/2010/main" val="102691086"/>
       </p:ext>
     </p:extLst>
   </p:cSld>
@@ -10748,11 +15350,7 @@
             <a:pPr lvl="1"/>
             <a:r>
               <a:rPr lang="en-US" dirty="0" smtClean="0"/>
-              <a:t>Systems </a:t>
-            </a:r>
-            <a:r>
-              <a:rPr lang="en-US" dirty="0" smtClean="0"/>
-              <a:t>integration — In a well-designed IT landscape, functionality is divided into cohesive systems mapping to business domain and sub-domain capabilities. These systems must work together to deliver useful outcomes for workflows and business processes. System integration automates their dynamic cooperation. (Read this article for more about the types of systems that need to be integrated → A Practical Abstraction of Functional IT Systems.)</a:t>
+              <a:t>Systems integration — In a well-designed IT landscape, functionality is divided into cohesive systems mapping to business domain and sub-domain capabilities. These systems must work together to deliver useful outcomes for workflows and business processes. System integration automates their dynamic cooperation. (Read this article for more about the types of systems that need to be integrated → A Practical Abstraction of Functional IT Systems.)</a:t>
             </a:r>
           </a:p>
           <a:p>
@@ -10889,11 +15487,7 @@
             <a:pPr lvl="1"/>
             <a:r>
               <a:rPr lang="en-US" dirty="0" smtClean="0"/>
-              <a:t>Publish-subscribe — the server has information one or more consumers can take while it is </a:t>
-            </a:r>
-            <a:r>
-              <a:rPr lang="en-US" dirty="0" smtClean="0"/>
-              <a:t>fresh</a:t>
+              <a:t>Publish-subscribe — the server has information one or more consumers can take while it is fresh</a:t>
             </a:r>
             <a:endParaRPr lang="en-US" dirty="0"/>
           </a:p>
@@ -11002,11 +15596,7 @@
             <a:pPr lvl="1"/>
             <a:r>
               <a:rPr lang="en-US" dirty="0" smtClean="0"/>
-              <a:t>Object </a:t>
-            </a:r>
-            <a:r>
-              <a:rPr lang="en-US" dirty="0" smtClean="0"/>
-              <a:t>transformation — the client and server work with sufficient yet differing data packages</a:t>
+              <a:t>Object transformation — the client and server work with sufficient yet differing data packages</a:t>
             </a:r>
           </a:p>
           <a:p>
@@ -11035,11 +15625,7 @@
             <a:pPr lvl="1"/>
             <a:r>
               <a:rPr lang="en-US" dirty="0" smtClean="0"/>
-              <a:t>Merging of functions or data — the client has to be served from a combination of more than one operation or information </a:t>
-            </a:r>
-            <a:r>
-              <a:rPr lang="en-US" dirty="0" smtClean="0"/>
-              <a:t>repository</a:t>
+              <a:t>Merging of functions or data — the client has to be served from a combination of more than one operation or information repository</a:t>
             </a:r>
             <a:endParaRPr lang="en-US" dirty="0"/>
           </a:p>
@@ -11148,11 +15734,7 @@
             <a:pPr lvl="1"/>
             <a:r>
               <a:rPr lang="en-US" dirty="0" smtClean="0"/>
-              <a:t>Routing </a:t>
-            </a:r>
-            <a:r>
-              <a:rPr lang="en-US" dirty="0" smtClean="0"/>
-              <a:t>— the correct server has to be reached based on rules</a:t>
+              <a:t>Routing — the correct server has to be reached based on rules</a:t>
             </a:r>
           </a:p>
           <a:p>
